--- a/ppt/Seminar - Rohit & Rohit.pptx
+++ b/ppt/Seminar - Rohit & Rohit.pptx
@@ -10,10 +10,10 @@
     <p:sldMasterId id="2147483697" r:id="rId6"/>
   </p:sldMasterIdLst>
   <p:notesMasterIdLst>
-    <p:notesMasterId r:id="rId19"/>
+    <p:notesMasterId r:id="rId35"/>
   </p:notesMasterIdLst>
   <p:handoutMasterIdLst>
-    <p:handoutMasterId r:id="rId20"/>
+    <p:handoutMasterId r:id="rId36"/>
   </p:handoutMasterIdLst>
   <p:sldIdLst>
     <p:sldId id="355" r:id="rId7"/>
@@ -27,7 +27,23 @@
     <p:sldId id="399" r:id="rId15"/>
     <p:sldId id="400" r:id="rId16"/>
     <p:sldId id="401" r:id="rId17"/>
-    <p:sldId id="356" r:id="rId18"/>
+    <p:sldId id="402" r:id="rId18"/>
+    <p:sldId id="403" r:id="rId19"/>
+    <p:sldId id="404" r:id="rId20"/>
+    <p:sldId id="405" r:id="rId21"/>
+    <p:sldId id="406" r:id="rId22"/>
+    <p:sldId id="407" r:id="rId23"/>
+    <p:sldId id="408" r:id="rId24"/>
+    <p:sldId id="409" r:id="rId25"/>
+    <p:sldId id="410" r:id="rId26"/>
+    <p:sldId id="412" r:id="rId27"/>
+    <p:sldId id="411" r:id="rId28"/>
+    <p:sldId id="413" r:id="rId29"/>
+    <p:sldId id="414" r:id="rId30"/>
+    <p:sldId id="415" r:id="rId31"/>
+    <p:sldId id="416" r:id="rId32"/>
+    <p:sldId id="417" r:id="rId33"/>
+    <p:sldId id="356" r:id="rId34"/>
   </p:sldIdLst>
   <p:sldSz cx="9144000" cy="6858000" type="screen4x3"/>
   <p:notesSz cx="9925050" cy="6665913"/>
@@ -322,7 +338,7 @@
               <a:pPr>
                 <a:defRPr/>
               </a:pPr>
-              <a:t>24/01/2018</a:t>
+              <a:t>25/01/2018</a:t>
             </a:fld>
             <a:endParaRPr lang="en-GB" dirty="0"/>
           </a:p>
@@ -7752,57 +7768,16 @@
             </a:pPr>
             <a:r>
               <a:rPr lang="en-IN" sz="2000" dirty="0"/>
-              <a:t>Anti Ad-blocker scripts change HTML content by:</a:t>
-            </a:r>
-          </a:p>
-          <a:p>
-            <a:pPr marL="519113" lvl="1" indent="-342900">
-              <a:lnSpc>
-                <a:spcPct val="100000"/>
-              </a:lnSpc>
-              <a:buFont typeface="Arial" panose="020B0604020202020204" pitchFamily="34" charset="0"/>
-              <a:buChar char="•"/>
-            </a:pPr>
-            <a:r>
-              <a:rPr lang="en-IN" sz="1800" dirty="0"/>
-              <a:t>adding extra HTML elements,</a:t>
-            </a:r>
-          </a:p>
-          <a:p>
-            <a:pPr marL="519113" lvl="1" indent="-342900">
-              <a:lnSpc>
-                <a:spcPct val="100000"/>
-              </a:lnSpc>
-              <a:buFont typeface="Arial" panose="020B0604020202020204" pitchFamily="34" charset="0"/>
-              <a:buChar char="•"/>
-            </a:pPr>
-            <a:r>
-              <a:rPr lang="en-IN" sz="1800" dirty="0"/>
-              <a:t>change in style of existing HTML elements,</a:t>
-            </a:r>
-          </a:p>
-          <a:p>
-            <a:pPr marL="519113" lvl="1" indent="-342900">
-              <a:lnSpc>
-                <a:spcPct val="100000"/>
-              </a:lnSpc>
-              <a:buFont typeface="Arial" panose="020B0604020202020204" pitchFamily="34" charset="0"/>
-              <a:buChar char="•"/>
-            </a:pPr>
-            <a:r>
-              <a:rPr lang="en-IN" sz="1800" dirty="0"/>
-              <a:t>changes in textual context.</a:t>
-            </a:r>
-          </a:p>
-          <a:p>
-            <a:pPr marL="519113" lvl="1" indent="-342900">
-              <a:lnSpc>
-                <a:spcPct val="100000"/>
-              </a:lnSpc>
-              <a:buFont typeface="Arial" panose="020B0604020202020204" pitchFamily="34" charset="0"/>
-              <a:buChar char="•"/>
-            </a:pPr>
-            <a:endParaRPr lang="en-IN" sz="1800" dirty="0"/>
+              <a:t>We make use of Selenium Chrome </a:t>
+            </a:r>
+            <a:r>
+              <a:rPr lang="en-IN" sz="2000" dirty="0" err="1"/>
+              <a:t>Webdriver</a:t>
+            </a:r>
+            <a:r>
+              <a:rPr lang="en-IN" sz="2000" dirty="0"/>
+              <a:t> to launch two separate instances of Google Chrome.</a:t>
+            </a:r>
           </a:p>
           <a:p>
             <a:pPr marL="342900" indent="-342900">
@@ -7812,13 +7787,10 @@
               <a:buFont typeface="Arial" panose="020B0604020202020204" pitchFamily="34" charset="0"/>
               <a:buChar char="•"/>
             </a:pPr>
-            <a:r>
-              <a:rPr lang="en-IN" sz="1800" dirty="0"/>
-              <a:t>These changes can be categorized into:</a:t>
-            </a:r>
-          </a:p>
-          <a:p>
-            <a:pPr marL="519113" lvl="1" indent="-342900">
+            <a:endParaRPr lang="en-IN" sz="2000" dirty="0"/>
+          </a:p>
+          <a:p>
+            <a:pPr marL="342900" indent="-342900">
               <a:lnSpc>
                 <a:spcPct val="100000"/>
               </a:lnSpc>
@@ -7826,33 +7798,30 @@
               <a:buChar char="•"/>
             </a:pPr>
             <a:r>
-              <a:rPr lang="en-IN" sz="1800" i="1" dirty="0"/>
-              <a:t>Node Changes</a:t>
-            </a:r>
-            <a:r>
-              <a:rPr lang="en-IN" sz="1800" dirty="0"/>
-              <a:t>: Extra DOM elements</a:t>
-            </a:r>
-          </a:p>
-          <a:p>
-            <a:pPr marL="519113" lvl="1" indent="-342900">
+              <a:rPr lang="en-IN" sz="2000" dirty="0"/>
+              <a:t>Instance A is launched with </a:t>
+            </a:r>
+            <a:r>
+              <a:rPr lang="en-IN" sz="2000" dirty="0" err="1"/>
+              <a:t>Adblock</a:t>
+            </a:r>
+            <a:r>
+              <a:rPr lang="en-IN" sz="2000" dirty="0"/>
+              <a:t> Plus extension and instance B is without any extension.</a:t>
+            </a:r>
+          </a:p>
+          <a:p>
+            <a:pPr marL="342900" indent="-342900">
               <a:lnSpc>
                 <a:spcPct val="100000"/>
               </a:lnSpc>
               <a:buFont typeface="Arial" panose="020B0604020202020204" pitchFamily="34" charset="0"/>
               <a:buChar char="•"/>
             </a:pPr>
-            <a:r>
-              <a:rPr lang="en-IN" sz="1800" i="1" dirty="0"/>
-              <a:t>Style Changes</a:t>
-            </a:r>
-            <a:r>
-              <a:rPr lang="en-IN" sz="1800" dirty="0"/>
-              <a:t>: Toggling of hidden div elements</a:t>
-            </a:r>
-          </a:p>
-          <a:p>
-            <a:pPr marL="519113" lvl="1" indent="-342900">
+            <a:endParaRPr lang="en-IN" sz="2000" dirty="0"/>
+          </a:p>
+          <a:p>
+            <a:pPr marL="342900" indent="-342900">
               <a:lnSpc>
                 <a:spcPct val="100000"/>
               </a:lnSpc>
@@ -7860,29 +7829,78 @@
               <a:buChar char="•"/>
             </a:pPr>
             <a:r>
-              <a:rPr lang="en-IN" sz="1800" i="1" dirty="0"/>
-              <a:t>Textual Changes</a:t>
-            </a:r>
-            <a:r>
-              <a:rPr lang="en-IN" sz="1800" dirty="0"/>
-              <a:t>: Changes in textual content</a:t>
-            </a:r>
-          </a:p>
-          <a:p>
-            <a:pPr marL="519113" lvl="1" indent="-342900">
+              <a:rPr lang="en-IN" sz="2000" dirty="0"/>
+              <a:t>Instances are compared w.r.t Node Features (div, h1, h2, h3, </a:t>
+            </a:r>
+            <a:r>
+              <a:rPr lang="en-IN" sz="2000" dirty="0" err="1"/>
+              <a:t>img</a:t>
+            </a:r>
+            <a:r>
+              <a:rPr lang="en-IN" sz="2000" dirty="0"/>
+              <a:t>, table, p, </a:t>
+            </a:r>
+            <a:r>
+              <a:rPr lang="en-IN" sz="2000" dirty="0" err="1"/>
+              <a:t>iframe</a:t>
+            </a:r>
+            <a:r>
+              <a:rPr lang="en-IN" sz="2000" dirty="0"/>
+              <a:t> and text nodes), Textual Features (#lines, #words, #text) and Structural Features (URL redirection).</a:t>
+            </a:r>
+          </a:p>
+          <a:p>
+            <a:pPr marL="342900" indent="-342900">
               <a:lnSpc>
                 <a:spcPct val="100000"/>
               </a:lnSpc>
               <a:buFont typeface="Arial" panose="020B0604020202020204" pitchFamily="34" charset="0"/>
               <a:buChar char="•"/>
             </a:pPr>
-            <a:r>
-              <a:rPr lang="en-IN" sz="1800" i="1" dirty="0"/>
-              <a:t>Structural Changes</a:t>
-            </a:r>
-            <a:r>
-              <a:rPr lang="en-IN" sz="1800" dirty="0"/>
-              <a:t>: URL redirections</a:t>
+            <a:endParaRPr lang="en-IN" sz="2000" dirty="0"/>
+          </a:p>
+          <a:p>
+            <a:pPr marL="342900" indent="-342900">
+              <a:lnSpc>
+                <a:spcPct val="100000"/>
+              </a:lnSpc>
+              <a:buFont typeface="Arial" panose="020B0604020202020204" pitchFamily="34" charset="0"/>
+              <a:buChar char="•"/>
+            </a:pPr>
+            <a:r>
+              <a:rPr lang="en-IN" sz="2000" dirty="0"/>
+              <a:t>These features are compared using a Python script and </a:t>
+            </a:r>
+            <a:r>
+              <a:rPr lang="en-IN" sz="2000" dirty="0" err="1"/>
+              <a:t>BeautifulSoup</a:t>
+            </a:r>
+            <a:r>
+              <a:rPr lang="en-IN" sz="2000" dirty="0"/>
+              <a:t> library is used for screen scraping.</a:t>
+            </a:r>
+          </a:p>
+          <a:p>
+            <a:pPr marL="342900" indent="-342900">
+              <a:lnSpc>
+                <a:spcPct val="100000"/>
+              </a:lnSpc>
+              <a:buFont typeface="Arial" panose="020B0604020202020204" pitchFamily="34" charset="0"/>
+              <a:buChar char="•"/>
+            </a:pPr>
+            <a:endParaRPr lang="en-IN" sz="2000" dirty="0"/>
+          </a:p>
+          <a:p>
+            <a:pPr marL="342900" indent="-342900">
+              <a:lnSpc>
+                <a:spcPct val="100000"/>
+              </a:lnSpc>
+              <a:buFont typeface="Arial" panose="020B0604020202020204" pitchFamily="34" charset="0"/>
+              <a:buChar char="•"/>
+            </a:pPr>
+            <a:r>
+              <a:rPr lang="en-IN" sz="2000" dirty="0"/>
+              <a:t>These features are stored in a .csv file.</a:t>
             </a:r>
           </a:p>
         </p:txBody>
@@ -7946,7 +7964,95 @@
       </p:grpSpPr>
       <p:sp>
         <p:nvSpPr>
-          <p:cNvPr id="5" name="Titel 4"/>
+          <p:cNvPr id="2" name="Inhaltsplatzhalter 1"/>
+          <p:cNvSpPr>
+            <a:spLocks noGrp="1"/>
+          </p:cNvSpPr>
+          <p:nvPr>
+            <p:ph idx="1"/>
+          </p:nvPr>
+        </p:nvSpPr>
+        <p:spPr>
+          <a:xfrm>
+            <a:off x="319090" y="1762188"/>
+            <a:ext cx="8508999" cy="4436953"/>
+          </a:xfrm>
+        </p:spPr>
+        <p:txBody>
+          <a:bodyPr/>
+          <a:lstStyle/>
+          <a:p>
+            <a:pPr marL="342900" indent="-342900">
+              <a:lnSpc>
+                <a:spcPct val="150000"/>
+              </a:lnSpc>
+              <a:buFont typeface="Arial" panose="020B0604020202020204" pitchFamily="34" charset="0"/>
+              <a:buChar char="•"/>
+            </a:pPr>
+            <a:r>
+              <a:rPr lang="en-IN" sz="2000" dirty="0"/>
+              <a:t>We use three Machine Learning classifiers: J48 Decision Tree, Random Forest and Naive Bayes to identify websites that employ anti Ad-blockers.</a:t>
+            </a:r>
+          </a:p>
+          <a:p>
+            <a:pPr marL="342900" indent="-342900">
+              <a:lnSpc>
+                <a:spcPct val="150000"/>
+              </a:lnSpc>
+              <a:buFont typeface="Arial" panose="020B0604020202020204" pitchFamily="34" charset="0"/>
+              <a:buChar char="•"/>
+            </a:pPr>
+            <a:endParaRPr lang="en-IN" sz="2000" dirty="0"/>
+          </a:p>
+          <a:p>
+            <a:pPr marL="342900" indent="-342900">
+              <a:lnSpc>
+                <a:spcPct val="150000"/>
+              </a:lnSpc>
+              <a:buFont typeface="Arial" panose="020B0604020202020204" pitchFamily="34" charset="0"/>
+              <a:buChar char="•"/>
+            </a:pPr>
+            <a:r>
+              <a:rPr lang="en-IN" sz="2000" dirty="0"/>
+              <a:t>We collected positive samples (websites that employ Anti Ad-blockers) and negative samples (website that do not employ Anti Ad-blockers) from sources such as anti-</a:t>
+            </a:r>
+            <a:r>
+              <a:rPr lang="en-IN" sz="2000" dirty="0" err="1"/>
+              <a:t>adblock</a:t>
+            </a:r>
+            <a:r>
+              <a:rPr lang="en-IN" sz="2000" dirty="0"/>
+              <a:t>-killer list and Alexa top-100 websites.</a:t>
+            </a:r>
+          </a:p>
+          <a:p>
+            <a:pPr marL="342900" indent="-342900">
+              <a:lnSpc>
+                <a:spcPct val="150000"/>
+              </a:lnSpc>
+              <a:buFont typeface="Arial" panose="020B0604020202020204" pitchFamily="34" charset="0"/>
+              <a:buChar char="•"/>
+            </a:pPr>
+            <a:endParaRPr lang="en-IN" sz="2000" dirty="0"/>
+          </a:p>
+          <a:p>
+            <a:pPr marL="342900" indent="-342900">
+              <a:lnSpc>
+                <a:spcPct val="150000"/>
+              </a:lnSpc>
+              <a:buFont typeface="Arial" panose="020B0604020202020204" pitchFamily="34" charset="0"/>
+              <a:buChar char="•"/>
+            </a:pPr>
+            <a:r>
+              <a:rPr lang="en-IN" sz="2000" dirty="0"/>
+              <a:t>Information gain ratio is used for the features extracted for which learning and prediction needs to be done.</a:t>
+            </a:r>
+          </a:p>
+        </p:txBody>
+      </p:sp>
+      <p:sp>
+        <p:nvSpPr>
+          <p:cNvPr id="3" name="Titel 2"/>
           <p:cNvSpPr>
             <a:spLocks noGrp="1"/>
           </p:cNvSpPr>
@@ -7955,23 +8061,775 @@
           </p:nvPr>
         </p:nvSpPr>
         <p:spPr>
+          <a:prstGeom prst="rect">
+            <a:avLst/>
+          </a:prstGeom>
+        </p:spPr>
+        <p:txBody>
+          <a:bodyPr/>
+          <a:lstStyle/>
+          <a:p>
+            <a:r>
+              <a:rPr lang="en-IN" sz="3000" dirty="0"/>
+              <a:t>Detecting Anti Ad-blockers: Model Training</a:t>
+            </a:r>
+            <a:endParaRPr lang="de-DE" sz="3000" dirty="0"/>
+          </a:p>
+        </p:txBody>
+      </p:sp>
+    </p:spTree>
+    <p:extLst>
+      <p:ext uri="{BB962C8B-B14F-4D97-AF65-F5344CB8AC3E}">
+        <p14:creationId xmlns:p14="http://schemas.microsoft.com/office/powerpoint/2010/main" val="1978283017"/>
+      </p:ext>
+    </p:extLst>
+  </p:cSld>
+  <p:clrMapOvr>
+    <a:masterClrMapping/>
+  </p:clrMapOvr>
+</p:sld>
+</file>
+
+<file path=ppt/slides/slide13.xml><?xml version="1.0" encoding="utf-8"?>
+<p:sld xmlns:a="http://schemas.openxmlformats.org/drawingml/2006/main" xmlns:r="http://schemas.openxmlformats.org/officeDocument/2006/relationships" xmlns:p="http://schemas.openxmlformats.org/presentationml/2006/main">
+  <p:cSld>
+    <p:spTree>
+      <p:nvGrpSpPr>
+        <p:cNvPr id="1" name=""/>
+        <p:cNvGrpSpPr/>
+        <p:nvPr/>
+      </p:nvGrpSpPr>
+      <p:grpSpPr>
+        <a:xfrm>
+          <a:off x="0" y="0"/>
+          <a:ext cx="0" cy="0"/>
+          <a:chOff x="0" y="0"/>
+          <a:chExt cx="0" cy="0"/>
+        </a:xfrm>
+      </p:grpSpPr>
+      <p:sp>
+        <p:nvSpPr>
+          <p:cNvPr id="2" name="Inhaltsplatzhalter 1"/>
+          <p:cNvSpPr>
+            <a:spLocks noGrp="1"/>
+          </p:cNvSpPr>
+          <p:nvPr>
+            <p:ph idx="1"/>
+          </p:nvPr>
+        </p:nvSpPr>
+        <p:spPr>
           <a:xfrm>
-            <a:off x="1695945" y="3138444"/>
-            <a:ext cx="8508999" cy="501650"/>
+            <a:off x="319090" y="1762188"/>
+            <a:ext cx="8508999" cy="4436953"/>
           </a:xfrm>
         </p:spPr>
         <p:txBody>
           <a:bodyPr/>
           <a:lstStyle/>
           <a:p>
-            <a:r>
-              <a:rPr lang="en-IN" dirty="0"/>
-              <a:t>Thank you!</a:t>
-            </a:r>
+            <a:pPr marL="342900" indent="-342900">
+              <a:lnSpc>
+                <a:spcPct val="100000"/>
+              </a:lnSpc>
+              <a:buFont typeface="Arial" panose="020B0604020202020204" pitchFamily="34" charset="0"/>
+              <a:buChar char="•"/>
+            </a:pPr>
+            <a:r>
+              <a:rPr lang="en-IN" sz="2000" dirty="0"/>
+              <a:t>C4.5 Algorithm (J48 Decision Tree) uses a decision tree evaluation where each branch with the highest normalized information gain is chosen to make a decision.</a:t>
+            </a:r>
+          </a:p>
+          <a:p>
+            <a:pPr marL="342900" indent="-342900">
+              <a:lnSpc>
+                <a:spcPct val="100000"/>
+              </a:lnSpc>
+              <a:buFont typeface="Arial" panose="020B0604020202020204" pitchFamily="34" charset="0"/>
+              <a:buChar char="•"/>
+            </a:pPr>
+            <a:endParaRPr lang="en-IN" sz="2000" dirty="0"/>
+          </a:p>
+          <a:p>
+            <a:pPr marL="342900" indent="-342900">
+              <a:lnSpc>
+                <a:spcPct val="100000"/>
+              </a:lnSpc>
+              <a:buFont typeface="Arial" panose="020B0604020202020204" pitchFamily="34" charset="0"/>
+              <a:buChar char="•"/>
+            </a:pPr>
+            <a:r>
+              <a:rPr lang="en-IN" sz="2000" dirty="0"/>
+              <a:t>Bayes Naive applies Bayes' theorem with strong (naive) independence assumptions between the features. </a:t>
+            </a:r>
+          </a:p>
+          <a:p>
+            <a:pPr marL="342900" indent="-342900">
+              <a:lnSpc>
+                <a:spcPct val="100000"/>
+              </a:lnSpc>
+              <a:buFont typeface="Arial" panose="020B0604020202020204" pitchFamily="34" charset="0"/>
+              <a:buChar char="•"/>
+            </a:pPr>
+            <a:endParaRPr lang="en-IN" sz="2000" dirty="0"/>
+          </a:p>
+          <a:p>
+            <a:pPr marL="342900" indent="-342900">
+              <a:lnSpc>
+                <a:spcPct val="100000"/>
+              </a:lnSpc>
+              <a:buFont typeface="Arial" panose="020B0604020202020204" pitchFamily="34" charset="0"/>
+              <a:buChar char="•"/>
+            </a:pPr>
+            <a:r>
+              <a:rPr lang="en-IN" sz="2000" dirty="0"/>
+              <a:t>Random Forest Classifier is used for classification, regression and other tasks, that operate by constructing a multitude of decision trees at training time and outputting the class that is the mode of the classes (classification) or mean prediction (regression) of the individual trees.</a:t>
+            </a:r>
+          </a:p>
+        </p:txBody>
+      </p:sp>
+      <p:sp>
+        <p:nvSpPr>
+          <p:cNvPr id="3" name="Titel 2"/>
+          <p:cNvSpPr>
+            <a:spLocks noGrp="1"/>
+          </p:cNvSpPr>
+          <p:nvPr>
+            <p:ph type="title"/>
+          </p:nvPr>
+        </p:nvSpPr>
+        <p:spPr>
+          <a:prstGeom prst="rect">
+            <a:avLst/>
+          </a:prstGeom>
+        </p:spPr>
+        <p:txBody>
+          <a:bodyPr/>
+          <a:lstStyle/>
+          <a:p>
+            <a:r>
+              <a:rPr lang="en-IN" sz="3000" dirty="0"/>
+              <a:t>Detecting Anti Ad-blockers: Classifier Evaluation</a:t>
+            </a:r>
+            <a:endParaRPr lang="de-DE" sz="3000" dirty="0"/>
           </a:p>
         </p:txBody>
       </p:sp>
     </p:spTree>
+    <p:extLst>
+      <p:ext uri="{BB962C8B-B14F-4D97-AF65-F5344CB8AC3E}">
+        <p14:creationId xmlns:p14="http://schemas.microsoft.com/office/powerpoint/2010/main" val="2104653347"/>
+      </p:ext>
+    </p:extLst>
+  </p:cSld>
+  <p:clrMapOvr>
+    <a:masterClrMapping/>
+  </p:clrMapOvr>
+</p:sld>
+</file>
+
+<file path=ppt/slides/slide14.xml><?xml version="1.0" encoding="utf-8"?>
+<p:sld xmlns:a="http://schemas.openxmlformats.org/drawingml/2006/main" xmlns:r="http://schemas.openxmlformats.org/officeDocument/2006/relationships" xmlns:p="http://schemas.openxmlformats.org/presentationml/2006/main">
+  <p:cSld>
+    <p:spTree>
+      <p:nvGrpSpPr>
+        <p:cNvPr id="1" name=""/>
+        <p:cNvGrpSpPr/>
+        <p:nvPr/>
+      </p:nvGrpSpPr>
+      <p:grpSpPr>
+        <a:xfrm>
+          <a:off x="0" y="0"/>
+          <a:ext cx="0" cy="0"/>
+          <a:chOff x="0" y="0"/>
+          <a:chExt cx="0" cy="0"/>
+        </a:xfrm>
+      </p:grpSpPr>
+      <p:sp>
+        <p:nvSpPr>
+          <p:cNvPr id="2" name="Inhaltsplatzhalter 1"/>
+          <p:cNvSpPr>
+            <a:spLocks noGrp="1"/>
+          </p:cNvSpPr>
+          <p:nvPr>
+            <p:ph idx="1"/>
+          </p:nvPr>
+        </p:nvSpPr>
+        <p:spPr>
+          <a:xfrm>
+            <a:off x="319090" y="1762188"/>
+            <a:ext cx="8508999" cy="4436953"/>
+          </a:xfrm>
+        </p:spPr>
+        <p:txBody>
+          <a:bodyPr/>
+          <a:lstStyle/>
+          <a:p>
+            <a:pPr marL="342900" indent="-342900">
+              <a:lnSpc>
+                <a:spcPct val="100000"/>
+              </a:lnSpc>
+              <a:buFont typeface="Arial" panose="020B0604020202020204" pitchFamily="34" charset="0"/>
+              <a:buChar char="•"/>
+            </a:pPr>
+            <a:r>
+              <a:rPr lang="en-IN" sz="2000" dirty="0"/>
+              <a:t>Decision Tree visualization for Anti Ad-blockers:</a:t>
+            </a:r>
+          </a:p>
+        </p:txBody>
+      </p:sp>
+      <p:sp>
+        <p:nvSpPr>
+          <p:cNvPr id="3" name="Titel 2"/>
+          <p:cNvSpPr>
+            <a:spLocks noGrp="1"/>
+          </p:cNvSpPr>
+          <p:nvPr>
+            <p:ph type="title"/>
+          </p:nvPr>
+        </p:nvSpPr>
+        <p:spPr>
+          <a:prstGeom prst="rect">
+            <a:avLst/>
+          </a:prstGeom>
+        </p:spPr>
+        <p:txBody>
+          <a:bodyPr/>
+          <a:lstStyle/>
+          <a:p>
+            <a:r>
+              <a:rPr lang="en-IN" sz="3000" dirty="0"/>
+              <a:t>Detecting Anti Ad-blockers: Classifier Evaluation</a:t>
+            </a:r>
+            <a:endParaRPr lang="de-DE" sz="3000" dirty="0"/>
+          </a:p>
+        </p:txBody>
+      </p:sp>
+      <p:pic>
+        <p:nvPicPr>
+          <p:cNvPr id="5" name="Picture 4"/>
+          <p:cNvPicPr>
+            <a:picLocks noChangeAspect="1"/>
+          </p:cNvPicPr>
+          <p:nvPr/>
+        </p:nvPicPr>
+        <p:blipFill>
+          <a:blip r:embed="rId2"/>
+          <a:stretch>
+            <a:fillRect/>
+          </a:stretch>
+        </p:blipFill>
+        <p:spPr>
+          <a:xfrm>
+            <a:off x="591128" y="2173641"/>
+            <a:ext cx="8044873" cy="4467989"/>
+          </a:xfrm>
+          <a:prstGeom prst="rect">
+            <a:avLst/>
+          </a:prstGeom>
+        </p:spPr>
+      </p:pic>
+    </p:spTree>
+    <p:extLst>
+      <p:ext uri="{BB962C8B-B14F-4D97-AF65-F5344CB8AC3E}">
+        <p14:creationId xmlns:p14="http://schemas.microsoft.com/office/powerpoint/2010/main" val="1821201377"/>
+      </p:ext>
+    </p:extLst>
+  </p:cSld>
+  <p:clrMapOvr>
+    <a:masterClrMapping/>
+  </p:clrMapOvr>
+</p:sld>
+</file>
+
+<file path=ppt/slides/slide15.xml><?xml version="1.0" encoding="utf-8"?>
+<p:sld xmlns:a="http://schemas.openxmlformats.org/drawingml/2006/main" xmlns:r="http://schemas.openxmlformats.org/officeDocument/2006/relationships" xmlns:p="http://schemas.openxmlformats.org/presentationml/2006/main">
+  <p:cSld>
+    <p:spTree>
+      <p:nvGrpSpPr>
+        <p:cNvPr id="1" name=""/>
+        <p:cNvGrpSpPr/>
+        <p:nvPr/>
+      </p:nvGrpSpPr>
+      <p:grpSpPr>
+        <a:xfrm>
+          <a:off x="0" y="0"/>
+          <a:ext cx="0" cy="0"/>
+          <a:chOff x="0" y="0"/>
+          <a:chExt cx="0" cy="0"/>
+        </a:xfrm>
+      </p:grpSpPr>
+      <p:sp>
+        <p:nvSpPr>
+          <p:cNvPr id="2" name="Inhaltsplatzhalter 1"/>
+          <p:cNvSpPr>
+            <a:spLocks noGrp="1"/>
+          </p:cNvSpPr>
+          <p:nvPr>
+            <p:ph idx="1"/>
+          </p:nvPr>
+        </p:nvSpPr>
+        <p:spPr>
+          <a:xfrm>
+            <a:off x="319090" y="1762188"/>
+            <a:ext cx="8508999" cy="4436953"/>
+          </a:xfrm>
+        </p:spPr>
+        <p:txBody>
+          <a:bodyPr/>
+          <a:lstStyle/>
+          <a:p>
+            <a:pPr marL="342900" indent="-342900">
+              <a:lnSpc>
+                <a:spcPct val="100000"/>
+              </a:lnSpc>
+              <a:buFont typeface="Arial" panose="020B0604020202020204" pitchFamily="34" charset="0"/>
+              <a:buChar char="•"/>
+            </a:pPr>
+            <a:r>
+              <a:rPr lang="en-IN" sz="2000" dirty="0"/>
+              <a:t>Which classifier is the best…</a:t>
+            </a:r>
+          </a:p>
+        </p:txBody>
+      </p:sp>
+      <p:sp>
+        <p:nvSpPr>
+          <p:cNvPr id="3" name="Titel 2"/>
+          <p:cNvSpPr>
+            <a:spLocks noGrp="1"/>
+          </p:cNvSpPr>
+          <p:nvPr>
+            <p:ph type="title"/>
+          </p:nvPr>
+        </p:nvSpPr>
+        <p:spPr>
+          <a:prstGeom prst="rect">
+            <a:avLst/>
+          </a:prstGeom>
+        </p:spPr>
+        <p:txBody>
+          <a:bodyPr/>
+          <a:lstStyle/>
+          <a:p>
+            <a:r>
+              <a:rPr lang="en-IN" sz="3000" dirty="0"/>
+              <a:t>Datasets and Results</a:t>
+            </a:r>
+            <a:endParaRPr lang="de-DE" sz="3000" dirty="0"/>
+          </a:p>
+        </p:txBody>
+      </p:sp>
+    </p:spTree>
+    <p:extLst>
+      <p:ext uri="{BB962C8B-B14F-4D97-AF65-F5344CB8AC3E}">
+        <p14:creationId xmlns:p14="http://schemas.microsoft.com/office/powerpoint/2010/main" val="2828838918"/>
+      </p:ext>
+    </p:extLst>
+  </p:cSld>
+  <p:clrMapOvr>
+    <a:masterClrMapping/>
+  </p:clrMapOvr>
+</p:sld>
+</file>
+
+<file path=ppt/slides/slide16.xml><?xml version="1.0" encoding="utf-8"?>
+<p:sld xmlns:a="http://schemas.openxmlformats.org/drawingml/2006/main" xmlns:r="http://schemas.openxmlformats.org/officeDocument/2006/relationships" xmlns:p="http://schemas.openxmlformats.org/presentationml/2006/main">
+  <p:cSld>
+    <p:spTree>
+      <p:nvGrpSpPr>
+        <p:cNvPr id="1" name=""/>
+        <p:cNvGrpSpPr/>
+        <p:nvPr/>
+      </p:nvGrpSpPr>
+      <p:grpSpPr>
+        <a:xfrm>
+          <a:off x="0" y="0"/>
+          <a:ext cx="0" cy="0"/>
+          <a:chOff x="0" y="0"/>
+          <a:chExt cx="0" cy="0"/>
+        </a:xfrm>
+      </p:grpSpPr>
+      <p:sp>
+        <p:nvSpPr>
+          <p:cNvPr id="2" name="Inhaltsplatzhalter 1"/>
+          <p:cNvSpPr>
+            <a:spLocks noGrp="1"/>
+          </p:cNvSpPr>
+          <p:nvPr>
+            <p:ph idx="1"/>
+          </p:nvPr>
+        </p:nvSpPr>
+        <p:spPr>
+          <a:xfrm>
+            <a:off x="319090" y="1762188"/>
+            <a:ext cx="8508999" cy="4436953"/>
+          </a:xfrm>
+        </p:spPr>
+        <p:txBody>
+          <a:bodyPr/>
+          <a:lstStyle/>
+          <a:p>
+            <a:pPr marL="342900" indent="-342900">
+              <a:lnSpc>
+                <a:spcPct val="100000"/>
+              </a:lnSpc>
+              <a:buFont typeface="Arial" panose="020B0604020202020204" pitchFamily="34" charset="0"/>
+              <a:buChar char="•"/>
+            </a:pPr>
+            <a:r>
+              <a:rPr lang="en-IN" sz="2000" dirty="0"/>
+              <a:t>Germany vs US comparisons…</a:t>
+            </a:r>
+          </a:p>
+        </p:txBody>
+      </p:sp>
+      <p:sp>
+        <p:nvSpPr>
+          <p:cNvPr id="3" name="Titel 2"/>
+          <p:cNvSpPr>
+            <a:spLocks noGrp="1"/>
+          </p:cNvSpPr>
+          <p:nvPr>
+            <p:ph type="title"/>
+          </p:nvPr>
+        </p:nvSpPr>
+        <p:spPr>
+          <a:prstGeom prst="rect">
+            <a:avLst/>
+          </a:prstGeom>
+        </p:spPr>
+        <p:txBody>
+          <a:bodyPr/>
+          <a:lstStyle/>
+          <a:p>
+            <a:r>
+              <a:rPr lang="en-IN" sz="3000" dirty="0"/>
+              <a:t>Datasets and Results: Geographical Comparison</a:t>
+            </a:r>
+            <a:endParaRPr lang="de-DE" sz="3000" dirty="0"/>
+          </a:p>
+        </p:txBody>
+      </p:sp>
+    </p:spTree>
+    <p:extLst>
+      <p:ext uri="{BB962C8B-B14F-4D97-AF65-F5344CB8AC3E}">
+        <p14:creationId xmlns:p14="http://schemas.microsoft.com/office/powerpoint/2010/main" val="2676196641"/>
+      </p:ext>
+    </p:extLst>
+  </p:cSld>
+  <p:clrMapOvr>
+    <a:masterClrMapping/>
+  </p:clrMapOvr>
+</p:sld>
+</file>
+
+<file path=ppt/slides/slide17.xml><?xml version="1.0" encoding="utf-8"?>
+<p:sld xmlns:a="http://schemas.openxmlformats.org/drawingml/2006/main" xmlns:r="http://schemas.openxmlformats.org/officeDocument/2006/relationships" xmlns:p="http://schemas.openxmlformats.org/presentationml/2006/main">
+  <p:cSld>
+    <p:spTree>
+      <p:nvGrpSpPr>
+        <p:cNvPr id="1" name=""/>
+        <p:cNvGrpSpPr/>
+        <p:nvPr/>
+      </p:nvGrpSpPr>
+      <p:grpSpPr>
+        <a:xfrm>
+          <a:off x="0" y="0"/>
+          <a:ext cx="0" cy="0"/>
+          <a:chOff x="0" y="0"/>
+          <a:chExt cx="0" cy="0"/>
+        </a:xfrm>
+      </p:grpSpPr>
+      <p:sp>
+        <p:nvSpPr>
+          <p:cNvPr id="2" name="Inhaltsplatzhalter 1"/>
+          <p:cNvSpPr>
+            <a:spLocks noGrp="1"/>
+          </p:cNvSpPr>
+          <p:nvPr>
+            <p:ph idx="1"/>
+          </p:nvPr>
+        </p:nvSpPr>
+        <p:spPr>
+          <a:xfrm>
+            <a:off x="319090" y="1762188"/>
+            <a:ext cx="8508999" cy="4436953"/>
+          </a:xfrm>
+        </p:spPr>
+        <p:txBody>
+          <a:bodyPr/>
+          <a:lstStyle/>
+          <a:p>
+            <a:pPr marL="342900" indent="-342900">
+              <a:lnSpc>
+                <a:spcPct val="100000"/>
+              </a:lnSpc>
+              <a:buFont typeface="Arial" panose="020B0604020202020204" pitchFamily="34" charset="0"/>
+              <a:buChar char="•"/>
+            </a:pPr>
+            <a:r>
+              <a:rPr lang="en-IN" sz="2000" dirty="0"/>
+              <a:t>Images of different types of anti ad-blockers… </a:t>
+            </a:r>
+            <a:r>
+              <a:rPr lang="en-IN" sz="2000" dirty="0" err="1"/>
+              <a:t>BildSmart</a:t>
+            </a:r>
+            <a:r>
+              <a:rPr lang="en-IN" sz="2000" dirty="0"/>
+              <a:t>, </a:t>
+            </a:r>
+            <a:r>
+              <a:rPr lang="en-IN" sz="2000" dirty="0" err="1"/>
+              <a:t>YouPorn</a:t>
+            </a:r>
+            <a:r>
+              <a:rPr lang="en-IN" sz="2000" dirty="0"/>
+              <a:t>, Sport1.de</a:t>
+            </a:r>
+          </a:p>
+        </p:txBody>
+      </p:sp>
+      <p:sp>
+        <p:nvSpPr>
+          <p:cNvPr id="3" name="Titel 2"/>
+          <p:cNvSpPr>
+            <a:spLocks noGrp="1"/>
+          </p:cNvSpPr>
+          <p:nvPr>
+            <p:ph type="title"/>
+          </p:nvPr>
+        </p:nvSpPr>
+        <p:spPr>
+          <a:prstGeom prst="rect">
+            <a:avLst/>
+          </a:prstGeom>
+        </p:spPr>
+        <p:txBody>
+          <a:bodyPr/>
+          <a:lstStyle/>
+          <a:p>
+            <a:r>
+              <a:rPr lang="en-IN" sz="3000" dirty="0"/>
+              <a:t>Datasets and Results: Types of Anti Ad-blockers</a:t>
+            </a:r>
+            <a:endParaRPr lang="de-DE" sz="3000" dirty="0"/>
+          </a:p>
+        </p:txBody>
+      </p:sp>
+    </p:spTree>
+    <p:extLst>
+      <p:ext uri="{BB962C8B-B14F-4D97-AF65-F5344CB8AC3E}">
+        <p14:creationId xmlns:p14="http://schemas.microsoft.com/office/powerpoint/2010/main" val="2137792270"/>
+      </p:ext>
+    </p:extLst>
+  </p:cSld>
+  <p:clrMapOvr>
+    <a:masterClrMapping/>
+  </p:clrMapOvr>
+</p:sld>
+</file>
+
+<file path=ppt/slides/slide18.xml><?xml version="1.0" encoding="utf-8"?>
+<p:sld xmlns:a="http://schemas.openxmlformats.org/drawingml/2006/main" xmlns:r="http://schemas.openxmlformats.org/officeDocument/2006/relationships" xmlns:p="http://schemas.openxmlformats.org/presentationml/2006/main">
+  <p:cSld>
+    <p:spTree>
+      <p:nvGrpSpPr>
+        <p:cNvPr id="1" name=""/>
+        <p:cNvGrpSpPr/>
+        <p:nvPr/>
+      </p:nvGrpSpPr>
+      <p:grpSpPr>
+        <a:xfrm>
+          <a:off x="0" y="0"/>
+          <a:ext cx="0" cy="0"/>
+          <a:chOff x="0" y="0"/>
+          <a:chExt cx="0" cy="0"/>
+        </a:xfrm>
+      </p:grpSpPr>
+      <p:sp>
+        <p:nvSpPr>
+          <p:cNvPr id="2" name="Inhaltsplatzhalter 1"/>
+          <p:cNvSpPr>
+            <a:spLocks noGrp="1"/>
+          </p:cNvSpPr>
+          <p:nvPr>
+            <p:ph idx="1"/>
+          </p:nvPr>
+        </p:nvSpPr>
+        <p:spPr>
+          <a:xfrm>
+            <a:off x="319090" y="1762188"/>
+            <a:ext cx="8508999" cy="4436953"/>
+          </a:xfrm>
+        </p:spPr>
+        <p:txBody>
+          <a:bodyPr/>
+          <a:lstStyle/>
+          <a:p>
+            <a:pPr marL="342900" indent="-342900">
+              <a:lnSpc>
+                <a:spcPct val="100000"/>
+              </a:lnSpc>
+              <a:buFont typeface="Arial" panose="020B0604020202020204" pitchFamily="34" charset="0"/>
+              <a:buChar char="•"/>
+            </a:pPr>
+            <a:r>
+              <a:rPr lang="en-IN" sz="2000" dirty="0"/>
+              <a:t>Different categories….</a:t>
+            </a:r>
+          </a:p>
+        </p:txBody>
+      </p:sp>
+      <p:sp>
+        <p:nvSpPr>
+          <p:cNvPr id="3" name="Titel 2"/>
+          <p:cNvSpPr>
+            <a:spLocks noGrp="1"/>
+          </p:cNvSpPr>
+          <p:nvPr>
+            <p:ph type="title"/>
+          </p:nvPr>
+        </p:nvSpPr>
+        <p:spPr>
+          <a:prstGeom prst="rect">
+            <a:avLst/>
+          </a:prstGeom>
+        </p:spPr>
+        <p:txBody>
+          <a:bodyPr/>
+          <a:lstStyle/>
+          <a:p>
+            <a:r>
+              <a:rPr lang="en-IN" sz="3000" dirty="0"/>
+              <a:t>Datasets and Results: Categorization of Websites</a:t>
+            </a:r>
+            <a:endParaRPr lang="de-DE" sz="3000" dirty="0"/>
+          </a:p>
+        </p:txBody>
+      </p:sp>
+      <p:pic>
+        <p:nvPicPr>
+          <p:cNvPr id="5" name="Picture 4"/>
+          <p:cNvPicPr>
+            <a:picLocks noChangeAspect="1"/>
+          </p:cNvPicPr>
+          <p:nvPr/>
+        </p:nvPicPr>
+        <p:blipFill>
+          <a:blip r:embed="rId2"/>
+          <a:stretch>
+            <a:fillRect/>
+          </a:stretch>
+        </p:blipFill>
+        <p:spPr>
+          <a:xfrm>
+            <a:off x="1560359" y="2554648"/>
+            <a:ext cx="6026460" cy="3321221"/>
+          </a:xfrm>
+          <a:prstGeom prst="rect">
+            <a:avLst/>
+          </a:prstGeom>
+        </p:spPr>
+      </p:pic>
+    </p:spTree>
+    <p:extLst>
+      <p:ext uri="{BB962C8B-B14F-4D97-AF65-F5344CB8AC3E}">
+        <p14:creationId xmlns:p14="http://schemas.microsoft.com/office/powerpoint/2010/main" val="2846671940"/>
+      </p:ext>
+    </p:extLst>
+  </p:cSld>
+  <p:clrMapOvr>
+    <a:masterClrMapping/>
+  </p:clrMapOvr>
+</p:sld>
+</file>
+
+<file path=ppt/slides/slide19.xml><?xml version="1.0" encoding="utf-8"?>
+<p:sld xmlns:a="http://schemas.openxmlformats.org/drawingml/2006/main" xmlns:r="http://schemas.openxmlformats.org/officeDocument/2006/relationships" xmlns:p="http://schemas.openxmlformats.org/presentationml/2006/main">
+  <p:cSld>
+    <p:spTree>
+      <p:nvGrpSpPr>
+        <p:cNvPr id="1" name=""/>
+        <p:cNvGrpSpPr/>
+        <p:nvPr/>
+      </p:nvGrpSpPr>
+      <p:grpSpPr>
+        <a:xfrm>
+          <a:off x="0" y="0"/>
+          <a:ext cx="0" cy="0"/>
+          <a:chOff x="0" y="0"/>
+          <a:chExt cx="0" cy="0"/>
+        </a:xfrm>
+      </p:grpSpPr>
+      <p:sp>
+        <p:nvSpPr>
+          <p:cNvPr id="2" name="Inhaltsplatzhalter 1"/>
+          <p:cNvSpPr>
+            <a:spLocks noGrp="1"/>
+          </p:cNvSpPr>
+          <p:nvPr>
+            <p:ph idx="1"/>
+          </p:nvPr>
+        </p:nvSpPr>
+        <p:spPr>
+          <a:xfrm>
+            <a:off x="319090" y="1762188"/>
+            <a:ext cx="8508999" cy="4436953"/>
+          </a:xfrm>
+        </p:spPr>
+        <p:txBody>
+          <a:bodyPr/>
+          <a:lstStyle/>
+          <a:p>
+            <a:pPr marL="342900" indent="-342900">
+              <a:lnSpc>
+                <a:spcPct val="100000"/>
+              </a:lnSpc>
+              <a:buFont typeface="Arial" panose="020B0604020202020204" pitchFamily="34" charset="0"/>
+              <a:buChar char="•"/>
+            </a:pPr>
+            <a:r>
+              <a:rPr lang="en-IN" sz="2000" dirty="0"/>
+              <a:t>What are the limitations of our paper…</a:t>
+            </a:r>
+          </a:p>
+        </p:txBody>
+      </p:sp>
+      <p:sp>
+        <p:nvSpPr>
+          <p:cNvPr id="3" name="Titel 2"/>
+          <p:cNvSpPr>
+            <a:spLocks noGrp="1"/>
+          </p:cNvSpPr>
+          <p:nvPr>
+            <p:ph type="title"/>
+          </p:nvPr>
+        </p:nvSpPr>
+        <p:spPr>
+          <a:prstGeom prst="rect">
+            <a:avLst/>
+          </a:prstGeom>
+        </p:spPr>
+        <p:txBody>
+          <a:bodyPr/>
+          <a:lstStyle/>
+          <a:p>
+            <a:r>
+              <a:rPr lang="en-IN" sz="3000" dirty="0"/>
+              <a:t>Limitations</a:t>
+            </a:r>
+            <a:endParaRPr lang="de-DE" sz="3000" dirty="0"/>
+          </a:p>
+        </p:txBody>
+      </p:sp>
+    </p:spTree>
+    <p:extLst>
+      <p:ext uri="{BB962C8B-B14F-4D97-AF65-F5344CB8AC3E}">
+        <p14:creationId xmlns:p14="http://schemas.microsoft.com/office/powerpoint/2010/main" val="3776625192"/>
+      </p:ext>
+    </p:extLst>
   </p:cSld>
   <p:clrMapOvr>
     <a:masterClrMapping/>
@@ -8017,47 +8875,7 @@
             </a:pPr>
             <a:r>
               <a:rPr lang="en-IN" sz="2000" dirty="0"/>
-              <a:t>A</a:t>
-            </a:r>
-          </a:p>
-          <a:p>
-            <a:pPr marL="285750" indent="-285750">
-              <a:buFont typeface="Arial" panose="020B0604020202020204" pitchFamily="34" charset="0"/>
-              <a:buChar char="•"/>
-            </a:pPr>
-            <a:r>
-              <a:rPr lang="en-IN" sz="2000" dirty="0"/>
-              <a:t>B</a:t>
-            </a:r>
-          </a:p>
-          <a:p>
-            <a:pPr marL="285750" indent="-285750">
-              <a:buFont typeface="Arial" panose="020B0604020202020204" pitchFamily="34" charset="0"/>
-              <a:buChar char="•"/>
-            </a:pPr>
-            <a:r>
-              <a:rPr lang="en-IN" sz="2000" dirty="0"/>
-              <a:t>C</a:t>
-            </a:r>
-          </a:p>
-          <a:p>
-            <a:pPr marL="285750" indent="-285750">
-              <a:buFont typeface="Arial" panose="020B0604020202020204" pitchFamily="34" charset="0"/>
-              <a:buChar char="•"/>
-            </a:pPr>
-            <a:r>
-              <a:rPr lang="en-IN" sz="2000" dirty="0"/>
-              <a:t>D</a:t>
-            </a:r>
-          </a:p>
-          <a:p>
-            <a:pPr marL="285750" indent="-285750">
-              <a:buFont typeface="Arial" panose="020B0604020202020204" pitchFamily="34" charset="0"/>
-              <a:buChar char="•"/>
-            </a:pPr>
-            <a:r>
-              <a:rPr lang="en-IN" sz="2000" dirty="0"/>
-              <a:t>E</a:t>
+              <a:t>To be filled…</a:t>
             </a:r>
           </a:p>
           <a:p>
@@ -8104,6 +8922,1186 @@
         <p14:creationId xmlns:p14="http://schemas.microsoft.com/office/powerpoint/2010/main" val="1480529950"/>
       </p:ext>
     </p:extLst>
+  </p:cSld>
+  <p:clrMapOvr>
+    <a:masterClrMapping/>
+  </p:clrMapOvr>
+</p:sld>
+</file>
+
+<file path=ppt/slides/slide20.xml><?xml version="1.0" encoding="utf-8"?>
+<p:sld xmlns:a="http://schemas.openxmlformats.org/drawingml/2006/main" xmlns:r="http://schemas.openxmlformats.org/officeDocument/2006/relationships" xmlns:p="http://schemas.openxmlformats.org/presentationml/2006/main">
+  <p:cSld>
+    <p:spTree>
+      <p:nvGrpSpPr>
+        <p:cNvPr id="1" name=""/>
+        <p:cNvGrpSpPr/>
+        <p:nvPr/>
+      </p:nvGrpSpPr>
+      <p:grpSpPr>
+        <a:xfrm>
+          <a:off x="0" y="0"/>
+          <a:ext cx="0" cy="0"/>
+          <a:chOff x="0" y="0"/>
+          <a:chExt cx="0" cy="0"/>
+        </a:xfrm>
+      </p:grpSpPr>
+      <p:sp>
+        <p:nvSpPr>
+          <p:cNvPr id="2" name="Inhaltsplatzhalter 1"/>
+          <p:cNvSpPr>
+            <a:spLocks noGrp="1"/>
+          </p:cNvSpPr>
+          <p:nvPr>
+            <p:ph idx="1"/>
+          </p:nvPr>
+        </p:nvSpPr>
+        <p:spPr>
+          <a:xfrm>
+            <a:off x="319090" y="1762188"/>
+            <a:ext cx="8508999" cy="4436953"/>
+          </a:xfrm>
+        </p:spPr>
+        <p:txBody>
+          <a:bodyPr/>
+          <a:lstStyle/>
+          <a:p>
+            <a:pPr marL="342900" indent="-342900">
+              <a:lnSpc>
+                <a:spcPct val="100000"/>
+              </a:lnSpc>
+              <a:buFont typeface="Arial" panose="020B0604020202020204" pitchFamily="34" charset="0"/>
+              <a:buChar char="•"/>
+            </a:pPr>
+            <a:r>
+              <a:rPr lang="en-IN" sz="2000" dirty="0"/>
+              <a:t>First party script…</a:t>
+            </a:r>
+          </a:p>
+          <a:p>
+            <a:pPr marL="342900" indent="-342900">
+              <a:lnSpc>
+                <a:spcPct val="100000"/>
+              </a:lnSpc>
+              <a:buFont typeface="Arial" panose="020B0604020202020204" pitchFamily="34" charset="0"/>
+              <a:buChar char="•"/>
+            </a:pPr>
+            <a:endParaRPr lang="en-IN" sz="2000" dirty="0"/>
+          </a:p>
+          <a:p>
+            <a:pPr marL="342900" indent="-342900">
+              <a:lnSpc>
+                <a:spcPct val="100000"/>
+              </a:lnSpc>
+              <a:buFont typeface="Arial" panose="020B0604020202020204" pitchFamily="34" charset="0"/>
+              <a:buChar char="•"/>
+            </a:pPr>
+            <a:endParaRPr lang="en-IN" sz="2000" dirty="0"/>
+          </a:p>
+          <a:p>
+            <a:pPr marL="342900" indent="-342900">
+              <a:lnSpc>
+                <a:spcPct val="100000"/>
+              </a:lnSpc>
+              <a:buFont typeface="Arial" panose="020B0604020202020204" pitchFamily="34" charset="0"/>
+              <a:buChar char="•"/>
+            </a:pPr>
+            <a:endParaRPr lang="en-IN" sz="2000" dirty="0"/>
+          </a:p>
+          <a:p>
+            <a:pPr marL="342900" indent="-342900">
+              <a:lnSpc>
+                <a:spcPct val="100000"/>
+              </a:lnSpc>
+              <a:buFont typeface="Arial" panose="020B0604020202020204" pitchFamily="34" charset="0"/>
+              <a:buChar char="•"/>
+            </a:pPr>
+            <a:endParaRPr lang="en-IN" sz="2000" dirty="0"/>
+          </a:p>
+          <a:p>
+            <a:pPr marL="342900" indent="-342900">
+              <a:lnSpc>
+                <a:spcPct val="100000"/>
+              </a:lnSpc>
+              <a:buFont typeface="Arial" panose="020B0604020202020204" pitchFamily="34" charset="0"/>
+              <a:buChar char="•"/>
+            </a:pPr>
+            <a:endParaRPr lang="en-IN" sz="2000" dirty="0"/>
+          </a:p>
+          <a:p>
+            <a:pPr marL="342900" indent="-342900">
+              <a:lnSpc>
+                <a:spcPct val="100000"/>
+              </a:lnSpc>
+              <a:buFont typeface="Arial" panose="020B0604020202020204" pitchFamily="34" charset="0"/>
+              <a:buChar char="•"/>
+            </a:pPr>
+            <a:endParaRPr lang="en-IN" sz="2000" dirty="0"/>
+          </a:p>
+          <a:p>
+            <a:pPr marL="342900" indent="-342900">
+              <a:lnSpc>
+                <a:spcPct val="100000"/>
+              </a:lnSpc>
+              <a:buFont typeface="Arial" panose="020B0604020202020204" pitchFamily="34" charset="0"/>
+              <a:buChar char="•"/>
+            </a:pPr>
+            <a:endParaRPr lang="en-IN" sz="2000" dirty="0"/>
+          </a:p>
+          <a:p>
+            <a:pPr marL="342900" indent="-342900">
+              <a:lnSpc>
+                <a:spcPct val="100000"/>
+              </a:lnSpc>
+              <a:buFont typeface="Arial" panose="020B0604020202020204" pitchFamily="34" charset="0"/>
+              <a:buChar char="•"/>
+            </a:pPr>
+            <a:endParaRPr lang="en-IN" sz="2000" dirty="0"/>
+          </a:p>
+          <a:p>
+            <a:pPr>
+              <a:lnSpc>
+                <a:spcPct val="100000"/>
+              </a:lnSpc>
+            </a:pPr>
+            <a:endParaRPr lang="en-IN" sz="2000" dirty="0"/>
+          </a:p>
+        </p:txBody>
+      </p:sp>
+      <p:sp>
+        <p:nvSpPr>
+          <p:cNvPr id="3" name="Titel 2"/>
+          <p:cNvSpPr>
+            <a:spLocks noGrp="1"/>
+          </p:cNvSpPr>
+          <p:nvPr>
+            <p:ph type="title"/>
+          </p:nvPr>
+        </p:nvSpPr>
+        <p:spPr>
+          <a:prstGeom prst="rect">
+            <a:avLst/>
+          </a:prstGeom>
+        </p:spPr>
+        <p:txBody>
+          <a:bodyPr/>
+          <a:lstStyle/>
+          <a:p>
+            <a:r>
+              <a:rPr lang="en-IN" sz="3000" dirty="0"/>
+              <a:t>How Anti Ad-blocker scripts work</a:t>
+            </a:r>
+            <a:endParaRPr lang="de-DE" sz="3000" dirty="0"/>
+          </a:p>
+        </p:txBody>
+      </p:sp>
+      <p:pic>
+        <p:nvPicPr>
+          <p:cNvPr id="5" name="Picture 4"/>
+          <p:cNvPicPr>
+            <a:picLocks noChangeAspect="1"/>
+          </p:cNvPicPr>
+          <p:nvPr/>
+        </p:nvPicPr>
+        <p:blipFill>
+          <a:blip r:embed="rId2"/>
+          <a:stretch>
+            <a:fillRect/>
+          </a:stretch>
+        </p:blipFill>
+        <p:spPr>
+          <a:xfrm>
+            <a:off x="1411293" y="2382347"/>
+            <a:ext cx="5609332" cy="2309725"/>
+          </a:xfrm>
+          <a:prstGeom prst="rect">
+            <a:avLst/>
+          </a:prstGeom>
+        </p:spPr>
+      </p:pic>
+    </p:spTree>
+    <p:extLst>
+      <p:ext uri="{BB962C8B-B14F-4D97-AF65-F5344CB8AC3E}">
+        <p14:creationId xmlns:p14="http://schemas.microsoft.com/office/powerpoint/2010/main" val="421820293"/>
+      </p:ext>
+    </p:extLst>
+  </p:cSld>
+  <p:clrMapOvr>
+    <a:masterClrMapping/>
+  </p:clrMapOvr>
+</p:sld>
+</file>
+
+<file path=ppt/slides/slide21.xml><?xml version="1.0" encoding="utf-8"?>
+<p:sld xmlns:a="http://schemas.openxmlformats.org/drawingml/2006/main" xmlns:r="http://schemas.openxmlformats.org/officeDocument/2006/relationships" xmlns:p="http://schemas.openxmlformats.org/presentationml/2006/main">
+  <p:cSld>
+    <p:spTree>
+      <p:nvGrpSpPr>
+        <p:cNvPr id="1" name=""/>
+        <p:cNvGrpSpPr/>
+        <p:nvPr/>
+      </p:nvGrpSpPr>
+      <p:grpSpPr>
+        <a:xfrm>
+          <a:off x="0" y="0"/>
+          <a:ext cx="0" cy="0"/>
+          <a:chOff x="0" y="0"/>
+          <a:chExt cx="0" cy="0"/>
+        </a:xfrm>
+      </p:grpSpPr>
+      <p:sp>
+        <p:nvSpPr>
+          <p:cNvPr id="2" name="Inhaltsplatzhalter 1"/>
+          <p:cNvSpPr>
+            <a:spLocks noGrp="1"/>
+          </p:cNvSpPr>
+          <p:nvPr>
+            <p:ph idx="1"/>
+          </p:nvPr>
+        </p:nvSpPr>
+        <p:spPr>
+          <a:xfrm>
+            <a:off x="319090" y="1762188"/>
+            <a:ext cx="8508999" cy="4436953"/>
+          </a:xfrm>
+        </p:spPr>
+        <p:txBody>
+          <a:bodyPr/>
+          <a:lstStyle/>
+          <a:p>
+            <a:pPr marL="342900" indent="-342900">
+              <a:lnSpc>
+                <a:spcPct val="100000"/>
+              </a:lnSpc>
+              <a:buFont typeface="Arial" panose="020B0604020202020204" pitchFamily="34" charset="0"/>
+              <a:buChar char="•"/>
+            </a:pPr>
+            <a:r>
+              <a:rPr lang="en-IN" sz="2000" dirty="0"/>
+              <a:t>Third party script… Detection of extensions and multiple baits and timeouts</a:t>
+            </a:r>
+          </a:p>
+          <a:p>
+            <a:pPr marL="342900" indent="-342900">
+              <a:lnSpc>
+                <a:spcPct val="100000"/>
+              </a:lnSpc>
+              <a:buFont typeface="Arial" panose="020B0604020202020204" pitchFamily="34" charset="0"/>
+              <a:buChar char="•"/>
+            </a:pPr>
+            <a:endParaRPr lang="en-IN" sz="2000" dirty="0"/>
+          </a:p>
+          <a:p>
+            <a:pPr marL="342900" indent="-342900">
+              <a:lnSpc>
+                <a:spcPct val="100000"/>
+              </a:lnSpc>
+              <a:buFont typeface="Arial" panose="020B0604020202020204" pitchFamily="34" charset="0"/>
+              <a:buChar char="•"/>
+            </a:pPr>
+            <a:endParaRPr lang="en-IN" sz="2000" dirty="0"/>
+          </a:p>
+          <a:p>
+            <a:pPr marL="342900" indent="-342900">
+              <a:lnSpc>
+                <a:spcPct val="100000"/>
+              </a:lnSpc>
+              <a:buFont typeface="Arial" panose="020B0604020202020204" pitchFamily="34" charset="0"/>
+              <a:buChar char="•"/>
+            </a:pPr>
+            <a:endParaRPr lang="en-IN" sz="2000" dirty="0"/>
+          </a:p>
+          <a:p>
+            <a:pPr marL="342900" indent="-342900">
+              <a:lnSpc>
+                <a:spcPct val="100000"/>
+              </a:lnSpc>
+              <a:buFont typeface="Arial" panose="020B0604020202020204" pitchFamily="34" charset="0"/>
+              <a:buChar char="•"/>
+            </a:pPr>
+            <a:endParaRPr lang="en-IN" sz="2000" dirty="0"/>
+          </a:p>
+          <a:p>
+            <a:pPr marL="342900" indent="-342900">
+              <a:lnSpc>
+                <a:spcPct val="100000"/>
+              </a:lnSpc>
+              <a:buFont typeface="Arial" panose="020B0604020202020204" pitchFamily="34" charset="0"/>
+              <a:buChar char="•"/>
+            </a:pPr>
+            <a:endParaRPr lang="en-IN" sz="2000" dirty="0"/>
+          </a:p>
+          <a:p>
+            <a:pPr marL="342900" indent="-342900">
+              <a:lnSpc>
+                <a:spcPct val="100000"/>
+              </a:lnSpc>
+              <a:buFont typeface="Arial" panose="020B0604020202020204" pitchFamily="34" charset="0"/>
+              <a:buChar char="•"/>
+            </a:pPr>
+            <a:endParaRPr lang="en-IN" sz="2000" dirty="0"/>
+          </a:p>
+          <a:p>
+            <a:pPr marL="342900" indent="-342900">
+              <a:lnSpc>
+                <a:spcPct val="100000"/>
+              </a:lnSpc>
+              <a:buFont typeface="Arial" panose="020B0604020202020204" pitchFamily="34" charset="0"/>
+              <a:buChar char="•"/>
+            </a:pPr>
+            <a:endParaRPr lang="en-IN" sz="2000" dirty="0"/>
+          </a:p>
+          <a:p>
+            <a:pPr marL="342900" indent="-342900">
+              <a:lnSpc>
+                <a:spcPct val="100000"/>
+              </a:lnSpc>
+              <a:buFont typeface="Arial" panose="020B0604020202020204" pitchFamily="34" charset="0"/>
+              <a:buChar char="•"/>
+            </a:pPr>
+            <a:endParaRPr lang="en-IN" sz="2000" dirty="0"/>
+          </a:p>
+          <a:p>
+            <a:pPr marL="342900" indent="-342900">
+              <a:lnSpc>
+                <a:spcPct val="100000"/>
+              </a:lnSpc>
+              <a:buFont typeface="Arial" panose="020B0604020202020204" pitchFamily="34" charset="0"/>
+              <a:buChar char="•"/>
+            </a:pPr>
+            <a:endParaRPr lang="en-IN" sz="2000" dirty="0"/>
+          </a:p>
+          <a:p>
+            <a:pPr>
+              <a:lnSpc>
+                <a:spcPct val="100000"/>
+              </a:lnSpc>
+            </a:pPr>
+            <a:endParaRPr lang="en-IN" sz="2000" dirty="0"/>
+          </a:p>
+        </p:txBody>
+      </p:sp>
+      <p:sp>
+        <p:nvSpPr>
+          <p:cNvPr id="3" name="Titel 2"/>
+          <p:cNvSpPr>
+            <a:spLocks noGrp="1"/>
+          </p:cNvSpPr>
+          <p:nvPr>
+            <p:ph type="title"/>
+          </p:nvPr>
+        </p:nvSpPr>
+        <p:spPr>
+          <a:prstGeom prst="rect">
+            <a:avLst/>
+          </a:prstGeom>
+        </p:spPr>
+        <p:txBody>
+          <a:bodyPr/>
+          <a:lstStyle/>
+          <a:p>
+            <a:r>
+              <a:rPr lang="en-IN" sz="3000" dirty="0"/>
+              <a:t>How Anti Ad-blocker scripts work</a:t>
+            </a:r>
+            <a:endParaRPr lang="de-DE" sz="3000" dirty="0"/>
+          </a:p>
+        </p:txBody>
+      </p:sp>
+      <p:pic>
+        <p:nvPicPr>
+          <p:cNvPr id="6" name="Picture 5"/>
+          <p:cNvPicPr>
+            <a:picLocks noChangeAspect="1"/>
+          </p:cNvPicPr>
+          <p:nvPr/>
+        </p:nvPicPr>
+        <p:blipFill>
+          <a:blip r:embed="rId2"/>
+          <a:stretch>
+            <a:fillRect/>
+          </a:stretch>
+        </p:blipFill>
+        <p:spPr>
+          <a:xfrm>
+            <a:off x="1820981" y="3216180"/>
+            <a:ext cx="5170948" cy="2835207"/>
+          </a:xfrm>
+          <a:prstGeom prst="rect">
+            <a:avLst/>
+          </a:prstGeom>
+        </p:spPr>
+      </p:pic>
+    </p:spTree>
+    <p:extLst>
+      <p:ext uri="{BB962C8B-B14F-4D97-AF65-F5344CB8AC3E}">
+        <p14:creationId xmlns:p14="http://schemas.microsoft.com/office/powerpoint/2010/main" val="1278416786"/>
+      </p:ext>
+    </p:extLst>
+  </p:cSld>
+  <p:clrMapOvr>
+    <a:masterClrMapping/>
+  </p:clrMapOvr>
+</p:sld>
+</file>
+
+<file path=ppt/slides/slide22.xml><?xml version="1.0" encoding="utf-8"?>
+<p:sld xmlns:a="http://schemas.openxmlformats.org/drawingml/2006/main" xmlns:r="http://schemas.openxmlformats.org/officeDocument/2006/relationships" xmlns:p="http://schemas.openxmlformats.org/presentationml/2006/main">
+  <p:cSld>
+    <p:spTree>
+      <p:nvGrpSpPr>
+        <p:cNvPr id="1" name=""/>
+        <p:cNvGrpSpPr/>
+        <p:nvPr/>
+      </p:nvGrpSpPr>
+      <p:grpSpPr>
+        <a:xfrm>
+          <a:off x="0" y="0"/>
+          <a:ext cx="0" cy="0"/>
+          <a:chOff x="0" y="0"/>
+          <a:chExt cx="0" cy="0"/>
+        </a:xfrm>
+      </p:grpSpPr>
+      <p:sp>
+        <p:nvSpPr>
+          <p:cNvPr id="2" name="Inhaltsplatzhalter 1"/>
+          <p:cNvSpPr>
+            <a:spLocks noGrp="1"/>
+          </p:cNvSpPr>
+          <p:nvPr>
+            <p:ph idx="1"/>
+          </p:nvPr>
+        </p:nvSpPr>
+        <p:spPr>
+          <a:xfrm>
+            <a:off x="319090" y="1762188"/>
+            <a:ext cx="8508999" cy="4436953"/>
+          </a:xfrm>
+        </p:spPr>
+        <p:txBody>
+          <a:bodyPr/>
+          <a:lstStyle/>
+          <a:p>
+            <a:pPr marL="342900" indent="-342900">
+              <a:lnSpc>
+                <a:spcPct val="100000"/>
+              </a:lnSpc>
+              <a:buFont typeface="Arial" panose="020B0604020202020204" pitchFamily="34" charset="0"/>
+              <a:buChar char="•"/>
+            </a:pPr>
+            <a:r>
+              <a:rPr lang="en-IN" sz="2000" dirty="0"/>
+              <a:t>Placement</a:t>
+            </a:r>
+          </a:p>
+          <a:p>
+            <a:pPr marL="342900" indent="-342900">
+              <a:lnSpc>
+                <a:spcPct val="100000"/>
+              </a:lnSpc>
+              <a:buFont typeface="Arial" panose="020B0604020202020204" pitchFamily="34" charset="0"/>
+              <a:buChar char="•"/>
+            </a:pPr>
+            <a:r>
+              <a:rPr lang="en-IN" sz="2000" dirty="0"/>
+              <a:t>Detection</a:t>
+            </a:r>
+          </a:p>
+          <a:p>
+            <a:pPr marL="342900" indent="-342900">
+              <a:lnSpc>
+                <a:spcPct val="100000"/>
+              </a:lnSpc>
+              <a:buFont typeface="Arial" panose="020B0604020202020204" pitchFamily="34" charset="0"/>
+              <a:buChar char="•"/>
+            </a:pPr>
+            <a:r>
+              <a:rPr lang="en-IN" sz="2000" dirty="0"/>
+              <a:t>Size</a:t>
+            </a:r>
+          </a:p>
+        </p:txBody>
+      </p:sp>
+      <p:sp>
+        <p:nvSpPr>
+          <p:cNvPr id="3" name="Titel 2"/>
+          <p:cNvSpPr>
+            <a:spLocks noGrp="1"/>
+          </p:cNvSpPr>
+          <p:nvPr>
+            <p:ph type="title"/>
+          </p:nvPr>
+        </p:nvSpPr>
+        <p:spPr>
+          <a:prstGeom prst="rect">
+            <a:avLst/>
+          </a:prstGeom>
+        </p:spPr>
+        <p:txBody>
+          <a:bodyPr/>
+          <a:lstStyle/>
+          <a:p>
+            <a:r>
+              <a:rPr lang="en-IN" sz="3000" dirty="0"/>
+              <a:t>Anti Ad-blocker alternatives: Acceptable Ads</a:t>
+            </a:r>
+            <a:endParaRPr lang="de-DE" sz="3000" dirty="0"/>
+          </a:p>
+        </p:txBody>
+      </p:sp>
+    </p:spTree>
+    <p:extLst>
+      <p:ext uri="{BB962C8B-B14F-4D97-AF65-F5344CB8AC3E}">
+        <p14:creationId xmlns:p14="http://schemas.microsoft.com/office/powerpoint/2010/main" val="3262988065"/>
+      </p:ext>
+    </p:extLst>
+  </p:cSld>
+  <p:clrMapOvr>
+    <a:masterClrMapping/>
+  </p:clrMapOvr>
+</p:sld>
+</file>
+
+<file path=ppt/slides/slide23.xml><?xml version="1.0" encoding="utf-8"?>
+<p:sld xmlns:a="http://schemas.openxmlformats.org/drawingml/2006/main" xmlns:r="http://schemas.openxmlformats.org/officeDocument/2006/relationships" xmlns:p="http://schemas.openxmlformats.org/presentationml/2006/main">
+  <p:cSld>
+    <p:spTree>
+      <p:nvGrpSpPr>
+        <p:cNvPr id="1" name=""/>
+        <p:cNvGrpSpPr/>
+        <p:nvPr/>
+      </p:nvGrpSpPr>
+      <p:grpSpPr>
+        <a:xfrm>
+          <a:off x="0" y="0"/>
+          <a:ext cx="0" cy="0"/>
+          <a:chOff x="0" y="0"/>
+          <a:chExt cx="0" cy="0"/>
+        </a:xfrm>
+      </p:grpSpPr>
+      <p:sp>
+        <p:nvSpPr>
+          <p:cNvPr id="2" name="Inhaltsplatzhalter 1"/>
+          <p:cNvSpPr>
+            <a:spLocks noGrp="1"/>
+          </p:cNvSpPr>
+          <p:nvPr>
+            <p:ph idx="1"/>
+          </p:nvPr>
+        </p:nvSpPr>
+        <p:spPr>
+          <a:xfrm>
+            <a:off x="319090" y="1762188"/>
+            <a:ext cx="8508999" cy="4436953"/>
+          </a:xfrm>
+        </p:spPr>
+        <p:txBody>
+          <a:bodyPr/>
+          <a:lstStyle/>
+          <a:p>
+            <a:pPr marL="342900" indent="-342900">
+              <a:lnSpc>
+                <a:spcPct val="100000"/>
+              </a:lnSpc>
+              <a:buFont typeface="Arial" panose="020B0604020202020204" pitchFamily="34" charset="0"/>
+              <a:buChar char="•"/>
+            </a:pPr>
+            <a:r>
+              <a:rPr lang="en-IN" sz="2000" dirty="0"/>
+              <a:t>Whitelisting websites</a:t>
+            </a:r>
+          </a:p>
+        </p:txBody>
+      </p:sp>
+      <p:sp>
+        <p:nvSpPr>
+          <p:cNvPr id="3" name="Titel 2"/>
+          <p:cNvSpPr>
+            <a:spLocks noGrp="1"/>
+          </p:cNvSpPr>
+          <p:nvPr>
+            <p:ph type="title"/>
+          </p:nvPr>
+        </p:nvSpPr>
+        <p:spPr>
+          <a:prstGeom prst="rect">
+            <a:avLst/>
+          </a:prstGeom>
+        </p:spPr>
+        <p:txBody>
+          <a:bodyPr/>
+          <a:lstStyle/>
+          <a:p>
+            <a:r>
+              <a:rPr lang="en-IN" sz="3000" dirty="0"/>
+              <a:t>Anti Ad-blocker alternatives: Whitelists</a:t>
+            </a:r>
+            <a:endParaRPr lang="de-DE" sz="3000" dirty="0"/>
+          </a:p>
+        </p:txBody>
+      </p:sp>
+    </p:spTree>
+    <p:extLst>
+      <p:ext uri="{BB962C8B-B14F-4D97-AF65-F5344CB8AC3E}">
+        <p14:creationId xmlns:p14="http://schemas.microsoft.com/office/powerpoint/2010/main" val="1662875772"/>
+      </p:ext>
+    </p:extLst>
+  </p:cSld>
+  <p:clrMapOvr>
+    <a:masterClrMapping/>
+  </p:clrMapOvr>
+</p:sld>
+</file>
+
+<file path=ppt/slides/slide24.xml><?xml version="1.0" encoding="utf-8"?>
+<p:sld xmlns:a="http://schemas.openxmlformats.org/drawingml/2006/main" xmlns:r="http://schemas.openxmlformats.org/officeDocument/2006/relationships" xmlns:p="http://schemas.openxmlformats.org/presentationml/2006/main">
+  <p:cSld>
+    <p:spTree>
+      <p:nvGrpSpPr>
+        <p:cNvPr id="1" name=""/>
+        <p:cNvGrpSpPr/>
+        <p:nvPr/>
+      </p:nvGrpSpPr>
+      <p:grpSpPr>
+        <a:xfrm>
+          <a:off x="0" y="0"/>
+          <a:ext cx="0" cy="0"/>
+          <a:chOff x="0" y="0"/>
+          <a:chExt cx="0" cy="0"/>
+        </a:xfrm>
+      </p:grpSpPr>
+      <p:sp>
+        <p:nvSpPr>
+          <p:cNvPr id="2" name="Inhaltsplatzhalter 1"/>
+          <p:cNvSpPr>
+            <a:spLocks noGrp="1"/>
+          </p:cNvSpPr>
+          <p:nvPr>
+            <p:ph idx="1"/>
+          </p:nvPr>
+        </p:nvSpPr>
+        <p:spPr>
+          <a:xfrm>
+            <a:off x="319090" y="1762188"/>
+            <a:ext cx="8508999" cy="4436953"/>
+          </a:xfrm>
+        </p:spPr>
+        <p:txBody>
+          <a:bodyPr/>
+          <a:lstStyle/>
+          <a:p>
+            <a:pPr marL="342900" indent="-342900">
+              <a:lnSpc>
+                <a:spcPct val="100000"/>
+              </a:lnSpc>
+              <a:buFont typeface="Arial" panose="020B0604020202020204" pitchFamily="34" charset="0"/>
+              <a:buChar char="•"/>
+            </a:pPr>
+            <a:r>
+              <a:rPr lang="en-IN" sz="2000" dirty="0"/>
+              <a:t>Anti Ad-block killers like AAK are composed of a user script </a:t>
+            </a:r>
+            <a:r>
+              <a:rPr lang="en-IN" sz="2000" dirty="0" err="1"/>
+              <a:t>AakScript</a:t>
+            </a:r>
+            <a:r>
+              <a:rPr lang="en-IN" sz="2000" dirty="0"/>
+              <a:t> written in JavaScript and a filter list </a:t>
+            </a:r>
+            <a:r>
+              <a:rPr lang="en-IN" sz="2000" dirty="0" err="1"/>
+              <a:t>AakList</a:t>
+            </a:r>
+            <a:r>
+              <a:rPr lang="en-IN" sz="2000" dirty="0"/>
+              <a:t> using the same syntax as filter lists of </a:t>
+            </a:r>
+            <a:r>
+              <a:rPr lang="en-IN" sz="2000" dirty="0" err="1"/>
+              <a:t>AdBlock</a:t>
+            </a:r>
+            <a:r>
+              <a:rPr lang="en-IN" sz="2000" dirty="0"/>
+              <a:t> and </a:t>
+            </a:r>
+            <a:r>
+              <a:rPr lang="en-IN" sz="2000" dirty="0" err="1"/>
+              <a:t>AdBlock</a:t>
+            </a:r>
+            <a:r>
+              <a:rPr lang="en-IN" sz="2000" dirty="0"/>
+              <a:t> Plus….</a:t>
+            </a:r>
+          </a:p>
+        </p:txBody>
+      </p:sp>
+      <p:sp>
+        <p:nvSpPr>
+          <p:cNvPr id="3" name="Titel 2"/>
+          <p:cNvSpPr>
+            <a:spLocks noGrp="1"/>
+          </p:cNvSpPr>
+          <p:nvPr>
+            <p:ph type="title"/>
+          </p:nvPr>
+        </p:nvSpPr>
+        <p:spPr>
+          <a:prstGeom prst="rect">
+            <a:avLst/>
+          </a:prstGeom>
+        </p:spPr>
+        <p:txBody>
+          <a:bodyPr/>
+          <a:lstStyle/>
+          <a:p>
+            <a:r>
+              <a:rPr lang="en-IN" sz="3000" dirty="0"/>
+              <a:t>Anti Ad-blocker killers</a:t>
+            </a:r>
+            <a:endParaRPr lang="de-DE" sz="3000" dirty="0"/>
+          </a:p>
+        </p:txBody>
+      </p:sp>
+    </p:spTree>
+    <p:extLst>
+      <p:ext uri="{BB962C8B-B14F-4D97-AF65-F5344CB8AC3E}">
+        <p14:creationId xmlns:p14="http://schemas.microsoft.com/office/powerpoint/2010/main" val="2626069857"/>
+      </p:ext>
+    </p:extLst>
+  </p:cSld>
+  <p:clrMapOvr>
+    <a:masterClrMapping/>
+  </p:clrMapOvr>
+</p:sld>
+</file>
+
+<file path=ppt/slides/slide25.xml><?xml version="1.0" encoding="utf-8"?>
+<p:sld xmlns:a="http://schemas.openxmlformats.org/drawingml/2006/main" xmlns:r="http://schemas.openxmlformats.org/officeDocument/2006/relationships" xmlns:p="http://schemas.openxmlformats.org/presentationml/2006/main">
+  <p:cSld>
+    <p:spTree>
+      <p:nvGrpSpPr>
+        <p:cNvPr id="1" name=""/>
+        <p:cNvGrpSpPr/>
+        <p:nvPr/>
+      </p:nvGrpSpPr>
+      <p:grpSpPr>
+        <a:xfrm>
+          <a:off x="0" y="0"/>
+          <a:ext cx="0" cy="0"/>
+          <a:chOff x="0" y="0"/>
+          <a:chExt cx="0" cy="0"/>
+        </a:xfrm>
+      </p:grpSpPr>
+      <p:sp>
+        <p:nvSpPr>
+          <p:cNvPr id="2" name="Inhaltsplatzhalter 1"/>
+          <p:cNvSpPr>
+            <a:spLocks noGrp="1"/>
+          </p:cNvSpPr>
+          <p:nvPr>
+            <p:ph idx="1"/>
+          </p:nvPr>
+        </p:nvSpPr>
+        <p:spPr>
+          <a:xfrm>
+            <a:off x="319090" y="1762188"/>
+            <a:ext cx="8508999" cy="4436953"/>
+          </a:xfrm>
+        </p:spPr>
+        <p:txBody>
+          <a:bodyPr/>
+          <a:lstStyle/>
+          <a:p>
+            <a:pPr marL="342900" indent="-342900">
+              <a:lnSpc>
+                <a:spcPct val="100000"/>
+              </a:lnSpc>
+              <a:buFont typeface="Arial" panose="020B0604020202020204" pitchFamily="34" charset="0"/>
+              <a:buChar char="•"/>
+            </a:pPr>
+            <a:r>
+              <a:rPr lang="en-IN" sz="2000" dirty="0"/>
+              <a:t>Increasing transparency…</a:t>
+            </a:r>
+          </a:p>
+        </p:txBody>
+      </p:sp>
+      <p:sp>
+        <p:nvSpPr>
+          <p:cNvPr id="3" name="Titel 2"/>
+          <p:cNvSpPr>
+            <a:spLocks noGrp="1"/>
+          </p:cNvSpPr>
+          <p:nvPr>
+            <p:ph type="title"/>
+          </p:nvPr>
+        </p:nvSpPr>
+        <p:spPr>
+          <a:prstGeom prst="rect">
+            <a:avLst/>
+          </a:prstGeom>
+        </p:spPr>
+        <p:txBody>
+          <a:bodyPr/>
+          <a:lstStyle/>
+          <a:p>
+            <a:r>
+              <a:rPr lang="en-IN" dirty="0"/>
+              <a:t>Anti Ad-blockers: Ethical aspect</a:t>
+            </a:r>
+            <a:endParaRPr lang="de-DE" sz="3000" dirty="0"/>
+          </a:p>
+        </p:txBody>
+      </p:sp>
+    </p:spTree>
+    <p:extLst>
+      <p:ext uri="{BB962C8B-B14F-4D97-AF65-F5344CB8AC3E}">
+        <p14:creationId xmlns:p14="http://schemas.microsoft.com/office/powerpoint/2010/main" val="3028753127"/>
+      </p:ext>
+    </p:extLst>
+  </p:cSld>
+  <p:clrMapOvr>
+    <a:masterClrMapping/>
+  </p:clrMapOvr>
+</p:sld>
+</file>
+
+<file path=ppt/slides/slide26.xml><?xml version="1.0" encoding="utf-8"?>
+<p:sld xmlns:a="http://schemas.openxmlformats.org/drawingml/2006/main" xmlns:r="http://schemas.openxmlformats.org/officeDocument/2006/relationships" xmlns:p="http://schemas.openxmlformats.org/presentationml/2006/main">
+  <p:cSld>
+    <p:spTree>
+      <p:nvGrpSpPr>
+        <p:cNvPr id="1" name=""/>
+        <p:cNvGrpSpPr/>
+        <p:nvPr/>
+      </p:nvGrpSpPr>
+      <p:grpSpPr>
+        <a:xfrm>
+          <a:off x="0" y="0"/>
+          <a:ext cx="0" cy="0"/>
+          <a:chOff x="0" y="0"/>
+          <a:chExt cx="0" cy="0"/>
+        </a:xfrm>
+      </p:grpSpPr>
+      <p:sp>
+        <p:nvSpPr>
+          <p:cNvPr id="2" name="Inhaltsplatzhalter 1"/>
+          <p:cNvSpPr>
+            <a:spLocks noGrp="1"/>
+          </p:cNvSpPr>
+          <p:nvPr>
+            <p:ph idx="1"/>
+          </p:nvPr>
+        </p:nvSpPr>
+        <p:spPr>
+          <a:xfrm>
+            <a:off x="319090" y="1762188"/>
+            <a:ext cx="8508999" cy="4436953"/>
+          </a:xfrm>
+        </p:spPr>
+        <p:txBody>
+          <a:bodyPr/>
+          <a:lstStyle/>
+          <a:p>
+            <a:pPr marL="342900" indent="-342900">
+              <a:lnSpc>
+                <a:spcPct val="100000"/>
+              </a:lnSpc>
+              <a:buFont typeface="Arial" panose="020B0604020202020204" pitchFamily="34" charset="0"/>
+              <a:buChar char="•"/>
+            </a:pPr>
+            <a:r>
+              <a:rPr lang="en-IN" sz="2000" dirty="0"/>
+              <a:t>The Munich higher regional court also noted that the software did not violate any competition laws in Germany, with </a:t>
+            </a:r>
+            <a:r>
+              <a:rPr lang="en-IN" sz="2000" dirty="0" err="1"/>
+              <a:t>Eyeo's</a:t>
+            </a:r>
+            <a:r>
+              <a:rPr lang="en-IN" sz="2000" dirty="0"/>
+              <a:t> business model not qualifying as "forbidden aggressive advertising“….</a:t>
+            </a:r>
+          </a:p>
+          <a:p>
+            <a:pPr marL="342900" indent="-342900">
+              <a:lnSpc>
+                <a:spcPct val="100000"/>
+              </a:lnSpc>
+              <a:buFont typeface="Arial" panose="020B0604020202020204" pitchFamily="34" charset="0"/>
+              <a:buChar char="•"/>
+            </a:pPr>
+            <a:endParaRPr lang="en-IN" sz="2000" dirty="0"/>
+          </a:p>
+          <a:p>
+            <a:pPr marL="342900" indent="-342900">
+              <a:lnSpc>
+                <a:spcPct val="100000"/>
+              </a:lnSpc>
+              <a:buFont typeface="Arial" panose="020B0604020202020204" pitchFamily="34" charset="0"/>
+              <a:buChar char="•"/>
+            </a:pPr>
+            <a:r>
+              <a:rPr lang="en-IN" sz="2000" dirty="0"/>
+              <a:t>It is legal!!!</a:t>
+            </a:r>
+          </a:p>
+        </p:txBody>
+      </p:sp>
+      <p:sp>
+        <p:nvSpPr>
+          <p:cNvPr id="3" name="Titel 2"/>
+          <p:cNvSpPr>
+            <a:spLocks noGrp="1"/>
+          </p:cNvSpPr>
+          <p:nvPr>
+            <p:ph type="title"/>
+          </p:nvPr>
+        </p:nvSpPr>
+        <p:spPr>
+          <a:prstGeom prst="rect">
+            <a:avLst/>
+          </a:prstGeom>
+        </p:spPr>
+        <p:txBody>
+          <a:bodyPr/>
+          <a:lstStyle/>
+          <a:p>
+            <a:r>
+              <a:rPr lang="en-IN" dirty="0"/>
+              <a:t>Anti Ad-blockers: Legality in Germany</a:t>
+            </a:r>
+            <a:endParaRPr lang="de-DE" sz="3000" dirty="0"/>
+          </a:p>
+        </p:txBody>
+      </p:sp>
+    </p:spTree>
+    <p:extLst>
+      <p:ext uri="{BB962C8B-B14F-4D97-AF65-F5344CB8AC3E}">
+        <p14:creationId xmlns:p14="http://schemas.microsoft.com/office/powerpoint/2010/main" val="4096726837"/>
+      </p:ext>
+    </p:extLst>
+  </p:cSld>
+  <p:clrMapOvr>
+    <a:masterClrMapping/>
+  </p:clrMapOvr>
+</p:sld>
+</file>
+
+<file path=ppt/slides/slide27.xml><?xml version="1.0" encoding="utf-8"?>
+<p:sld xmlns:a="http://schemas.openxmlformats.org/drawingml/2006/main" xmlns:r="http://schemas.openxmlformats.org/officeDocument/2006/relationships" xmlns:p="http://schemas.openxmlformats.org/presentationml/2006/main">
+  <p:cSld>
+    <p:spTree>
+      <p:nvGrpSpPr>
+        <p:cNvPr id="1" name=""/>
+        <p:cNvGrpSpPr/>
+        <p:nvPr/>
+      </p:nvGrpSpPr>
+      <p:grpSpPr>
+        <a:xfrm>
+          <a:off x="0" y="0"/>
+          <a:ext cx="0" cy="0"/>
+          <a:chOff x="0" y="0"/>
+          <a:chExt cx="0" cy="0"/>
+        </a:xfrm>
+      </p:grpSpPr>
+      <p:sp>
+        <p:nvSpPr>
+          <p:cNvPr id="2" name="Inhaltsplatzhalter 1"/>
+          <p:cNvSpPr>
+            <a:spLocks noGrp="1"/>
+          </p:cNvSpPr>
+          <p:nvPr>
+            <p:ph idx="1"/>
+          </p:nvPr>
+        </p:nvSpPr>
+        <p:spPr>
+          <a:xfrm>
+            <a:off x="319090" y="1762188"/>
+            <a:ext cx="8508999" cy="4436953"/>
+          </a:xfrm>
+        </p:spPr>
+        <p:txBody>
+          <a:bodyPr/>
+          <a:lstStyle/>
+          <a:p>
+            <a:pPr marL="342900" indent="-342900">
+              <a:lnSpc>
+                <a:spcPct val="100000"/>
+              </a:lnSpc>
+              <a:buFont typeface="Arial" panose="020B0604020202020204" pitchFamily="34" charset="0"/>
+              <a:buChar char="•"/>
+            </a:pPr>
+            <a:r>
+              <a:rPr lang="en-IN" sz="2000" dirty="0"/>
+              <a:t>Which classifier best?</a:t>
+            </a:r>
+          </a:p>
+          <a:p>
+            <a:pPr marL="342900" indent="-342900">
+              <a:lnSpc>
+                <a:spcPct val="100000"/>
+              </a:lnSpc>
+              <a:buFont typeface="Arial" panose="020B0604020202020204" pitchFamily="34" charset="0"/>
+              <a:buChar char="•"/>
+            </a:pPr>
+            <a:endParaRPr lang="en-IN" sz="2000" dirty="0"/>
+          </a:p>
+          <a:p>
+            <a:pPr marL="342900" indent="-342900">
+              <a:lnSpc>
+                <a:spcPct val="100000"/>
+              </a:lnSpc>
+              <a:buFont typeface="Arial" panose="020B0604020202020204" pitchFamily="34" charset="0"/>
+              <a:buChar char="•"/>
+            </a:pPr>
+            <a:r>
+              <a:rPr lang="en-IN" sz="2000" dirty="0"/>
+              <a:t>Bias in selecting websites for Germany.</a:t>
+            </a:r>
+          </a:p>
+          <a:p>
+            <a:pPr marL="342900" indent="-342900">
+              <a:lnSpc>
+                <a:spcPct val="100000"/>
+              </a:lnSpc>
+              <a:buFont typeface="Arial" panose="020B0604020202020204" pitchFamily="34" charset="0"/>
+              <a:buChar char="•"/>
+            </a:pPr>
+            <a:endParaRPr lang="en-IN" sz="2000" dirty="0"/>
+          </a:p>
+          <a:p>
+            <a:pPr marL="342900" indent="-342900">
+              <a:lnSpc>
+                <a:spcPct val="100000"/>
+              </a:lnSpc>
+              <a:buFont typeface="Arial" panose="020B0604020202020204" pitchFamily="34" charset="0"/>
+              <a:buChar char="•"/>
+            </a:pPr>
+            <a:r>
+              <a:rPr lang="en-IN" sz="2000" dirty="0"/>
+              <a:t>Trend of Ad-blocker software usage.</a:t>
+            </a:r>
+          </a:p>
+          <a:p>
+            <a:pPr marL="342900" indent="-342900">
+              <a:lnSpc>
+                <a:spcPct val="100000"/>
+              </a:lnSpc>
+              <a:buFont typeface="Arial" panose="020B0604020202020204" pitchFamily="34" charset="0"/>
+              <a:buChar char="•"/>
+            </a:pPr>
+            <a:endParaRPr lang="en-IN" sz="2000" dirty="0"/>
+          </a:p>
+          <a:p>
+            <a:pPr marL="342900" indent="-342900">
+              <a:lnSpc>
+                <a:spcPct val="100000"/>
+              </a:lnSpc>
+              <a:buFont typeface="Arial" panose="020B0604020202020204" pitchFamily="34" charset="0"/>
+              <a:buChar char="•"/>
+            </a:pPr>
+            <a:r>
+              <a:rPr lang="en-IN" sz="2000" dirty="0"/>
+              <a:t>Legality in Germany.</a:t>
+            </a:r>
+          </a:p>
+          <a:p>
+            <a:pPr>
+              <a:lnSpc>
+                <a:spcPct val="100000"/>
+              </a:lnSpc>
+            </a:pPr>
+            <a:endParaRPr lang="en-IN" sz="2000" dirty="0"/>
+          </a:p>
+        </p:txBody>
+      </p:sp>
+      <p:sp>
+        <p:nvSpPr>
+          <p:cNvPr id="3" name="Titel 2"/>
+          <p:cNvSpPr>
+            <a:spLocks noGrp="1"/>
+          </p:cNvSpPr>
+          <p:nvPr>
+            <p:ph type="title"/>
+          </p:nvPr>
+        </p:nvSpPr>
+        <p:spPr>
+          <a:prstGeom prst="rect">
+            <a:avLst/>
+          </a:prstGeom>
+        </p:spPr>
+        <p:txBody>
+          <a:bodyPr/>
+          <a:lstStyle/>
+          <a:p>
+            <a:r>
+              <a:rPr lang="en-IN" dirty="0"/>
+              <a:t>Conclusion</a:t>
+            </a:r>
+            <a:endParaRPr lang="de-DE" sz="3000" dirty="0"/>
+          </a:p>
+        </p:txBody>
+      </p:sp>
+    </p:spTree>
+    <p:extLst>
+      <p:ext uri="{BB962C8B-B14F-4D97-AF65-F5344CB8AC3E}">
+        <p14:creationId xmlns:p14="http://schemas.microsoft.com/office/powerpoint/2010/main" val="2267394807"/>
+      </p:ext>
+    </p:extLst>
+  </p:cSld>
+  <p:clrMapOvr>
+    <a:masterClrMapping/>
+  </p:clrMapOvr>
+</p:sld>
+</file>
+
+<file path=ppt/slides/slide28.xml><?xml version="1.0" encoding="utf-8"?>
+<p:sld xmlns:a="http://schemas.openxmlformats.org/drawingml/2006/main" xmlns:r="http://schemas.openxmlformats.org/officeDocument/2006/relationships" xmlns:p="http://schemas.openxmlformats.org/presentationml/2006/main">
+  <p:cSld>
+    <p:spTree>
+      <p:nvGrpSpPr>
+        <p:cNvPr id="1" name=""/>
+        <p:cNvGrpSpPr/>
+        <p:nvPr/>
+      </p:nvGrpSpPr>
+      <p:grpSpPr>
+        <a:xfrm>
+          <a:off x="0" y="0"/>
+          <a:ext cx="0" cy="0"/>
+          <a:chOff x="0" y="0"/>
+          <a:chExt cx="0" cy="0"/>
+        </a:xfrm>
+      </p:grpSpPr>
+      <p:sp>
+        <p:nvSpPr>
+          <p:cNvPr id="5" name="Titel 4"/>
+          <p:cNvSpPr>
+            <a:spLocks noGrp="1"/>
+          </p:cNvSpPr>
+          <p:nvPr>
+            <p:ph type="title"/>
+          </p:nvPr>
+        </p:nvSpPr>
+        <p:spPr>
+          <a:xfrm>
+            <a:off x="1695945" y="3138444"/>
+            <a:ext cx="8508999" cy="501650"/>
+          </a:xfrm>
+        </p:spPr>
+        <p:txBody>
+          <a:bodyPr/>
+          <a:lstStyle/>
+          <a:p>
+            <a:r>
+              <a:rPr lang="en-IN" dirty="0"/>
+              <a:t>Thank you!</a:t>
+            </a:r>
+          </a:p>
+        </p:txBody>
+      </p:sp>
+    </p:spTree>
   </p:cSld>
   <p:clrMapOvr>
     <a:masterClrMapping/>
@@ -8304,7 +10302,7 @@
             </a:pPr>
             <a:r>
               <a:rPr lang="en-IN" sz="2000" dirty="0"/>
-              <a:t>We study the usage of Ad-blocker scripts and their mechanisms</a:t>
+              <a:t>We study the usage of Ad-blocker scripts and their mechanisms.</a:t>
             </a:r>
           </a:p>
           <a:p>
@@ -8317,7 +10315,7 @@
             </a:pPr>
             <a:r>
               <a:rPr lang="en-IN" sz="2000" dirty="0"/>
-              <a:t>We discuss the methodology used in detecting Anti Ad-blockers</a:t>
+              <a:t>We discuss the methodology used in detecting Anti Ad-blockers.</a:t>
             </a:r>
           </a:p>
           <a:p>
@@ -8330,7 +10328,7 @@
             </a:pPr>
             <a:r>
               <a:rPr lang="en-IN" sz="2000" dirty="0"/>
-              <a:t>We discuss on the findings of our results for the data set</a:t>
+              <a:t>We discuss on the findings of our results for the data set.</a:t>
             </a:r>
           </a:p>
           <a:p>
@@ -8343,7 +10341,7 @@
             </a:pPr>
             <a:r>
               <a:rPr lang="en-IN" sz="2000" dirty="0"/>
-              <a:t>We analyse Anti Ad-blocker scripts </a:t>
+              <a:t>We analyse Anti Ad-blocker scripts .</a:t>
             </a:r>
           </a:p>
           <a:p>
@@ -8356,7 +10354,7 @@
             </a:pPr>
             <a:r>
               <a:rPr lang="en-IN" sz="2000" dirty="0"/>
-              <a:t>We discuss the economic impact of Anti Ad-blockers</a:t>
+              <a:t>We discuss the economic impact of Anti Ad-blockers.</a:t>
             </a:r>
           </a:p>
           <a:p>
@@ -8369,7 +10367,7 @@
             </a:pPr>
             <a:r>
               <a:rPr lang="en-IN" sz="2000" dirty="0"/>
-              <a:t>We discuss the legality and ethical aspects of using Anti Ad-blockers</a:t>
+              <a:t>We discuss the legality and ethical aspects of using Anti Ad-blockers.</a:t>
             </a:r>
           </a:p>
           <a:p>
@@ -8382,7 +10380,7 @@
             </a:pPr>
             <a:r>
               <a:rPr lang="en-IN" sz="2000" dirty="0"/>
-              <a:t>We discuss alternatives to Anti Ad-blocking</a:t>
+              <a:t>We discuss alternatives to Anti Ad-blocking.</a:t>
             </a:r>
           </a:p>
           <a:p>
@@ -8488,7 +10486,7 @@
             </a:pPr>
             <a:r>
               <a:rPr lang="en-IN" sz="2000" dirty="0"/>
-              <a:t>U.S. lead the market share with $58.13b revenue in 2017 followed by the U.K. with $11.72b and China with $10.81b</a:t>
+              <a:t>U.S. lead the market share with $58.13b revenue in 2017 followed by the U.K. with $11.72b and China with $10.81b.</a:t>
             </a:r>
           </a:p>
           <a:p>
@@ -8849,7 +10847,7 @@
             </a:pPr>
             <a:r>
               <a:rPr lang="en-IN" sz="2000" dirty="0"/>
-              <a:t>Code showing how Forbes implements ads on their website</a:t>
+              <a:t>Code showing how Forbes implements ads on their website:</a:t>
             </a:r>
             <a:endParaRPr lang="en-IN" sz="1800" dirty="0"/>
           </a:p>
@@ -8962,7 +10960,7 @@
             </a:pPr>
             <a:r>
               <a:rPr lang="en-IN" sz="1800" dirty="0"/>
-              <a:t>Code showing how Forbes implements ad-blocker detection on their website</a:t>
+              <a:t>Code showing how Forbes implements ad-blocker detection on their website:</a:t>
             </a:r>
             <a:endParaRPr lang="en-IN" dirty="0"/>
           </a:p>

--- a/ppt/Seminar - Rohit & Rohit.pptx
+++ b/ppt/Seminar - Rohit & Rohit.pptx
@@ -31,8 +31,8 @@
     <p:sldId id="403" r:id="rId19"/>
     <p:sldId id="404" r:id="rId20"/>
     <p:sldId id="405" r:id="rId21"/>
-    <p:sldId id="406" r:id="rId22"/>
-    <p:sldId id="407" r:id="rId23"/>
+    <p:sldId id="418" r:id="rId22"/>
+    <p:sldId id="406" r:id="rId23"/>
     <p:sldId id="408" r:id="rId24"/>
     <p:sldId id="409" r:id="rId25"/>
     <p:sldId id="410" r:id="rId26"/>
@@ -578,7 +578,7 @@
               <a:pPr>
                 <a:defRPr/>
               </a:pPr>
-              <a:t>24/01/2018</a:t>
+              <a:t>25/01/2018</a:t>
             </a:fld>
             <a:endParaRPr lang="en-GB"/>
           </a:p>
@@ -8388,8 +8388,130 @@
             </a:pPr>
             <a:r>
               <a:rPr lang="en-IN" sz="2000" dirty="0"/>
-              <a:t>Which classifier is the best…</a:t>
-            </a:r>
+              <a:t>Our test set consisted of top ranked German websites from sources such as Alexa, </a:t>
+            </a:r>
+            <a:r>
+              <a:rPr lang="en-IN" sz="2000" dirty="0" err="1"/>
+              <a:t>Similarweb</a:t>
+            </a:r>
+            <a:r>
+              <a:rPr lang="en-IN" sz="2000" dirty="0"/>
+              <a:t>, </a:t>
+            </a:r>
+            <a:r>
+              <a:rPr lang="en-IN" sz="2000" dirty="0" err="1"/>
+              <a:t>Quantcast</a:t>
+            </a:r>
+            <a:r>
+              <a:rPr lang="en-IN" sz="2000" dirty="0"/>
+              <a:t> and TLD sites.</a:t>
+            </a:r>
+          </a:p>
+          <a:p>
+            <a:pPr marL="342900" indent="-342900">
+              <a:lnSpc>
+                <a:spcPct val="100000"/>
+              </a:lnSpc>
+              <a:buFont typeface="Arial" panose="020B0604020202020204" pitchFamily="34" charset="0"/>
+              <a:buChar char="•"/>
+            </a:pPr>
+            <a:endParaRPr lang="en-IN" sz="2000" dirty="0"/>
+          </a:p>
+          <a:p>
+            <a:pPr marL="342900" indent="-342900">
+              <a:lnSpc>
+                <a:spcPct val="100000"/>
+              </a:lnSpc>
+              <a:buFont typeface="Arial" panose="020B0604020202020204" pitchFamily="34" charset="0"/>
+              <a:buChar char="•"/>
+            </a:pPr>
+            <a:endParaRPr lang="en-IN" sz="2000" dirty="0"/>
+          </a:p>
+          <a:p>
+            <a:pPr marL="342900" indent="-342900">
+              <a:lnSpc>
+                <a:spcPct val="100000"/>
+              </a:lnSpc>
+              <a:buFont typeface="Arial" panose="020B0604020202020204" pitchFamily="34" charset="0"/>
+              <a:buChar char="•"/>
+            </a:pPr>
+            <a:endParaRPr lang="en-IN" sz="2000" dirty="0"/>
+          </a:p>
+          <a:p>
+            <a:pPr marL="342900" indent="-342900">
+              <a:lnSpc>
+                <a:spcPct val="100000"/>
+              </a:lnSpc>
+              <a:buFont typeface="Arial" panose="020B0604020202020204" pitchFamily="34" charset="0"/>
+              <a:buChar char="•"/>
+            </a:pPr>
+            <a:endParaRPr lang="en-IN" sz="2000" dirty="0"/>
+          </a:p>
+          <a:p>
+            <a:pPr marL="342900" indent="-342900">
+              <a:lnSpc>
+                <a:spcPct val="100000"/>
+              </a:lnSpc>
+              <a:buFont typeface="Arial" panose="020B0604020202020204" pitchFamily="34" charset="0"/>
+              <a:buChar char="•"/>
+            </a:pPr>
+            <a:endParaRPr lang="en-IN" sz="2000" dirty="0"/>
+          </a:p>
+          <a:p>
+            <a:pPr marL="342900" indent="-342900">
+              <a:lnSpc>
+                <a:spcPct val="100000"/>
+              </a:lnSpc>
+              <a:buFont typeface="Arial" panose="020B0604020202020204" pitchFamily="34" charset="0"/>
+              <a:buChar char="•"/>
+            </a:pPr>
+            <a:endParaRPr lang="en-IN" sz="2000" dirty="0"/>
+          </a:p>
+          <a:p>
+            <a:pPr marL="342900" indent="-342900">
+              <a:lnSpc>
+                <a:spcPct val="100000"/>
+              </a:lnSpc>
+              <a:buFont typeface="Arial" panose="020B0604020202020204" pitchFamily="34" charset="0"/>
+              <a:buChar char="•"/>
+            </a:pPr>
+            <a:r>
+              <a:rPr lang="en-IN" sz="2000" dirty="0"/>
+              <a:t>Close to 25 out of 1477 (1.7%) websites employ Ad-block detection.</a:t>
+            </a:r>
+          </a:p>
+          <a:p>
+            <a:pPr marL="342900" indent="-342900">
+              <a:lnSpc>
+                <a:spcPct val="100000"/>
+              </a:lnSpc>
+              <a:buFont typeface="Arial" panose="020B0604020202020204" pitchFamily="34" charset="0"/>
+              <a:buChar char="•"/>
+            </a:pPr>
+            <a:endParaRPr lang="en-IN" sz="2000" dirty="0"/>
+          </a:p>
+          <a:p>
+            <a:pPr marL="342900" indent="-342900">
+              <a:lnSpc>
+                <a:spcPct val="100000"/>
+              </a:lnSpc>
+              <a:buFont typeface="Arial" panose="020B0604020202020204" pitchFamily="34" charset="0"/>
+              <a:buChar char="•"/>
+            </a:pPr>
+            <a:r>
+              <a:rPr lang="en-IN" sz="2000" dirty="0"/>
+              <a:t>Certain websites still show advertisements or are allowed under Acceptable Ads programme.</a:t>
+            </a:r>
+          </a:p>
+          <a:p>
+            <a:pPr marL="342900" indent="-342900">
+              <a:lnSpc>
+                <a:spcPct val="100000"/>
+              </a:lnSpc>
+              <a:buFont typeface="Arial" panose="020B0604020202020204" pitchFamily="34" charset="0"/>
+              <a:buChar char="•"/>
+            </a:pPr>
+            <a:endParaRPr lang="en-IN" sz="2000" dirty="0"/>
           </a:p>
         </p:txBody>
       </p:sp>
@@ -8420,6 +8542,30 @@
           </a:p>
         </p:txBody>
       </p:sp>
+      <p:pic>
+        <p:nvPicPr>
+          <p:cNvPr id="5" name="Picture 4"/>
+          <p:cNvPicPr>
+            <a:picLocks noChangeAspect="1"/>
+          </p:cNvPicPr>
+          <p:nvPr/>
+        </p:nvPicPr>
+        <p:blipFill>
+          <a:blip r:embed="rId2"/>
+          <a:stretch>
+            <a:fillRect/>
+          </a:stretch>
+        </p:blipFill>
+        <p:spPr>
+          <a:xfrm>
+            <a:off x="1540059" y="2572300"/>
+            <a:ext cx="5562704" cy="1478694"/>
+          </a:xfrm>
+          <a:prstGeom prst="rect">
+            <a:avLst/>
+          </a:prstGeom>
+        </p:spPr>
+      </p:pic>
     </p:spTree>
     <p:extLst>
       <p:ext uri="{BB962C8B-B14F-4D97-AF65-F5344CB8AC3E}">
@@ -8452,40 +8598,6 @@
       </p:grpSpPr>
       <p:sp>
         <p:nvSpPr>
-          <p:cNvPr id="2" name="Inhaltsplatzhalter 1"/>
-          <p:cNvSpPr>
-            <a:spLocks noGrp="1"/>
-          </p:cNvSpPr>
-          <p:nvPr>
-            <p:ph idx="1"/>
-          </p:nvPr>
-        </p:nvSpPr>
-        <p:spPr>
-          <a:xfrm>
-            <a:off x="319090" y="1762188"/>
-            <a:ext cx="8508999" cy="4436953"/>
-          </a:xfrm>
-        </p:spPr>
-        <p:txBody>
-          <a:bodyPr/>
-          <a:lstStyle/>
-          <a:p>
-            <a:pPr marL="342900" indent="-342900">
-              <a:lnSpc>
-                <a:spcPct val="100000"/>
-              </a:lnSpc>
-              <a:buFont typeface="Arial" panose="020B0604020202020204" pitchFamily="34" charset="0"/>
-              <a:buChar char="•"/>
-            </a:pPr>
-            <a:r>
-              <a:rPr lang="en-IN" sz="2000" dirty="0"/>
-              <a:t>Germany vs US comparisons…</a:t>
-            </a:r>
-          </a:p>
-        </p:txBody>
-      </p:sp>
-      <p:sp>
-        <p:nvSpPr>
           <p:cNvPr id="3" name="Titel 2"/>
           <p:cNvSpPr>
             <a:spLocks noGrp="1"/>
@@ -8495,6 +8607,10 @@
           </p:nvPr>
         </p:nvSpPr>
         <p:spPr>
+          <a:xfrm>
+            <a:off x="319091" y="994334"/>
+            <a:ext cx="8206074" cy="410369"/>
+          </a:xfrm>
           <a:prstGeom prst="rect">
             <a:avLst/>
           </a:prstGeom>
@@ -8505,16 +8621,88 @@
           <a:p>
             <a:r>
               <a:rPr lang="en-IN" sz="3000" dirty="0"/>
-              <a:t>Datasets and Results: Geographical Comparison</a:t>
+              <a:t>Ad-block Detection Responses: Types</a:t>
             </a:r>
             <a:endParaRPr lang="de-DE" sz="3000" dirty="0"/>
           </a:p>
         </p:txBody>
       </p:sp>
+      <p:pic>
+        <p:nvPicPr>
+          <p:cNvPr id="6" name="Picture 5"/>
+          <p:cNvPicPr>
+            <a:picLocks noChangeAspect="1"/>
+          </p:cNvPicPr>
+          <p:nvPr/>
+        </p:nvPicPr>
+        <p:blipFill>
+          <a:blip r:embed="rId2"/>
+          <a:stretch>
+            <a:fillRect/>
+          </a:stretch>
+        </p:blipFill>
+        <p:spPr>
+          <a:xfrm>
+            <a:off x="489528" y="1724332"/>
+            <a:ext cx="3706380" cy="2475117"/>
+          </a:xfrm>
+          <a:prstGeom prst="rect">
+            <a:avLst/>
+          </a:prstGeom>
+        </p:spPr>
+      </p:pic>
+      <p:pic>
+        <p:nvPicPr>
+          <p:cNvPr id="10" name="Picture 9"/>
+          <p:cNvPicPr>
+            <a:picLocks noChangeAspect="1"/>
+          </p:cNvPicPr>
+          <p:nvPr/>
+        </p:nvPicPr>
+        <p:blipFill>
+          <a:blip r:embed="rId3"/>
+          <a:stretch>
+            <a:fillRect/>
+          </a:stretch>
+        </p:blipFill>
+        <p:spPr>
+          <a:xfrm>
+            <a:off x="4880938" y="1637581"/>
+            <a:ext cx="3496443" cy="2561869"/>
+          </a:xfrm>
+          <a:prstGeom prst="rect">
+            <a:avLst/>
+          </a:prstGeom>
+        </p:spPr>
+      </p:pic>
+      <p:pic>
+        <p:nvPicPr>
+          <p:cNvPr id="12" name="Picture 11"/>
+          <p:cNvPicPr>
+            <a:picLocks noChangeAspect="1"/>
+          </p:cNvPicPr>
+          <p:nvPr/>
+        </p:nvPicPr>
+        <p:blipFill>
+          <a:blip r:embed="rId4"/>
+          <a:stretch>
+            <a:fillRect/>
+          </a:stretch>
+        </p:blipFill>
+        <p:spPr>
+          <a:xfrm>
+            <a:off x="651601" y="4749088"/>
+            <a:ext cx="7725781" cy="1187385"/>
+          </a:xfrm>
+          <a:prstGeom prst="rect">
+            <a:avLst/>
+          </a:prstGeom>
+        </p:spPr>
+      </p:pic>
     </p:spTree>
     <p:extLst>
       <p:ext uri="{BB962C8B-B14F-4D97-AF65-F5344CB8AC3E}">
-        <p14:creationId xmlns:p14="http://schemas.microsoft.com/office/powerpoint/2010/main" val="2676196641"/>
+        <p14:creationId xmlns:p14="http://schemas.microsoft.com/office/powerpoint/2010/main" val="3977858435"/>
       </p:ext>
     </p:extLst>
   </p:cSld>
@@ -8570,23 +8758,99 @@
             </a:pPr>
             <a:r>
               <a:rPr lang="en-IN" sz="2000" dirty="0"/>
-              <a:t>Images of different types of anti ad-blockers… </a:t>
-            </a:r>
-            <a:r>
-              <a:rPr lang="en-IN" sz="2000" dirty="0" err="1"/>
-              <a:t>BildSmart</a:t>
-            </a:r>
+              <a:t>Our reference research paper focussed on Alexa top-100K websites that includes majority of U.S.A and China websites.</a:t>
+            </a:r>
+          </a:p>
+          <a:p>
+            <a:pPr marL="342900" indent="-342900">
+              <a:lnSpc>
+                <a:spcPct val="100000"/>
+              </a:lnSpc>
+              <a:buFont typeface="Arial" panose="020B0604020202020204" pitchFamily="34" charset="0"/>
+              <a:buChar char="•"/>
+            </a:pPr>
+            <a:endParaRPr lang="en-IN" sz="2000" dirty="0"/>
+          </a:p>
+          <a:p>
+            <a:pPr marL="342900" indent="-342900">
+              <a:lnSpc>
+                <a:spcPct val="100000"/>
+              </a:lnSpc>
+              <a:buFont typeface="Arial" panose="020B0604020202020204" pitchFamily="34" charset="0"/>
+              <a:buChar char="•"/>
+            </a:pPr>
             <a:r>
               <a:rPr lang="en-IN" sz="2000" dirty="0"/>
-              <a:t>, </a:t>
-            </a:r>
-            <a:r>
-              <a:rPr lang="en-IN" sz="2000" dirty="0" err="1"/>
-              <a:t>YouPorn</a:t>
-            </a:r>
+              <a:t>They found 686 websites in Alexa top-100K deploy Ad-blocker detection.</a:t>
+            </a:r>
+          </a:p>
+          <a:p>
+            <a:pPr marL="342900" indent="-342900">
+              <a:lnSpc>
+                <a:spcPct val="100000"/>
+              </a:lnSpc>
+              <a:buFont typeface="Arial" panose="020B0604020202020204" pitchFamily="34" charset="0"/>
+              <a:buChar char="•"/>
+            </a:pPr>
+            <a:endParaRPr lang="en-IN" sz="2000" dirty="0"/>
+          </a:p>
+          <a:p>
+            <a:pPr marL="342900" indent="-342900">
+              <a:lnSpc>
+                <a:spcPct val="100000"/>
+              </a:lnSpc>
+              <a:buFont typeface="Arial" panose="020B0604020202020204" pitchFamily="34" charset="0"/>
+              <a:buChar char="•"/>
+            </a:pPr>
             <a:r>
               <a:rPr lang="en-IN" sz="2000" dirty="0"/>
-              <a:t>, Sport1.de</a:t>
+              <a:t>Only Google Germany and Amazon Germany fall under the Alexa top-100 websites.</a:t>
+            </a:r>
+          </a:p>
+          <a:p>
+            <a:pPr marL="342900" indent="-342900">
+              <a:lnSpc>
+                <a:spcPct val="100000"/>
+              </a:lnSpc>
+              <a:buFont typeface="Arial" panose="020B0604020202020204" pitchFamily="34" charset="0"/>
+              <a:buChar char="•"/>
+            </a:pPr>
+            <a:endParaRPr lang="en-IN" sz="2000" dirty="0"/>
+          </a:p>
+          <a:p>
+            <a:pPr marL="342900" indent="-342900">
+              <a:lnSpc>
+                <a:spcPct val="100000"/>
+              </a:lnSpc>
+              <a:buFont typeface="Arial" panose="020B0604020202020204" pitchFamily="34" charset="0"/>
+              <a:buChar char="•"/>
+            </a:pPr>
+            <a:r>
+              <a:rPr lang="en-IN" sz="2000" dirty="0"/>
+              <a:t>In our analysis we found that 25 out of our 1477 test websites (top German websites) employ some kind of Ad-blocker detection.</a:t>
+            </a:r>
+          </a:p>
+          <a:p>
+            <a:pPr marL="342900" indent="-342900">
+              <a:lnSpc>
+                <a:spcPct val="100000"/>
+              </a:lnSpc>
+              <a:buFont typeface="Arial" panose="020B0604020202020204" pitchFamily="34" charset="0"/>
+              <a:buChar char="•"/>
+            </a:pPr>
+            <a:endParaRPr lang="en-IN" sz="2000" dirty="0"/>
+          </a:p>
+          <a:p>
+            <a:pPr marL="342900" indent="-342900">
+              <a:lnSpc>
+                <a:spcPct val="100000"/>
+              </a:lnSpc>
+              <a:buFont typeface="Arial" panose="020B0604020202020204" pitchFamily="34" charset="0"/>
+              <a:buChar char="•"/>
+            </a:pPr>
+            <a:r>
+              <a:rPr lang="en-IN" sz="2000" dirty="0"/>
+              <a:t>These analysis do not contain specific subpages of such websites and our methodology mostly relies on detecting changes in HTML content.</a:t>
             </a:r>
           </a:p>
         </p:txBody>
@@ -8612,7 +8876,7 @@
           <a:p>
             <a:r>
               <a:rPr lang="en-IN" sz="3000" dirty="0"/>
-              <a:t>Datasets and Results: Types of Anti Ad-blockers</a:t>
+              <a:t>Datasets and Results: Geographical Comparison</a:t>
             </a:r>
             <a:endParaRPr lang="de-DE" sz="3000" dirty="0"/>
           </a:p>
@@ -8621,7 +8885,7 @@
     </p:spTree>
     <p:extLst>
       <p:ext uri="{BB962C8B-B14F-4D97-AF65-F5344CB8AC3E}">
-        <p14:creationId xmlns:p14="http://schemas.microsoft.com/office/powerpoint/2010/main" val="2137792270"/>
+        <p14:creationId xmlns:p14="http://schemas.microsoft.com/office/powerpoint/2010/main" val="2676196641"/>
       </p:ext>
     </p:extLst>
   </p:cSld>
@@ -8677,7 +8941,7 @@
             </a:pPr>
             <a:r>
               <a:rPr lang="en-IN" sz="2000" dirty="0"/>
-              <a:t>Different categories….</a:t>
+              <a:t>Some of the top categories of websites deploying Ad-blocker detection:</a:t>
             </a:r>
           </a:p>
         </p:txBody>
@@ -8725,8 +8989,8 @@
         </p:blipFill>
         <p:spPr>
           <a:xfrm>
-            <a:off x="1560359" y="2554648"/>
-            <a:ext cx="6026460" cy="3321221"/>
+            <a:off x="1015412" y="2425339"/>
+            <a:ext cx="7057169" cy="3889251"/>
           </a:xfrm>
           <a:prstGeom prst="rect">
             <a:avLst/>
@@ -8792,7 +9056,115 @@
             </a:pPr>
             <a:r>
               <a:rPr lang="en-IN" sz="2000" dirty="0"/>
-              <a:t>What are the limitations of our paper…</a:t>
+              <a:t>The lack of information, including a limit of websites that Alexa provides by country for free, forced us to induce a bias by selecting TLD with “de”.</a:t>
+            </a:r>
+          </a:p>
+          <a:p>
+            <a:pPr marL="342900" indent="-342900">
+              <a:lnSpc>
+                <a:spcPct val="100000"/>
+              </a:lnSpc>
+              <a:buFont typeface="Arial" panose="020B0604020202020204" pitchFamily="34" charset="0"/>
+              <a:buChar char="•"/>
+            </a:pPr>
+            <a:endParaRPr lang="en-IN" sz="2000" dirty="0"/>
+          </a:p>
+          <a:p>
+            <a:pPr marL="342900" indent="-342900">
+              <a:lnSpc>
+                <a:spcPct val="100000"/>
+              </a:lnSpc>
+              <a:buFont typeface="Arial" panose="020B0604020202020204" pitchFamily="34" charset="0"/>
+              <a:buChar char="•"/>
+            </a:pPr>
+            <a:r>
+              <a:rPr lang="en-IN" sz="2000" dirty="0"/>
+              <a:t>Our methodology focusses on homepage of such websites.</a:t>
+            </a:r>
+          </a:p>
+          <a:p>
+            <a:pPr marL="342900" indent="-342900">
+              <a:lnSpc>
+                <a:spcPct val="100000"/>
+              </a:lnSpc>
+              <a:buFont typeface="Arial" panose="020B0604020202020204" pitchFamily="34" charset="0"/>
+              <a:buChar char="•"/>
+            </a:pPr>
+            <a:endParaRPr lang="en-IN" sz="2000" dirty="0"/>
+          </a:p>
+          <a:p>
+            <a:pPr marL="342900" indent="-342900">
+              <a:lnSpc>
+                <a:spcPct val="100000"/>
+              </a:lnSpc>
+              <a:buFont typeface="Arial" panose="020B0604020202020204" pitchFamily="34" charset="0"/>
+              <a:buChar char="•"/>
+            </a:pPr>
+            <a:r>
+              <a:rPr lang="en-IN" sz="2000" dirty="0"/>
+              <a:t>We remove any Anti Ad-block filters in </a:t>
+            </a:r>
+            <a:r>
+              <a:rPr lang="en-IN" sz="2000" dirty="0" err="1"/>
+              <a:t>EasyList</a:t>
+            </a:r>
+            <a:r>
+              <a:rPr lang="en-IN" sz="2000" dirty="0"/>
+              <a:t> for better detection. This may not be the default configuration used by users.</a:t>
+            </a:r>
+          </a:p>
+          <a:p>
+            <a:pPr marL="342900" indent="-342900">
+              <a:lnSpc>
+                <a:spcPct val="100000"/>
+              </a:lnSpc>
+              <a:buFont typeface="Arial" panose="020B0604020202020204" pitchFamily="34" charset="0"/>
+              <a:buChar char="•"/>
+            </a:pPr>
+            <a:endParaRPr lang="en-IN" sz="2000" dirty="0"/>
+          </a:p>
+          <a:p>
+            <a:pPr marL="342900" indent="-342900">
+              <a:lnSpc>
+                <a:spcPct val="100000"/>
+              </a:lnSpc>
+              <a:buFont typeface="Arial" panose="020B0604020202020204" pitchFamily="34" charset="0"/>
+              <a:buChar char="•"/>
+            </a:pPr>
+            <a:r>
+              <a:rPr lang="en-IN" sz="2000" dirty="0"/>
+              <a:t>We consider only HTML and textual changes to websites.</a:t>
+            </a:r>
+          </a:p>
+          <a:p>
+            <a:pPr marL="342900" indent="-342900">
+              <a:lnSpc>
+                <a:spcPct val="100000"/>
+              </a:lnSpc>
+              <a:buFont typeface="Arial" panose="020B0604020202020204" pitchFamily="34" charset="0"/>
+              <a:buChar char="•"/>
+            </a:pPr>
+            <a:endParaRPr lang="en-IN" sz="2000" dirty="0"/>
+          </a:p>
+          <a:p>
+            <a:pPr marL="342900" indent="-342900">
+              <a:lnSpc>
+                <a:spcPct val="100000"/>
+              </a:lnSpc>
+              <a:buFont typeface="Arial" panose="020B0604020202020204" pitchFamily="34" charset="0"/>
+              <a:buChar char="•"/>
+            </a:pPr>
+            <a:r>
+              <a:rPr lang="en-IN" sz="2000" dirty="0"/>
+              <a:t>Our focus is on </a:t>
+            </a:r>
+            <a:r>
+              <a:rPr lang="en-IN" sz="2000" dirty="0" err="1"/>
+              <a:t>Adblock</a:t>
+            </a:r>
+            <a:r>
+              <a:rPr lang="en-IN" sz="2000" dirty="0"/>
+              <a:t> Plus due to its popularity.</a:t>
             </a:r>
           </a:p>
         </p:txBody>
@@ -8975,7 +9347,7 @@
             </a:pPr>
             <a:r>
               <a:rPr lang="en-IN" sz="2000" dirty="0"/>
-              <a:t>First party script…</a:t>
+              <a:t>First party scripts either add a timing delay for displaying ads or add an empty &lt;div&gt; class as shown below. This acts as a bait.</a:t>
             </a:r>
           </a:p>
           <a:p>
@@ -9111,8 +9483,8 @@
         </p:blipFill>
         <p:spPr>
           <a:xfrm>
-            <a:off x="1411293" y="2382347"/>
-            <a:ext cx="5609332" cy="2309725"/>
+            <a:off x="1185712" y="2975016"/>
+            <a:ext cx="6775753" cy="2790016"/>
           </a:xfrm>
           <a:prstGeom prst="rect">
             <a:avLst/>
@@ -9178,7 +9550,54 @@
             </a:pPr>
             <a:r>
               <a:rPr lang="en-IN" sz="2000" dirty="0"/>
-              <a:t>Third party script… Detection of extensions and multiple baits and timeouts</a:t>
+              <a:t>Third party script detects various browser extensions such as </a:t>
+            </a:r>
+            <a:r>
+              <a:rPr lang="en-IN" sz="2000" dirty="0" err="1"/>
+              <a:t>adblock</a:t>
+            </a:r>
+            <a:r>
+              <a:rPr lang="en-IN" sz="2000" dirty="0"/>
+              <a:t>, </a:t>
+            </a:r>
+            <a:r>
+              <a:rPr lang="en-IN" sz="2000" dirty="0" err="1"/>
+              <a:t>adblock_plus</a:t>
+            </a:r>
+            <a:r>
+              <a:rPr lang="en-IN" sz="2000" dirty="0"/>
+              <a:t>, </a:t>
+            </a:r>
+            <a:r>
+              <a:rPr lang="en-IN" sz="2000" dirty="0" err="1"/>
+              <a:t>adblock_pro</a:t>
+            </a:r>
+            <a:r>
+              <a:rPr lang="en-IN" sz="2000" dirty="0"/>
+              <a:t>. </a:t>
+            </a:r>
+          </a:p>
+          <a:p>
+            <a:pPr marL="342900" indent="-342900">
+              <a:lnSpc>
+                <a:spcPct val="100000"/>
+              </a:lnSpc>
+              <a:buFont typeface="Arial" panose="020B0604020202020204" pitchFamily="34" charset="0"/>
+              <a:buChar char="•"/>
+            </a:pPr>
+            <a:endParaRPr lang="en-IN" sz="2000" dirty="0"/>
+          </a:p>
+          <a:p>
+            <a:pPr marL="342900" indent="-342900">
+              <a:lnSpc>
+                <a:spcPct val="100000"/>
+              </a:lnSpc>
+              <a:buFont typeface="Arial" panose="020B0604020202020204" pitchFamily="34" charset="0"/>
+              <a:buChar char="•"/>
+            </a:pPr>
+            <a:r>
+              <a:rPr lang="en-IN" sz="2000" dirty="0"/>
+              <a:t>Multiple baits and timeouts are used simultaneously. </a:t>
             </a:r>
           </a:p>
           <a:p>
@@ -9324,8 +9743,8 @@
         </p:blipFill>
         <p:spPr>
           <a:xfrm>
-            <a:off x="1820981" y="3216180"/>
-            <a:ext cx="5170948" cy="2835207"/>
+            <a:off x="1359163" y="3150333"/>
+            <a:ext cx="6212514" cy="3406293"/>
           </a:xfrm>
           <a:prstGeom prst="rect">
             <a:avLst/>
@@ -9384,40 +9803,112 @@
           <a:p>
             <a:pPr marL="342900" indent="-342900">
               <a:lnSpc>
-                <a:spcPct val="100000"/>
+                <a:spcPct val="150000"/>
               </a:lnSpc>
               <a:buFont typeface="Arial" panose="020B0604020202020204" pitchFamily="34" charset="0"/>
               <a:buChar char="•"/>
             </a:pPr>
             <a:r>
               <a:rPr lang="en-IN" sz="2000" dirty="0"/>
+              <a:t>Acceptable ads programme is provided by </a:t>
+            </a:r>
+            <a:r>
+              <a:rPr lang="en-IN" sz="2000" dirty="0" err="1"/>
+              <a:t>Adblock</a:t>
+            </a:r>
+            <a:r>
+              <a:rPr lang="en-IN" sz="2000" dirty="0"/>
+              <a:t> Plus for providing ads that do not disrupt or distort web content for users.</a:t>
+            </a:r>
+          </a:p>
+          <a:p>
+            <a:pPr marL="519113" lvl="1" indent="-342900">
+              <a:lnSpc>
+                <a:spcPct val="150000"/>
+              </a:lnSpc>
+              <a:buFont typeface="Arial" panose="020B0604020202020204" pitchFamily="34" charset="0"/>
+              <a:buChar char="•"/>
+            </a:pPr>
+            <a:r>
+              <a:rPr lang="en-IN" sz="2000" i="1" dirty="0"/>
               <a:t>Placement</a:t>
             </a:r>
+            <a:r>
+              <a:rPr lang="en-IN" sz="2000" dirty="0"/>
+              <a:t>: Ads must not disrupt the user’s natural reading flow. They must be placed on the top, side or below the Primary Content.</a:t>
+            </a:r>
+          </a:p>
+          <a:p>
+            <a:pPr marL="519113" lvl="1" indent="-342900">
+              <a:lnSpc>
+                <a:spcPct val="150000"/>
+              </a:lnSpc>
+              <a:buFont typeface="Arial" panose="020B0604020202020204" pitchFamily="34" charset="0"/>
+              <a:buChar char="•"/>
+            </a:pPr>
+            <a:r>
+              <a:rPr lang="en-IN" sz="2000" i="1" dirty="0"/>
+              <a:t>Distinction</a:t>
+            </a:r>
+            <a:r>
+              <a:rPr lang="en-IN" sz="2000" dirty="0"/>
+              <a:t>: Ads should not be mixed with any other content so that it overlaps with the Primary Content.</a:t>
+            </a:r>
+          </a:p>
+          <a:p>
+            <a:pPr marL="519113" lvl="1" indent="-342900">
+              <a:lnSpc>
+                <a:spcPct val="150000"/>
+              </a:lnSpc>
+              <a:buFont typeface="Arial" panose="020B0604020202020204" pitchFamily="34" charset="0"/>
+              <a:buChar char="•"/>
+            </a:pPr>
+            <a:r>
+              <a:rPr lang="en-IN" sz="2000" i="1" dirty="0"/>
+              <a:t>Size</a:t>
+            </a:r>
+            <a:r>
+              <a:rPr lang="en-IN" sz="2000" dirty="0"/>
+              <a:t>: A strict individual size requirement is placed for Acceptable Ads. </a:t>
+            </a:r>
+          </a:p>
+          <a:p>
+            <a:pPr marL="519113" lvl="1" indent="-342900">
+              <a:lnSpc>
+                <a:spcPct val="150000"/>
+              </a:lnSpc>
+              <a:buFont typeface="Arial" panose="020B0604020202020204" pitchFamily="34" charset="0"/>
+              <a:buChar char="•"/>
+            </a:pPr>
+            <a:endParaRPr lang="en-IN" sz="2000" dirty="0"/>
           </a:p>
           <a:p>
             <a:pPr marL="342900" indent="-342900">
               <a:lnSpc>
-                <a:spcPct val="100000"/>
+                <a:spcPct val="150000"/>
               </a:lnSpc>
               <a:buFont typeface="Arial" panose="020B0604020202020204" pitchFamily="34" charset="0"/>
               <a:buChar char="•"/>
             </a:pPr>
             <a:r>
               <a:rPr lang="en-IN" sz="2000" dirty="0"/>
-              <a:t>Detection</a:t>
-            </a:r>
-          </a:p>
-          <a:p>
-            <a:pPr marL="342900" indent="-342900">
-              <a:lnSpc>
-                <a:spcPct val="100000"/>
-              </a:lnSpc>
-              <a:buFont typeface="Arial" panose="020B0604020202020204" pitchFamily="34" charset="0"/>
-              <a:buChar char="•"/>
-            </a:pPr>
+              <a:t>Unacceptable ads include animated ads, </a:t>
+            </a:r>
+            <a:r>
+              <a:rPr lang="en-IN" sz="2000" dirty="0" err="1"/>
+              <a:t>autoplay</a:t>
+            </a:r>
             <a:r>
               <a:rPr lang="en-IN" sz="2000" dirty="0"/>
-              <a:t>Size</a:t>
+              <a:t>, expanding ads, pop-ups and pop-</a:t>
+            </a:r>
+            <a:r>
+              <a:rPr lang="en-IN" sz="2000" dirty="0" err="1"/>
+              <a:t>unders</a:t>
+            </a:r>
+            <a:r>
+              <a:rPr lang="en-IN" sz="2000" dirty="0"/>
+              <a:t>, rich media ads.</a:t>
             </a:r>
           </a:p>
         </p:txBody>
@@ -9501,14 +9992,72 @@
           <a:p>
             <a:pPr marL="342900" indent="-342900">
               <a:lnSpc>
-                <a:spcPct val="100000"/>
+                <a:spcPct val="150000"/>
               </a:lnSpc>
               <a:buFont typeface="Arial" panose="020B0604020202020204" pitchFamily="34" charset="0"/>
               <a:buChar char="•"/>
             </a:pPr>
             <a:r>
               <a:rPr lang="en-IN" sz="2000" dirty="0"/>
-              <a:t>Whitelisting websites</a:t>
+              <a:t>This is analogous to anti-viruses that allow certain </a:t>
+            </a:r>
+            <a:r>
+              <a:rPr lang="en-IN" sz="2000" dirty="0" err="1"/>
+              <a:t>softwares</a:t>
+            </a:r>
+            <a:r>
+              <a:rPr lang="en-IN" sz="2000" dirty="0"/>
+              <a:t> to run on the system.</a:t>
+            </a:r>
+          </a:p>
+          <a:p>
+            <a:pPr marL="342900" indent="-342900">
+              <a:lnSpc>
+                <a:spcPct val="150000"/>
+              </a:lnSpc>
+              <a:buFont typeface="Arial" panose="020B0604020202020204" pitchFamily="34" charset="0"/>
+              <a:buChar char="•"/>
+            </a:pPr>
+            <a:endParaRPr lang="en-IN" sz="2000" dirty="0"/>
+          </a:p>
+          <a:p>
+            <a:pPr marL="342900" indent="-342900">
+              <a:lnSpc>
+                <a:spcPct val="150000"/>
+              </a:lnSpc>
+              <a:buFont typeface="Arial" panose="020B0604020202020204" pitchFamily="34" charset="0"/>
+              <a:buChar char="•"/>
+            </a:pPr>
+            <a:r>
+              <a:rPr lang="en-IN" sz="2000" dirty="0" err="1"/>
+              <a:t>Adblock</a:t>
+            </a:r>
+            <a:r>
+              <a:rPr lang="en-IN" sz="2000" dirty="0"/>
+              <a:t> Plus charges high generating revenue sources for adding their websites to their whitelists while they do not charge for others.</a:t>
+            </a:r>
+          </a:p>
+          <a:p>
+            <a:pPr marL="342900" indent="-342900">
+              <a:lnSpc>
+                <a:spcPct val="150000"/>
+              </a:lnSpc>
+              <a:buFont typeface="Arial" panose="020B0604020202020204" pitchFamily="34" charset="0"/>
+              <a:buChar char="•"/>
+            </a:pPr>
+            <a:endParaRPr lang="en-IN" sz="2000" dirty="0"/>
+          </a:p>
+          <a:p>
+            <a:pPr marL="342900" indent="-342900">
+              <a:lnSpc>
+                <a:spcPct val="150000"/>
+              </a:lnSpc>
+              <a:buFont typeface="Arial" panose="020B0604020202020204" pitchFamily="34" charset="0"/>
+              <a:buChar char="•"/>
+            </a:pPr>
+            <a:r>
+              <a:rPr lang="en-IN" sz="2000" dirty="0"/>
+              <a:t>Some websites have started charging users for an ad-free version of their websites.</a:t>
             </a:r>
           </a:p>
         </p:txBody>
@@ -9592,14 +10141,37 @@
           <a:p>
             <a:pPr marL="342900" indent="-342900">
               <a:lnSpc>
-                <a:spcPct val="100000"/>
+                <a:spcPct val="150000"/>
               </a:lnSpc>
               <a:buFont typeface="Arial" panose="020B0604020202020204" pitchFamily="34" charset="0"/>
               <a:buChar char="•"/>
             </a:pPr>
             <a:r>
               <a:rPr lang="en-IN" sz="2000" dirty="0"/>
-              <a:t>Anti Ad-block killers like AAK are composed of a user script </a:t>
+              <a:t>Anti Ad-block killers tricks sites that use Anti Ad-blocker detection into thinking the user is not using an Ad-blocker.</a:t>
+            </a:r>
+          </a:p>
+          <a:p>
+            <a:pPr marL="342900" indent="-342900">
+              <a:lnSpc>
+                <a:spcPct val="150000"/>
+              </a:lnSpc>
+              <a:buFont typeface="Arial" panose="020B0604020202020204" pitchFamily="34" charset="0"/>
+              <a:buChar char="•"/>
+            </a:pPr>
+            <a:endParaRPr lang="en-IN" sz="2000" dirty="0"/>
+          </a:p>
+          <a:p>
+            <a:pPr marL="342900" indent="-342900">
+              <a:lnSpc>
+                <a:spcPct val="150000"/>
+              </a:lnSpc>
+              <a:buFont typeface="Arial" panose="020B0604020202020204" pitchFamily="34" charset="0"/>
+              <a:buChar char="•"/>
+            </a:pPr>
+            <a:r>
+              <a:rPr lang="en-IN" sz="2000" dirty="0"/>
+              <a:t>Anti Ad-block killers such as AAK are composed of a user script </a:t>
             </a:r>
             <a:r>
               <a:rPr lang="en-IN" sz="2000" dirty="0" err="1"/>
@@ -9615,7 +10187,7 @@
             </a:r>
             <a:r>
               <a:rPr lang="en-IN" sz="2000" dirty="0"/>
-              <a:t> using the same syntax as filter lists of </a:t>
+              <a:t> that use the same syntax as filter lists of </a:t>
             </a:r>
             <a:r>
               <a:rPr lang="en-IN" sz="2000" dirty="0" err="1"/>
@@ -9631,7 +10203,46 @@
             </a:r>
             <a:r>
               <a:rPr lang="en-IN" sz="2000" dirty="0"/>
-              <a:t> Plus….</a:t>
+              <a:t> Plus.</a:t>
+            </a:r>
+          </a:p>
+          <a:p>
+            <a:pPr marL="342900" indent="-342900">
+              <a:lnSpc>
+                <a:spcPct val="150000"/>
+              </a:lnSpc>
+              <a:buFont typeface="Arial" panose="020B0604020202020204" pitchFamily="34" charset="0"/>
+              <a:buChar char="•"/>
+            </a:pPr>
+            <a:endParaRPr lang="en-IN" sz="2000" dirty="0"/>
+          </a:p>
+          <a:p>
+            <a:pPr marL="342900" indent="-342900">
+              <a:lnSpc>
+                <a:spcPct val="150000"/>
+              </a:lnSpc>
+              <a:buFont typeface="Arial" panose="020B0604020202020204" pitchFamily="34" charset="0"/>
+              <a:buChar char="•"/>
+            </a:pPr>
+            <a:r>
+              <a:rPr lang="en-IN" sz="2000" dirty="0"/>
+              <a:t>Ad-blockers still continue to run as normal using script managers like </a:t>
+            </a:r>
+            <a:r>
+              <a:rPr lang="en-IN" sz="2000" dirty="0" err="1"/>
+              <a:t>Greasemonkey</a:t>
+            </a:r>
+            <a:r>
+              <a:rPr lang="en-IN" sz="2000" dirty="0"/>
+              <a:t> or </a:t>
+            </a:r>
+            <a:r>
+              <a:rPr lang="en-IN" sz="2000" dirty="0" err="1"/>
+              <a:t>Tampermonkey</a:t>
+            </a:r>
+            <a:r>
+              <a:rPr lang="en-IN" sz="2000" dirty="0"/>
+              <a:t>.</a:t>
             </a:r>
           </a:p>
         </p:txBody>
@@ -9657,7 +10268,11 @@
           <a:p>
             <a:r>
               <a:rPr lang="en-IN" sz="3000" dirty="0"/>
-              <a:t>Anti Ad-blocker killers</a:t>
+              <a:t>YES! Anti Ad-blocker killers als</a:t>
+            </a:r>
+            <a:r>
+              <a:rPr lang="en-IN" dirty="0"/>
+              <a:t>o exists!</a:t>
             </a:r>
             <a:endParaRPr lang="de-DE" sz="3000" dirty="0"/>
           </a:p>

--- a/ppt/Seminar - Rohit & Rohit.pptx
+++ b/ppt/Seminar - Rohit & Rohit.pptx
@@ -10,23 +10,23 @@
     <p:sldMasterId id="2147483697" r:id="rId6"/>
   </p:sldMasterIdLst>
   <p:notesMasterIdLst>
-    <p:notesMasterId r:id="rId35"/>
+    <p:notesMasterId r:id="rId36"/>
   </p:notesMasterIdLst>
   <p:handoutMasterIdLst>
-    <p:handoutMasterId r:id="rId36"/>
+    <p:handoutMasterId r:id="rId37"/>
   </p:handoutMasterIdLst>
   <p:sldIdLst>
     <p:sldId id="355" r:id="rId7"/>
-    <p:sldId id="393" r:id="rId8"/>
-    <p:sldId id="369" r:id="rId9"/>
-    <p:sldId id="394" r:id="rId10"/>
-    <p:sldId id="395" r:id="rId11"/>
-    <p:sldId id="396" r:id="rId12"/>
-    <p:sldId id="397" r:id="rId13"/>
-    <p:sldId id="398" r:id="rId14"/>
-    <p:sldId id="399" r:id="rId15"/>
-    <p:sldId id="400" r:id="rId16"/>
-    <p:sldId id="401" r:id="rId17"/>
+    <p:sldId id="369" r:id="rId8"/>
+    <p:sldId id="394" r:id="rId9"/>
+    <p:sldId id="395" r:id="rId10"/>
+    <p:sldId id="396" r:id="rId11"/>
+    <p:sldId id="397" r:id="rId12"/>
+    <p:sldId id="398" r:id="rId13"/>
+    <p:sldId id="399" r:id="rId14"/>
+    <p:sldId id="400" r:id="rId15"/>
+    <p:sldId id="401" r:id="rId16"/>
+    <p:sldId id="419" r:id="rId17"/>
     <p:sldId id="402" r:id="rId18"/>
     <p:sldId id="403" r:id="rId19"/>
     <p:sldId id="404" r:id="rId20"/>
@@ -43,7 +43,8 @@
     <p:sldId id="415" r:id="rId31"/>
     <p:sldId id="416" r:id="rId32"/>
     <p:sldId id="417" r:id="rId33"/>
-    <p:sldId id="356" r:id="rId34"/>
+    <p:sldId id="420" r:id="rId34"/>
+    <p:sldId id="356" r:id="rId35"/>
   </p:sldIdLst>
   <p:sldSz cx="9144000" cy="6858000" type="screen4x3"/>
   <p:notesSz cx="9925050" cy="6665913"/>
@@ -964,6 +965,14 @@
           </a:bodyPr>
           <a:lstStyle/>
           <a:p>
+            <a:r>
+              <a:rPr lang="de-DE" dirty="0"/>
+              <a:t>Start </a:t>
+            </a:r>
+            <a:r>
+              <a:rPr lang="de-DE" dirty="0" err="1"/>
+              <a:t>gupta</a:t>
+            </a:r>
             <a:endParaRPr lang="de-DE" dirty="0"/>
           </a:p>
         </p:txBody>
@@ -998,6 +1007,1794 @@
         </p:txBody>
       </p:sp>
     </p:spTree>
+  </p:cSld>
+  <p:clrMapOvr>
+    <a:masterClrMapping/>
+  </p:clrMapOvr>
+</p:notes>
+</file>
+
+<file path=ppt/notesSlides/notesSlide10.xml><?xml version="1.0" encoding="utf-8"?>
+<p:notes xmlns:a="http://schemas.openxmlformats.org/drawingml/2006/main" xmlns:r="http://schemas.openxmlformats.org/officeDocument/2006/relationships" xmlns:p="http://schemas.openxmlformats.org/presentationml/2006/main">
+  <p:cSld>
+    <p:spTree>
+      <p:nvGrpSpPr>
+        <p:cNvPr id="1" name=""/>
+        <p:cNvGrpSpPr/>
+        <p:nvPr/>
+      </p:nvGrpSpPr>
+      <p:grpSpPr>
+        <a:xfrm>
+          <a:off x="0" y="0"/>
+          <a:ext cx="0" cy="0"/>
+          <a:chOff x="0" y="0"/>
+          <a:chExt cx="0" cy="0"/>
+        </a:xfrm>
+      </p:grpSpPr>
+      <p:sp>
+        <p:nvSpPr>
+          <p:cNvPr id="2" name="Slide Image Placeholder 1"/>
+          <p:cNvSpPr>
+            <a:spLocks noGrp="1" noRot="1" noChangeAspect="1"/>
+          </p:cNvSpPr>
+          <p:nvPr>
+            <p:ph type="sldImg"/>
+          </p:nvPr>
+        </p:nvSpPr>
+        <p:spPr/>
+      </p:sp>
+      <p:sp>
+        <p:nvSpPr>
+          <p:cNvPr id="3" name="Notes Placeholder 2"/>
+          <p:cNvSpPr>
+            <a:spLocks noGrp="1"/>
+          </p:cNvSpPr>
+          <p:nvPr>
+            <p:ph type="body" idx="1"/>
+          </p:nvPr>
+        </p:nvSpPr>
+        <p:spPr/>
+        <p:txBody>
+          <a:bodyPr/>
+          <a:lstStyle/>
+          <a:p>
+            <a:r>
+              <a:rPr lang="en-IN" dirty="0"/>
+              <a:t>Start panda: We do not consider cosine similarity and style features for the sake of simplicity.</a:t>
+            </a:r>
+          </a:p>
+        </p:txBody>
+      </p:sp>
+      <p:sp>
+        <p:nvSpPr>
+          <p:cNvPr id="4" name="Slide Number Placeholder 3"/>
+          <p:cNvSpPr>
+            <a:spLocks noGrp="1"/>
+          </p:cNvSpPr>
+          <p:nvPr>
+            <p:ph type="sldNum" sz="quarter" idx="10"/>
+          </p:nvPr>
+        </p:nvSpPr>
+        <p:spPr/>
+        <p:txBody>
+          <a:bodyPr/>
+          <a:lstStyle/>
+          <a:p>
+            <a:pPr>
+              <a:defRPr/>
+            </a:pPr>
+            <a:fld id="{00AFC6D0-44D5-4EB7-828F-6F464F83D79A}" type="slidenum">
+              <a:rPr lang="en-GB" smtClean="0"/>
+              <a:pPr>
+                <a:defRPr/>
+              </a:pPr>
+              <a:t>19</a:t>
+            </a:fld>
+            <a:endParaRPr lang="en-GB"/>
+          </a:p>
+        </p:txBody>
+      </p:sp>
+    </p:spTree>
+    <p:extLst>
+      <p:ext uri="{BB962C8B-B14F-4D97-AF65-F5344CB8AC3E}">
+        <p14:creationId xmlns:p14="http://schemas.microsoft.com/office/powerpoint/2010/main" val="876815114"/>
+      </p:ext>
+    </p:extLst>
+  </p:cSld>
+  <p:clrMapOvr>
+    <a:masterClrMapping/>
+  </p:clrMapOvr>
+</p:notes>
+</file>
+
+<file path=ppt/notesSlides/notesSlide11.xml><?xml version="1.0" encoding="utf-8"?>
+<p:notes xmlns:a="http://schemas.openxmlformats.org/drawingml/2006/main" xmlns:r="http://schemas.openxmlformats.org/officeDocument/2006/relationships" xmlns:p="http://schemas.openxmlformats.org/presentationml/2006/main">
+  <p:cSld>
+    <p:spTree>
+      <p:nvGrpSpPr>
+        <p:cNvPr id="1" name=""/>
+        <p:cNvGrpSpPr/>
+        <p:nvPr/>
+      </p:nvGrpSpPr>
+      <p:grpSpPr>
+        <a:xfrm>
+          <a:off x="0" y="0"/>
+          <a:ext cx="0" cy="0"/>
+          <a:chOff x="0" y="0"/>
+          <a:chExt cx="0" cy="0"/>
+        </a:xfrm>
+      </p:grpSpPr>
+      <p:sp>
+        <p:nvSpPr>
+          <p:cNvPr id="2" name="Slide Image Placeholder 1"/>
+          <p:cNvSpPr>
+            <a:spLocks noGrp="1" noRot="1" noChangeAspect="1"/>
+          </p:cNvSpPr>
+          <p:nvPr>
+            <p:ph type="sldImg"/>
+          </p:nvPr>
+        </p:nvSpPr>
+        <p:spPr/>
+      </p:sp>
+      <p:sp>
+        <p:nvSpPr>
+          <p:cNvPr id="3" name="Notes Placeholder 2"/>
+          <p:cNvSpPr>
+            <a:spLocks noGrp="1"/>
+          </p:cNvSpPr>
+          <p:nvPr>
+            <p:ph type="body" idx="1"/>
+          </p:nvPr>
+        </p:nvSpPr>
+        <p:spPr/>
+        <p:txBody>
+          <a:bodyPr/>
+          <a:lstStyle/>
+          <a:p>
+            <a:r>
+              <a:rPr lang="en-IN" dirty="0"/>
+              <a:t>This is an obfuscated code, hiding actual implementation of ad-block detection. Downloads a script adsense.js, creates div elements and checks at random intervals.</a:t>
+            </a:r>
+          </a:p>
+        </p:txBody>
+      </p:sp>
+      <p:sp>
+        <p:nvSpPr>
+          <p:cNvPr id="4" name="Slide Number Placeholder 3"/>
+          <p:cNvSpPr>
+            <a:spLocks noGrp="1"/>
+          </p:cNvSpPr>
+          <p:nvPr>
+            <p:ph type="sldNum" sz="quarter" idx="10"/>
+          </p:nvPr>
+        </p:nvSpPr>
+        <p:spPr/>
+        <p:txBody>
+          <a:bodyPr/>
+          <a:lstStyle/>
+          <a:p>
+            <a:pPr>
+              <a:defRPr/>
+            </a:pPr>
+            <a:fld id="{00AFC6D0-44D5-4EB7-828F-6F464F83D79A}" type="slidenum">
+              <a:rPr lang="en-GB" smtClean="0"/>
+              <a:pPr>
+                <a:defRPr/>
+              </a:pPr>
+              <a:t>21</a:t>
+            </a:fld>
+            <a:endParaRPr lang="en-GB"/>
+          </a:p>
+        </p:txBody>
+      </p:sp>
+    </p:spTree>
+    <p:extLst>
+      <p:ext uri="{BB962C8B-B14F-4D97-AF65-F5344CB8AC3E}">
+        <p14:creationId xmlns:p14="http://schemas.microsoft.com/office/powerpoint/2010/main" val="4124778419"/>
+      </p:ext>
+    </p:extLst>
+  </p:cSld>
+  <p:clrMapOvr>
+    <a:masterClrMapping/>
+  </p:clrMapOvr>
+</p:notes>
+</file>
+
+<file path=ppt/notesSlides/notesSlide12.xml><?xml version="1.0" encoding="utf-8"?>
+<p:notes xmlns:a="http://schemas.openxmlformats.org/drawingml/2006/main" xmlns:r="http://schemas.openxmlformats.org/officeDocument/2006/relationships" xmlns:p="http://schemas.openxmlformats.org/presentationml/2006/main">
+  <p:cSld>
+    <p:spTree>
+      <p:nvGrpSpPr>
+        <p:cNvPr id="1" name=""/>
+        <p:cNvGrpSpPr/>
+        <p:nvPr/>
+      </p:nvGrpSpPr>
+      <p:grpSpPr>
+        <a:xfrm>
+          <a:off x="0" y="0"/>
+          <a:ext cx="0" cy="0"/>
+          <a:chOff x="0" y="0"/>
+          <a:chExt cx="0" cy="0"/>
+        </a:xfrm>
+      </p:grpSpPr>
+      <p:sp>
+        <p:nvSpPr>
+          <p:cNvPr id="2" name="Slide Image Placeholder 1"/>
+          <p:cNvSpPr>
+            <a:spLocks noGrp="1" noRot="1" noChangeAspect="1"/>
+          </p:cNvSpPr>
+          <p:nvPr>
+            <p:ph type="sldImg"/>
+          </p:nvPr>
+        </p:nvSpPr>
+        <p:spPr/>
+      </p:sp>
+      <p:sp>
+        <p:nvSpPr>
+          <p:cNvPr id="3" name="Notes Placeholder 2"/>
+          <p:cNvSpPr>
+            <a:spLocks noGrp="1"/>
+          </p:cNvSpPr>
+          <p:nvPr>
+            <p:ph type="body" idx="1"/>
+          </p:nvPr>
+        </p:nvSpPr>
+        <p:spPr/>
+        <p:txBody>
+          <a:bodyPr>
+            <a:normAutofit lnSpcReduction="10000"/>
+          </a:bodyPr>
+          <a:lstStyle/>
+          <a:p>
+            <a:pPr marL="519113" lvl="1" indent="-342900">
+              <a:lnSpc>
+                <a:spcPct val="150000"/>
+              </a:lnSpc>
+              <a:buFont typeface="Arial" panose="020B0604020202020204" pitchFamily="34" charset="0"/>
+              <a:buChar char="•"/>
+            </a:pPr>
+            <a:r>
+              <a:rPr lang="en-IN" sz="2000" i="1" dirty="0"/>
+              <a:t>Placement</a:t>
+            </a:r>
+            <a:r>
+              <a:rPr lang="en-IN" sz="2000" dirty="0"/>
+              <a:t>: Ads must not disrupt the user’s natural reading flow. They must be placed on the top, side or below the Primary Content.</a:t>
+            </a:r>
+          </a:p>
+          <a:p>
+            <a:pPr marL="519113" lvl="1" indent="-342900">
+              <a:lnSpc>
+                <a:spcPct val="150000"/>
+              </a:lnSpc>
+              <a:buFont typeface="Arial" panose="020B0604020202020204" pitchFamily="34" charset="0"/>
+              <a:buChar char="•"/>
+            </a:pPr>
+            <a:r>
+              <a:rPr lang="en-IN" sz="2000" i="1" dirty="0"/>
+              <a:t>Distinction</a:t>
+            </a:r>
+            <a:r>
+              <a:rPr lang="en-IN" sz="2000" dirty="0"/>
+              <a:t>: Ads should not be mixed with any other content so that it overlaps with the Primary Content.</a:t>
+            </a:r>
+          </a:p>
+          <a:p>
+            <a:pPr marL="519113" lvl="1" indent="-342900">
+              <a:lnSpc>
+                <a:spcPct val="150000"/>
+              </a:lnSpc>
+              <a:buFont typeface="Arial" panose="020B0604020202020204" pitchFamily="34" charset="0"/>
+              <a:buChar char="•"/>
+            </a:pPr>
+            <a:r>
+              <a:rPr lang="en-IN" sz="2000" i="1" dirty="0"/>
+              <a:t>Size</a:t>
+            </a:r>
+            <a:r>
+              <a:rPr lang="en-IN" sz="2000" dirty="0"/>
+              <a:t>: A strict individual size requirement is placed for Acceptable Ads. </a:t>
+            </a:r>
+          </a:p>
+          <a:p>
+            <a:pPr marL="519113" lvl="1" indent="-342900">
+              <a:lnSpc>
+                <a:spcPct val="150000"/>
+              </a:lnSpc>
+              <a:buFont typeface="Arial" panose="020B0604020202020204" pitchFamily="34" charset="0"/>
+              <a:buChar char="•"/>
+            </a:pPr>
+            <a:r>
+              <a:rPr lang="en-IN" sz="2000" dirty="0"/>
+              <a:t>Google </a:t>
+            </a:r>
+            <a:r>
+              <a:rPr lang="en-IN" sz="2000" dirty="0" err="1"/>
+              <a:t>Adsense</a:t>
+            </a:r>
+            <a:endParaRPr lang="en-IN" sz="2000" dirty="0"/>
+          </a:p>
+          <a:p>
+            <a:endParaRPr lang="en-IN" dirty="0"/>
+          </a:p>
+        </p:txBody>
+      </p:sp>
+      <p:sp>
+        <p:nvSpPr>
+          <p:cNvPr id="4" name="Slide Number Placeholder 3"/>
+          <p:cNvSpPr>
+            <a:spLocks noGrp="1"/>
+          </p:cNvSpPr>
+          <p:nvPr>
+            <p:ph type="sldNum" sz="quarter" idx="10"/>
+          </p:nvPr>
+        </p:nvSpPr>
+        <p:spPr/>
+        <p:txBody>
+          <a:bodyPr/>
+          <a:lstStyle/>
+          <a:p>
+            <a:pPr>
+              <a:defRPr/>
+            </a:pPr>
+            <a:fld id="{00AFC6D0-44D5-4EB7-828F-6F464F83D79A}" type="slidenum">
+              <a:rPr lang="en-GB" smtClean="0"/>
+              <a:pPr>
+                <a:defRPr/>
+              </a:pPr>
+              <a:t>22</a:t>
+            </a:fld>
+            <a:endParaRPr lang="en-GB"/>
+          </a:p>
+        </p:txBody>
+      </p:sp>
+    </p:spTree>
+    <p:extLst>
+      <p:ext uri="{BB962C8B-B14F-4D97-AF65-F5344CB8AC3E}">
+        <p14:creationId xmlns:p14="http://schemas.microsoft.com/office/powerpoint/2010/main" val="1829039379"/>
+      </p:ext>
+    </p:extLst>
+  </p:cSld>
+  <p:clrMapOvr>
+    <a:masterClrMapping/>
+  </p:clrMapOvr>
+</p:notes>
+</file>
+
+<file path=ppt/notesSlides/notesSlide13.xml><?xml version="1.0" encoding="utf-8"?>
+<p:notes xmlns:a="http://schemas.openxmlformats.org/drawingml/2006/main" xmlns:r="http://schemas.openxmlformats.org/officeDocument/2006/relationships" xmlns:p="http://schemas.openxmlformats.org/presentationml/2006/main">
+  <p:cSld>
+    <p:spTree>
+      <p:nvGrpSpPr>
+        <p:cNvPr id="1" name=""/>
+        <p:cNvGrpSpPr/>
+        <p:nvPr/>
+      </p:nvGrpSpPr>
+      <p:grpSpPr>
+        <a:xfrm>
+          <a:off x="0" y="0"/>
+          <a:ext cx="0" cy="0"/>
+          <a:chOff x="0" y="0"/>
+          <a:chExt cx="0" cy="0"/>
+        </a:xfrm>
+      </p:grpSpPr>
+      <p:sp>
+        <p:nvSpPr>
+          <p:cNvPr id="2" name="Slide Image Placeholder 1"/>
+          <p:cNvSpPr>
+            <a:spLocks noGrp="1" noRot="1" noChangeAspect="1"/>
+          </p:cNvSpPr>
+          <p:nvPr>
+            <p:ph type="sldImg"/>
+          </p:nvPr>
+        </p:nvSpPr>
+        <p:spPr/>
+      </p:sp>
+      <p:sp>
+        <p:nvSpPr>
+          <p:cNvPr id="3" name="Notes Placeholder 2"/>
+          <p:cNvSpPr>
+            <a:spLocks noGrp="1"/>
+          </p:cNvSpPr>
+          <p:nvPr>
+            <p:ph type="body" idx="1"/>
+          </p:nvPr>
+        </p:nvSpPr>
+        <p:spPr/>
+        <p:txBody>
+          <a:bodyPr/>
+          <a:lstStyle/>
+          <a:p>
+            <a:r>
+              <a:rPr lang="en-IN" dirty="0"/>
+              <a:t>Start Gupta:</a:t>
+            </a:r>
+          </a:p>
+        </p:txBody>
+      </p:sp>
+      <p:sp>
+        <p:nvSpPr>
+          <p:cNvPr id="4" name="Slide Number Placeholder 3"/>
+          <p:cNvSpPr>
+            <a:spLocks noGrp="1"/>
+          </p:cNvSpPr>
+          <p:nvPr>
+            <p:ph type="sldNum" sz="quarter" idx="10"/>
+          </p:nvPr>
+        </p:nvSpPr>
+        <p:spPr/>
+        <p:txBody>
+          <a:bodyPr/>
+          <a:lstStyle/>
+          <a:p>
+            <a:pPr>
+              <a:defRPr/>
+            </a:pPr>
+            <a:fld id="{00AFC6D0-44D5-4EB7-828F-6F464F83D79A}" type="slidenum">
+              <a:rPr lang="en-GB" smtClean="0"/>
+              <a:pPr>
+                <a:defRPr/>
+              </a:pPr>
+              <a:t>24</a:t>
+            </a:fld>
+            <a:endParaRPr lang="en-GB"/>
+          </a:p>
+        </p:txBody>
+      </p:sp>
+    </p:spTree>
+    <p:extLst>
+      <p:ext uri="{BB962C8B-B14F-4D97-AF65-F5344CB8AC3E}">
+        <p14:creationId xmlns:p14="http://schemas.microsoft.com/office/powerpoint/2010/main" val="1777756783"/>
+      </p:ext>
+    </p:extLst>
+  </p:cSld>
+  <p:clrMapOvr>
+    <a:masterClrMapping/>
+  </p:clrMapOvr>
+</p:notes>
+</file>
+
+<file path=ppt/notesSlides/notesSlide14.xml><?xml version="1.0" encoding="utf-8"?>
+<p:notes xmlns:a="http://schemas.openxmlformats.org/drawingml/2006/main" xmlns:r="http://schemas.openxmlformats.org/officeDocument/2006/relationships" xmlns:p="http://schemas.openxmlformats.org/presentationml/2006/main">
+  <p:cSld>
+    <p:spTree>
+      <p:nvGrpSpPr>
+        <p:cNvPr id="1" name=""/>
+        <p:cNvGrpSpPr/>
+        <p:nvPr/>
+      </p:nvGrpSpPr>
+      <p:grpSpPr>
+        <a:xfrm>
+          <a:off x="0" y="0"/>
+          <a:ext cx="0" cy="0"/>
+          <a:chOff x="0" y="0"/>
+          <a:chExt cx="0" cy="0"/>
+        </a:xfrm>
+      </p:grpSpPr>
+      <p:sp>
+        <p:nvSpPr>
+          <p:cNvPr id="2" name="Slide Image Placeholder 1"/>
+          <p:cNvSpPr>
+            <a:spLocks noGrp="1" noRot="1" noChangeAspect="1"/>
+          </p:cNvSpPr>
+          <p:nvPr>
+            <p:ph type="sldImg"/>
+          </p:nvPr>
+        </p:nvSpPr>
+        <p:spPr/>
+      </p:sp>
+      <p:sp>
+        <p:nvSpPr>
+          <p:cNvPr id="3" name="Notes Placeholder 2"/>
+          <p:cNvSpPr>
+            <a:spLocks noGrp="1"/>
+          </p:cNvSpPr>
+          <p:nvPr>
+            <p:ph type="body" idx="1"/>
+          </p:nvPr>
+        </p:nvSpPr>
+        <p:spPr/>
+        <p:txBody>
+          <a:bodyPr/>
+          <a:lstStyle/>
+          <a:p>
+            <a:pPr marL="171450" indent="-171450">
+              <a:buFontTx/>
+              <a:buChar char="-"/>
+            </a:pPr>
+            <a:r>
+              <a:rPr lang="en-IN" dirty="0"/>
+              <a:t>Pay journalists for their work on reporting.</a:t>
+            </a:r>
+          </a:p>
+          <a:p>
+            <a:pPr marL="171450" indent="-171450">
+              <a:buFontTx/>
+              <a:buChar char="-"/>
+            </a:pPr>
+            <a:r>
+              <a:rPr lang="en-IN" dirty="0"/>
+              <a:t>While users should pay for viewing original content, ads should not be so intrusive.</a:t>
+            </a:r>
+          </a:p>
+          <a:p>
+            <a:pPr marL="171450" indent="-171450">
+              <a:buFontTx/>
+              <a:buChar char="-"/>
+            </a:pPr>
+            <a:r>
+              <a:rPr lang="en-IN" dirty="0"/>
+              <a:t>On the other hand, if users choose to block ads, websites should not force them to disable ad-blockers.</a:t>
+            </a:r>
+          </a:p>
+          <a:p>
+            <a:r>
+              <a:rPr lang="en-IN" dirty="0"/>
+              <a:t>- Charges a small fee to display content with less advertisements.</a:t>
+            </a:r>
+          </a:p>
+        </p:txBody>
+      </p:sp>
+      <p:sp>
+        <p:nvSpPr>
+          <p:cNvPr id="4" name="Slide Number Placeholder 3"/>
+          <p:cNvSpPr>
+            <a:spLocks noGrp="1"/>
+          </p:cNvSpPr>
+          <p:nvPr>
+            <p:ph type="sldNum" sz="quarter" idx="10"/>
+          </p:nvPr>
+        </p:nvSpPr>
+        <p:spPr/>
+        <p:txBody>
+          <a:bodyPr/>
+          <a:lstStyle/>
+          <a:p>
+            <a:pPr>
+              <a:defRPr/>
+            </a:pPr>
+            <a:fld id="{00AFC6D0-44D5-4EB7-828F-6F464F83D79A}" type="slidenum">
+              <a:rPr lang="en-GB" smtClean="0"/>
+              <a:pPr>
+                <a:defRPr/>
+              </a:pPr>
+              <a:t>25</a:t>
+            </a:fld>
+            <a:endParaRPr lang="en-GB"/>
+          </a:p>
+        </p:txBody>
+      </p:sp>
+    </p:spTree>
+    <p:extLst>
+      <p:ext uri="{BB962C8B-B14F-4D97-AF65-F5344CB8AC3E}">
+        <p14:creationId xmlns:p14="http://schemas.microsoft.com/office/powerpoint/2010/main" val="293914032"/>
+      </p:ext>
+    </p:extLst>
+  </p:cSld>
+  <p:clrMapOvr>
+    <a:masterClrMapping/>
+  </p:clrMapOvr>
+</p:notes>
+</file>
+
+<file path=ppt/notesSlides/notesSlide15.xml><?xml version="1.0" encoding="utf-8"?>
+<p:notes xmlns:a="http://schemas.openxmlformats.org/drawingml/2006/main" xmlns:r="http://schemas.openxmlformats.org/officeDocument/2006/relationships" xmlns:p="http://schemas.openxmlformats.org/presentationml/2006/main">
+  <p:cSld>
+    <p:spTree>
+      <p:nvGrpSpPr>
+        <p:cNvPr id="1" name=""/>
+        <p:cNvGrpSpPr/>
+        <p:nvPr/>
+      </p:nvGrpSpPr>
+      <p:grpSpPr>
+        <a:xfrm>
+          <a:off x="0" y="0"/>
+          <a:ext cx="0" cy="0"/>
+          <a:chOff x="0" y="0"/>
+          <a:chExt cx="0" cy="0"/>
+        </a:xfrm>
+      </p:grpSpPr>
+      <p:sp>
+        <p:nvSpPr>
+          <p:cNvPr id="2" name="Slide Image Placeholder 1"/>
+          <p:cNvSpPr>
+            <a:spLocks noGrp="1" noRot="1" noChangeAspect="1"/>
+          </p:cNvSpPr>
+          <p:nvPr>
+            <p:ph type="sldImg"/>
+          </p:nvPr>
+        </p:nvSpPr>
+        <p:spPr/>
+      </p:sp>
+      <p:sp>
+        <p:nvSpPr>
+          <p:cNvPr id="3" name="Notes Placeholder 2"/>
+          <p:cNvSpPr>
+            <a:spLocks noGrp="1"/>
+          </p:cNvSpPr>
+          <p:nvPr>
+            <p:ph type="body" idx="1"/>
+          </p:nvPr>
+        </p:nvSpPr>
+        <p:spPr/>
+        <p:txBody>
+          <a:bodyPr/>
+          <a:lstStyle/>
+          <a:p>
+            <a:r>
+              <a:rPr lang="en-IN" dirty="0"/>
+              <a:t>After all who knows, maybe the judges also use ad-blockers.</a:t>
+            </a:r>
+          </a:p>
+        </p:txBody>
+      </p:sp>
+      <p:sp>
+        <p:nvSpPr>
+          <p:cNvPr id="4" name="Slide Number Placeholder 3"/>
+          <p:cNvSpPr>
+            <a:spLocks noGrp="1"/>
+          </p:cNvSpPr>
+          <p:nvPr>
+            <p:ph type="sldNum" sz="quarter" idx="10"/>
+          </p:nvPr>
+        </p:nvSpPr>
+        <p:spPr/>
+        <p:txBody>
+          <a:bodyPr/>
+          <a:lstStyle/>
+          <a:p>
+            <a:pPr>
+              <a:defRPr/>
+            </a:pPr>
+            <a:fld id="{00AFC6D0-44D5-4EB7-828F-6F464F83D79A}" type="slidenum">
+              <a:rPr lang="en-GB" smtClean="0"/>
+              <a:pPr>
+                <a:defRPr/>
+              </a:pPr>
+              <a:t>26</a:t>
+            </a:fld>
+            <a:endParaRPr lang="en-GB"/>
+          </a:p>
+        </p:txBody>
+      </p:sp>
+    </p:spTree>
+    <p:extLst>
+      <p:ext uri="{BB962C8B-B14F-4D97-AF65-F5344CB8AC3E}">
+        <p14:creationId xmlns:p14="http://schemas.microsoft.com/office/powerpoint/2010/main" val="122520728"/>
+      </p:ext>
+    </p:extLst>
+  </p:cSld>
+  <p:clrMapOvr>
+    <a:masterClrMapping/>
+  </p:clrMapOvr>
+</p:notes>
+</file>
+
+<file path=ppt/notesSlides/notesSlide16.xml><?xml version="1.0" encoding="utf-8"?>
+<p:notes xmlns:a="http://schemas.openxmlformats.org/drawingml/2006/main" xmlns:r="http://schemas.openxmlformats.org/officeDocument/2006/relationships" xmlns:p="http://schemas.openxmlformats.org/presentationml/2006/main">
+  <p:cSld>
+    <p:spTree>
+      <p:nvGrpSpPr>
+        <p:cNvPr id="1" name=""/>
+        <p:cNvGrpSpPr/>
+        <p:nvPr/>
+      </p:nvGrpSpPr>
+      <p:grpSpPr>
+        <a:xfrm>
+          <a:off x="0" y="0"/>
+          <a:ext cx="0" cy="0"/>
+          <a:chOff x="0" y="0"/>
+          <a:chExt cx="0" cy="0"/>
+        </a:xfrm>
+      </p:grpSpPr>
+      <p:sp>
+        <p:nvSpPr>
+          <p:cNvPr id="2" name="Slide Image Placeholder 1"/>
+          <p:cNvSpPr>
+            <a:spLocks noGrp="1" noRot="1" noChangeAspect="1"/>
+          </p:cNvSpPr>
+          <p:nvPr>
+            <p:ph type="sldImg"/>
+          </p:nvPr>
+        </p:nvSpPr>
+        <p:spPr/>
+      </p:sp>
+      <p:sp>
+        <p:nvSpPr>
+          <p:cNvPr id="3" name="Notes Placeholder 2"/>
+          <p:cNvSpPr>
+            <a:spLocks noGrp="1"/>
+          </p:cNvSpPr>
+          <p:nvPr>
+            <p:ph type="body" idx="1"/>
+          </p:nvPr>
+        </p:nvSpPr>
+        <p:spPr/>
+        <p:txBody>
+          <a:bodyPr/>
+          <a:lstStyle/>
+          <a:p>
+            <a:r>
+              <a:rPr lang="en-IN" sz="1200" b="0" i="0" u="none" strike="noStrike" kern="1200" baseline="0" dirty="0">
+                <a:solidFill>
+                  <a:schemeClr val="tx1"/>
+                </a:solidFill>
+                <a:latin typeface="Arial" pitchFamily="34" charset="0"/>
+                <a:ea typeface="+mn-ea"/>
+                <a:cs typeface="Arial" pitchFamily="34" charset="0"/>
+              </a:rPr>
+              <a:t>While websites ads to generate revenues, users consider them to be annoying or potentially dangerous to their</a:t>
+            </a:r>
+          </a:p>
+          <a:p>
+            <a:r>
+              <a:rPr lang="en-IN" sz="1200" b="0" i="0" u="none" strike="noStrike" kern="1200" baseline="0" dirty="0">
+                <a:solidFill>
+                  <a:schemeClr val="tx1"/>
+                </a:solidFill>
+                <a:latin typeface="Arial" pitchFamily="34" charset="0"/>
+                <a:ea typeface="+mn-ea"/>
+                <a:cs typeface="Arial" pitchFamily="34" charset="0"/>
+              </a:rPr>
+              <a:t>system. However, such websites, question the integrity of such an unsaid agreement between</a:t>
+            </a:r>
+          </a:p>
+          <a:p>
+            <a:r>
+              <a:rPr lang="en-IN" sz="1200" b="0" i="0" u="none" strike="noStrike" kern="1200" baseline="0" dirty="0">
+                <a:solidFill>
+                  <a:schemeClr val="tx1"/>
+                </a:solidFill>
+                <a:latin typeface="Arial" pitchFamily="34" charset="0"/>
+                <a:ea typeface="+mn-ea"/>
+                <a:cs typeface="Arial" pitchFamily="34" charset="0"/>
+              </a:rPr>
+              <a:t>users and publishers by asking users to disable Ad-blockers. As such, the cat and mouse continues…</a:t>
+            </a:r>
+            <a:endParaRPr lang="en-IN" dirty="0"/>
+          </a:p>
+        </p:txBody>
+      </p:sp>
+      <p:sp>
+        <p:nvSpPr>
+          <p:cNvPr id="4" name="Slide Number Placeholder 3"/>
+          <p:cNvSpPr>
+            <a:spLocks noGrp="1"/>
+          </p:cNvSpPr>
+          <p:nvPr>
+            <p:ph type="sldNum" sz="quarter" idx="10"/>
+          </p:nvPr>
+        </p:nvSpPr>
+        <p:spPr/>
+        <p:txBody>
+          <a:bodyPr/>
+          <a:lstStyle/>
+          <a:p>
+            <a:pPr>
+              <a:defRPr/>
+            </a:pPr>
+            <a:fld id="{00AFC6D0-44D5-4EB7-828F-6F464F83D79A}" type="slidenum">
+              <a:rPr lang="en-GB" smtClean="0"/>
+              <a:pPr>
+                <a:defRPr/>
+              </a:pPr>
+              <a:t>27</a:t>
+            </a:fld>
+            <a:endParaRPr lang="en-GB"/>
+          </a:p>
+        </p:txBody>
+      </p:sp>
+    </p:spTree>
+    <p:extLst>
+      <p:ext uri="{BB962C8B-B14F-4D97-AF65-F5344CB8AC3E}">
+        <p14:creationId xmlns:p14="http://schemas.microsoft.com/office/powerpoint/2010/main" val="2662394258"/>
+      </p:ext>
+    </p:extLst>
+  </p:cSld>
+  <p:clrMapOvr>
+    <a:masterClrMapping/>
+  </p:clrMapOvr>
+</p:notes>
+</file>
+
+<file path=ppt/notesSlides/notesSlide17.xml><?xml version="1.0" encoding="utf-8"?>
+<p:notes xmlns:a="http://schemas.openxmlformats.org/drawingml/2006/main" xmlns:r="http://schemas.openxmlformats.org/officeDocument/2006/relationships" xmlns:p="http://schemas.openxmlformats.org/presentationml/2006/main">
+  <p:cSld>
+    <p:spTree>
+      <p:nvGrpSpPr>
+        <p:cNvPr id="1" name=""/>
+        <p:cNvGrpSpPr/>
+        <p:nvPr/>
+      </p:nvGrpSpPr>
+      <p:grpSpPr>
+        <a:xfrm>
+          <a:off x="0" y="0"/>
+          <a:ext cx="0" cy="0"/>
+          <a:chOff x="0" y="0"/>
+          <a:chExt cx="0" cy="0"/>
+        </a:xfrm>
+      </p:grpSpPr>
+      <p:sp>
+        <p:nvSpPr>
+          <p:cNvPr id="2" name="Slide Image Placeholder 1"/>
+          <p:cNvSpPr>
+            <a:spLocks noGrp="1" noRot="1" noChangeAspect="1"/>
+          </p:cNvSpPr>
+          <p:nvPr>
+            <p:ph type="sldImg"/>
+          </p:nvPr>
+        </p:nvSpPr>
+        <p:spPr/>
+      </p:sp>
+      <p:sp>
+        <p:nvSpPr>
+          <p:cNvPr id="3" name="Notes Placeholder 2"/>
+          <p:cNvSpPr>
+            <a:spLocks noGrp="1"/>
+          </p:cNvSpPr>
+          <p:nvPr>
+            <p:ph type="body" idx="1"/>
+          </p:nvPr>
+        </p:nvSpPr>
+        <p:spPr/>
+        <p:txBody>
+          <a:bodyPr/>
+          <a:lstStyle/>
+          <a:p>
+            <a:endParaRPr lang="en-IN" dirty="0"/>
+          </a:p>
+        </p:txBody>
+      </p:sp>
+      <p:sp>
+        <p:nvSpPr>
+          <p:cNvPr id="4" name="Slide Number Placeholder 3"/>
+          <p:cNvSpPr>
+            <a:spLocks noGrp="1"/>
+          </p:cNvSpPr>
+          <p:nvPr>
+            <p:ph type="sldNum" sz="quarter" idx="10"/>
+          </p:nvPr>
+        </p:nvSpPr>
+        <p:spPr/>
+        <p:txBody>
+          <a:bodyPr/>
+          <a:lstStyle/>
+          <a:p>
+            <a:pPr>
+              <a:defRPr/>
+            </a:pPr>
+            <a:fld id="{00AFC6D0-44D5-4EB7-828F-6F464F83D79A}" type="slidenum">
+              <a:rPr lang="en-GB" smtClean="0"/>
+              <a:pPr>
+                <a:defRPr/>
+              </a:pPr>
+              <a:t>28</a:t>
+            </a:fld>
+            <a:endParaRPr lang="en-GB"/>
+          </a:p>
+        </p:txBody>
+      </p:sp>
+    </p:spTree>
+    <p:extLst>
+      <p:ext uri="{BB962C8B-B14F-4D97-AF65-F5344CB8AC3E}">
+        <p14:creationId xmlns:p14="http://schemas.microsoft.com/office/powerpoint/2010/main" val="2111957307"/>
+      </p:ext>
+    </p:extLst>
+  </p:cSld>
+  <p:clrMapOvr>
+    <a:masterClrMapping/>
+  </p:clrMapOvr>
+</p:notes>
+</file>
+
+<file path=ppt/notesSlides/notesSlide2.xml><?xml version="1.0" encoding="utf-8"?>
+<p:notes xmlns:a="http://schemas.openxmlformats.org/drawingml/2006/main" xmlns:r="http://schemas.openxmlformats.org/officeDocument/2006/relationships" xmlns:p="http://schemas.openxmlformats.org/presentationml/2006/main">
+  <p:cSld>
+    <p:spTree>
+      <p:nvGrpSpPr>
+        <p:cNvPr id="1" name=""/>
+        <p:cNvGrpSpPr/>
+        <p:nvPr/>
+      </p:nvGrpSpPr>
+      <p:grpSpPr>
+        <a:xfrm>
+          <a:off x="0" y="0"/>
+          <a:ext cx="0" cy="0"/>
+          <a:chOff x="0" y="0"/>
+          <a:chExt cx="0" cy="0"/>
+        </a:xfrm>
+      </p:grpSpPr>
+      <p:sp>
+        <p:nvSpPr>
+          <p:cNvPr id="2" name="Slide Image Placeholder 1"/>
+          <p:cNvSpPr>
+            <a:spLocks noGrp="1" noRot="1" noChangeAspect="1"/>
+          </p:cNvSpPr>
+          <p:nvPr>
+            <p:ph type="sldImg"/>
+          </p:nvPr>
+        </p:nvSpPr>
+        <p:spPr/>
+      </p:sp>
+      <p:sp>
+        <p:nvSpPr>
+          <p:cNvPr id="3" name="Notes Placeholder 2"/>
+          <p:cNvSpPr>
+            <a:spLocks noGrp="1"/>
+          </p:cNvSpPr>
+          <p:nvPr>
+            <p:ph type="body" idx="1"/>
+          </p:nvPr>
+        </p:nvSpPr>
+        <p:spPr/>
+        <p:txBody>
+          <a:bodyPr/>
+          <a:lstStyle/>
+          <a:p>
+            <a:r>
+              <a:rPr lang="en-IN" sz="1200" b="0" i="0" u="none" strike="noStrike" kern="1200" baseline="0" dirty="0">
+                <a:solidFill>
+                  <a:schemeClr val="tx1"/>
+                </a:solidFill>
+                <a:latin typeface="Arial" pitchFamily="34" charset="0"/>
+                <a:ea typeface="+mn-ea"/>
+                <a:cs typeface="Arial" pitchFamily="34" charset="0"/>
+              </a:rPr>
+              <a:t>The major revenue categories ranked by percentage shares are as follows:</a:t>
+            </a:r>
+          </a:p>
+          <a:p>
+            <a:r>
+              <a:rPr lang="en-IN" sz="1200" b="0" i="0" u="none" strike="noStrike" kern="1200" baseline="0" dirty="0">
+                <a:solidFill>
+                  <a:schemeClr val="tx1"/>
+                </a:solidFill>
+                <a:latin typeface="Arial" pitchFamily="34" charset="0"/>
+                <a:ea typeface="+mn-ea"/>
+                <a:cs typeface="Arial" pitchFamily="34" charset="0"/>
+              </a:rPr>
+              <a:t>Search Advertising with $3.44B - 48%</a:t>
+            </a:r>
+          </a:p>
+          <a:p>
+            <a:r>
+              <a:rPr lang="en-IN" sz="1200" b="0" i="0" u="none" strike="noStrike" kern="1200" baseline="0" dirty="0">
+                <a:solidFill>
+                  <a:schemeClr val="tx1"/>
+                </a:solidFill>
+                <a:latin typeface="Arial" pitchFamily="34" charset="0"/>
+                <a:ea typeface="+mn-ea"/>
+                <a:cs typeface="Arial" pitchFamily="34" charset="0"/>
+              </a:rPr>
+              <a:t>Banner Advertising with $1.46B - 20.5%</a:t>
+            </a:r>
+          </a:p>
+          <a:p>
+            <a:r>
+              <a:rPr lang="en-IN" sz="1200" b="0" i="0" u="none" strike="noStrike" kern="1200" baseline="0" dirty="0" err="1">
+                <a:solidFill>
+                  <a:schemeClr val="tx1"/>
+                </a:solidFill>
+                <a:latin typeface="Arial" pitchFamily="34" charset="0"/>
+                <a:ea typeface="+mn-ea"/>
+                <a:cs typeface="Arial" pitchFamily="34" charset="0"/>
+              </a:rPr>
+              <a:t>Classifed</a:t>
+            </a:r>
+            <a:r>
+              <a:rPr lang="en-IN" sz="1200" b="0" i="0" u="none" strike="noStrike" kern="1200" baseline="0" dirty="0">
+                <a:solidFill>
+                  <a:schemeClr val="tx1"/>
+                </a:solidFill>
+                <a:latin typeface="Arial" pitchFamily="34" charset="0"/>
+                <a:ea typeface="+mn-ea"/>
+                <a:cs typeface="Arial" pitchFamily="34" charset="0"/>
+              </a:rPr>
+              <a:t> Advertising with $0.95B - 13%</a:t>
+            </a:r>
+          </a:p>
+          <a:p>
+            <a:r>
+              <a:rPr lang="en-IN" sz="1200" b="0" i="0" u="none" strike="noStrike" kern="1200" baseline="0" dirty="0">
+                <a:solidFill>
+                  <a:schemeClr val="tx1"/>
+                </a:solidFill>
+                <a:latin typeface="Arial" pitchFamily="34" charset="0"/>
+                <a:ea typeface="+mn-ea"/>
+                <a:cs typeface="Arial" pitchFamily="34" charset="0"/>
+              </a:rPr>
+              <a:t>Social Media advertising with $0.89B - 12.5%</a:t>
+            </a:r>
+          </a:p>
+          <a:p>
+            <a:r>
+              <a:rPr lang="en-IN" sz="1200" b="0" i="0" u="none" strike="noStrike" kern="1200" baseline="0" dirty="0">
+                <a:solidFill>
+                  <a:schemeClr val="tx1"/>
+                </a:solidFill>
+                <a:latin typeface="Arial" pitchFamily="34" charset="0"/>
+                <a:ea typeface="+mn-ea"/>
+                <a:cs typeface="Arial" pitchFamily="34" charset="0"/>
+              </a:rPr>
+              <a:t>Video Advertising with $0.40B - 6%</a:t>
+            </a:r>
+            <a:endParaRPr lang="en-IN" dirty="0"/>
+          </a:p>
+        </p:txBody>
+      </p:sp>
+      <p:sp>
+        <p:nvSpPr>
+          <p:cNvPr id="4" name="Slide Number Placeholder 3"/>
+          <p:cNvSpPr>
+            <a:spLocks noGrp="1"/>
+          </p:cNvSpPr>
+          <p:nvPr>
+            <p:ph type="sldNum" sz="quarter" idx="10"/>
+          </p:nvPr>
+        </p:nvSpPr>
+        <p:spPr/>
+        <p:txBody>
+          <a:bodyPr/>
+          <a:lstStyle/>
+          <a:p>
+            <a:pPr>
+              <a:defRPr/>
+            </a:pPr>
+            <a:fld id="{00AFC6D0-44D5-4EB7-828F-6F464F83D79A}" type="slidenum">
+              <a:rPr lang="en-GB" smtClean="0"/>
+              <a:pPr>
+                <a:defRPr/>
+              </a:pPr>
+              <a:t>4</a:t>
+            </a:fld>
+            <a:endParaRPr lang="en-GB"/>
+          </a:p>
+        </p:txBody>
+      </p:sp>
+    </p:spTree>
+    <p:extLst>
+      <p:ext uri="{BB962C8B-B14F-4D97-AF65-F5344CB8AC3E}">
+        <p14:creationId xmlns:p14="http://schemas.microsoft.com/office/powerpoint/2010/main" val="1959835207"/>
+      </p:ext>
+    </p:extLst>
+  </p:cSld>
+  <p:clrMapOvr>
+    <a:masterClrMapping/>
+  </p:clrMapOvr>
+</p:notes>
+</file>
+
+<file path=ppt/notesSlides/notesSlide3.xml><?xml version="1.0" encoding="utf-8"?>
+<p:notes xmlns:a="http://schemas.openxmlformats.org/drawingml/2006/main" xmlns:r="http://schemas.openxmlformats.org/officeDocument/2006/relationships" xmlns:p="http://schemas.openxmlformats.org/presentationml/2006/main">
+  <p:cSld>
+    <p:spTree>
+      <p:nvGrpSpPr>
+        <p:cNvPr id="1" name=""/>
+        <p:cNvGrpSpPr/>
+        <p:nvPr/>
+      </p:nvGrpSpPr>
+      <p:grpSpPr>
+        <a:xfrm>
+          <a:off x="0" y="0"/>
+          <a:ext cx="0" cy="0"/>
+          <a:chOff x="0" y="0"/>
+          <a:chExt cx="0" cy="0"/>
+        </a:xfrm>
+      </p:grpSpPr>
+      <p:sp>
+        <p:nvSpPr>
+          <p:cNvPr id="2" name="Slide Image Placeholder 1"/>
+          <p:cNvSpPr>
+            <a:spLocks noGrp="1" noRot="1" noChangeAspect="1"/>
+          </p:cNvSpPr>
+          <p:nvPr>
+            <p:ph type="sldImg"/>
+          </p:nvPr>
+        </p:nvSpPr>
+        <p:spPr/>
+      </p:sp>
+      <p:sp>
+        <p:nvSpPr>
+          <p:cNvPr id="3" name="Notes Placeholder 2"/>
+          <p:cNvSpPr>
+            <a:spLocks noGrp="1"/>
+          </p:cNvSpPr>
+          <p:nvPr>
+            <p:ph type="body" idx="1"/>
+          </p:nvPr>
+        </p:nvSpPr>
+        <p:spPr/>
+        <p:txBody>
+          <a:bodyPr/>
+          <a:lstStyle/>
+          <a:p>
+            <a:r>
+              <a:rPr lang="en-IN" sz="1200" b="0" i="0" u="none" strike="noStrike" kern="1200" baseline="0" dirty="0">
+                <a:solidFill>
+                  <a:schemeClr val="tx1"/>
+                </a:solidFill>
+                <a:latin typeface="Arial" pitchFamily="34" charset="0"/>
+                <a:ea typeface="+mn-ea"/>
+                <a:cs typeface="Arial" pitchFamily="34" charset="0"/>
+              </a:rPr>
+              <a:t>The total number of devices that use Ad-block encompassed 615 million devices by 2016 end. Suburban and urban internet</a:t>
+            </a:r>
+          </a:p>
+          <a:p>
+            <a:r>
+              <a:rPr lang="en-IN" sz="1200" b="0" i="0" u="none" strike="noStrike" kern="1200" baseline="0" dirty="0">
+                <a:solidFill>
+                  <a:schemeClr val="tx1"/>
+                </a:solidFill>
+                <a:latin typeface="Arial" pitchFamily="34" charset="0"/>
+                <a:ea typeface="+mn-ea"/>
+                <a:cs typeface="Arial" pitchFamily="34" charset="0"/>
+              </a:rPr>
+              <a:t>users were 17% more likely to install Ad-blockers than those in rural areas. With the ever-increasing</a:t>
+            </a:r>
+          </a:p>
+          <a:p>
+            <a:r>
+              <a:rPr lang="en-IN" sz="1200" b="0" i="0" u="none" strike="noStrike" kern="1200" baseline="0" dirty="0">
+                <a:solidFill>
+                  <a:schemeClr val="tx1"/>
+                </a:solidFill>
+                <a:latin typeface="Arial" pitchFamily="34" charset="0"/>
+                <a:ea typeface="+mn-ea"/>
+                <a:cs typeface="Arial" pitchFamily="34" charset="0"/>
+              </a:rPr>
+              <a:t>number of Ad-block users the global cost of ad blocking surpassed the projected numbers of $40B in 2016</a:t>
+            </a:r>
+            <a:endParaRPr lang="en-IN" dirty="0"/>
+          </a:p>
+        </p:txBody>
+      </p:sp>
+      <p:sp>
+        <p:nvSpPr>
+          <p:cNvPr id="4" name="Slide Number Placeholder 3"/>
+          <p:cNvSpPr>
+            <a:spLocks noGrp="1"/>
+          </p:cNvSpPr>
+          <p:nvPr>
+            <p:ph type="sldNum" sz="quarter" idx="10"/>
+          </p:nvPr>
+        </p:nvSpPr>
+        <p:spPr/>
+        <p:txBody>
+          <a:bodyPr/>
+          <a:lstStyle/>
+          <a:p>
+            <a:pPr>
+              <a:defRPr/>
+            </a:pPr>
+            <a:fld id="{00AFC6D0-44D5-4EB7-828F-6F464F83D79A}" type="slidenum">
+              <a:rPr lang="en-GB" smtClean="0"/>
+              <a:pPr>
+                <a:defRPr/>
+              </a:pPr>
+              <a:t>5</a:t>
+            </a:fld>
+            <a:endParaRPr lang="en-GB"/>
+          </a:p>
+        </p:txBody>
+      </p:sp>
+    </p:spTree>
+    <p:extLst>
+      <p:ext uri="{BB962C8B-B14F-4D97-AF65-F5344CB8AC3E}">
+        <p14:creationId xmlns:p14="http://schemas.microsoft.com/office/powerpoint/2010/main" val="1015936285"/>
+      </p:ext>
+    </p:extLst>
+  </p:cSld>
+  <p:clrMapOvr>
+    <a:masterClrMapping/>
+  </p:clrMapOvr>
+</p:notes>
+</file>
+
+<file path=ppt/notesSlides/notesSlide4.xml><?xml version="1.0" encoding="utf-8"?>
+<p:notes xmlns:a="http://schemas.openxmlformats.org/drawingml/2006/main" xmlns:r="http://schemas.openxmlformats.org/officeDocument/2006/relationships" xmlns:p="http://schemas.openxmlformats.org/presentationml/2006/main">
+  <p:cSld>
+    <p:spTree>
+      <p:nvGrpSpPr>
+        <p:cNvPr id="1" name=""/>
+        <p:cNvGrpSpPr/>
+        <p:nvPr/>
+      </p:nvGrpSpPr>
+      <p:grpSpPr>
+        <a:xfrm>
+          <a:off x="0" y="0"/>
+          <a:ext cx="0" cy="0"/>
+          <a:chOff x="0" y="0"/>
+          <a:chExt cx="0" cy="0"/>
+        </a:xfrm>
+      </p:grpSpPr>
+      <p:sp>
+        <p:nvSpPr>
+          <p:cNvPr id="2" name="Slide Image Placeholder 1"/>
+          <p:cNvSpPr>
+            <a:spLocks noGrp="1" noRot="1" noChangeAspect="1"/>
+          </p:cNvSpPr>
+          <p:nvPr>
+            <p:ph type="sldImg"/>
+          </p:nvPr>
+        </p:nvSpPr>
+        <p:spPr/>
+      </p:sp>
+      <p:sp>
+        <p:nvSpPr>
+          <p:cNvPr id="3" name="Notes Placeholder 2"/>
+          <p:cNvSpPr>
+            <a:spLocks noGrp="1"/>
+          </p:cNvSpPr>
+          <p:nvPr>
+            <p:ph type="body" idx="1"/>
+          </p:nvPr>
+        </p:nvSpPr>
+        <p:spPr/>
+        <p:txBody>
+          <a:bodyPr/>
+          <a:lstStyle/>
+          <a:p>
+            <a:endParaRPr lang="en-IN" dirty="0"/>
+          </a:p>
+        </p:txBody>
+      </p:sp>
+      <p:sp>
+        <p:nvSpPr>
+          <p:cNvPr id="4" name="Slide Number Placeholder 3"/>
+          <p:cNvSpPr>
+            <a:spLocks noGrp="1"/>
+          </p:cNvSpPr>
+          <p:nvPr>
+            <p:ph type="sldNum" sz="quarter" idx="10"/>
+          </p:nvPr>
+        </p:nvSpPr>
+        <p:spPr/>
+        <p:txBody>
+          <a:bodyPr/>
+          <a:lstStyle/>
+          <a:p>
+            <a:pPr>
+              <a:defRPr/>
+            </a:pPr>
+            <a:fld id="{00AFC6D0-44D5-4EB7-828F-6F464F83D79A}" type="slidenum">
+              <a:rPr lang="en-GB" smtClean="0"/>
+              <a:pPr>
+                <a:defRPr/>
+              </a:pPr>
+              <a:t>6</a:t>
+            </a:fld>
+            <a:endParaRPr lang="en-GB"/>
+          </a:p>
+        </p:txBody>
+      </p:sp>
+    </p:spTree>
+    <p:extLst>
+      <p:ext uri="{BB962C8B-B14F-4D97-AF65-F5344CB8AC3E}">
+        <p14:creationId xmlns:p14="http://schemas.microsoft.com/office/powerpoint/2010/main" val="3032564506"/>
+      </p:ext>
+    </p:extLst>
+  </p:cSld>
+  <p:clrMapOvr>
+    <a:masterClrMapping/>
+  </p:clrMapOvr>
+</p:notes>
+</file>
+
+<file path=ppt/notesSlides/notesSlide5.xml><?xml version="1.0" encoding="utf-8"?>
+<p:notes xmlns:a="http://schemas.openxmlformats.org/drawingml/2006/main" xmlns:r="http://schemas.openxmlformats.org/officeDocument/2006/relationships" xmlns:p="http://schemas.openxmlformats.org/presentationml/2006/main">
+  <p:cSld>
+    <p:spTree>
+      <p:nvGrpSpPr>
+        <p:cNvPr id="1" name=""/>
+        <p:cNvGrpSpPr/>
+        <p:nvPr/>
+      </p:nvGrpSpPr>
+      <p:grpSpPr>
+        <a:xfrm>
+          <a:off x="0" y="0"/>
+          <a:ext cx="0" cy="0"/>
+          <a:chOff x="0" y="0"/>
+          <a:chExt cx="0" cy="0"/>
+        </a:xfrm>
+      </p:grpSpPr>
+      <p:sp>
+        <p:nvSpPr>
+          <p:cNvPr id="2" name="Slide Image Placeholder 1"/>
+          <p:cNvSpPr>
+            <a:spLocks noGrp="1" noRot="1" noChangeAspect="1"/>
+          </p:cNvSpPr>
+          <p:nvPr>
+            <p:ph type="sldImg"/>
+          </p:nvPr>
+        </p:nvSpPr>
+        <p:spPr/>
+      </p:sp>
+      <p:sp>
+        <p:nvSpPr>
+          <p:cNvPr id="3" name="Notes Placeholder 2"/>
+          <p:cNvSpPr>
+            <a:spLocks noGrp="1"/>
+          </p:cNvSpPr>
+          <p:nvPr>
+            <p:ph type="body" idx="1"/>
+          </p:nvPr>
+        </p:nvSpPr>
+        <p:spPr/>
+        <p:txBody>
+          <a:bodyPr/>
+          <a:lstStyle/>
+          <a:p>
+            <a:r>
+              <a:rPr lang="en-IN" dirty="0"/>
+              <a:t>Start panda</a:t>
+            </a:r>
+          </a:p>
+        </p:txBody>
+      </p:sp>
+      <p:sp>
+        <p:nvSpPr>
+          <p:cNvPr id="4" name="Slide Number Placeholder 3"/>
+          <p:cNvSpPr>
+            <a:spLocks noGrp="1"/>
+          </p:cNvSpPr>
+          <p:nvPr>
+            <p:ph type="sldNum" sz="quarter" idx="10"/>
+          </p:nvPr>
+        </p:nvSpPr>
+        <p:spPr/>
+        <p:txBody>
+          <a:bodyPr/>
+          <a:lstStyle/>
+          <a:p>
+            <a:pPr>
+              <a:defRPr/>
+            </a:pPr>
+            <a:fld id="{00AFC6D0-44D5-4EB7-828F-6F464F83D79A}" type="slidenum">
+              <a:rPr lang="en-GB" smtClean="0"/>
+              <a:pPr>
+                <a:defRPr/>
+              </a:pPr>
+              <a:t>11</a:t>
+            </a:fld>
+            <a:endParaRPr lang="en-GB"/>
+          </a:p>
+        </p:txBody>
+      </p:sp>
+    </p:spTree>
+    <p:extLst>
+      <p:ext uri="{BB962C8B-B14F-4D97-AF65-F5344CB8AC3E}">
+        <p14:creationId xmlns:p14="http://schemas.microsoft.com/office/powerpoint/2010/main" val="1574052436"/>
+      </p:ext>
+    </p:extLst>
+  </p:cSld>
+  <p:clrMapOvr>
+    <a:masterClrMapping/>
+  </p:clrMapOvr>
+</p:notes>
+</file>
+
+<file path=ppt/notesSlides/notesSlide6.xml><?xml version="1.0" encoding="utf-8"?>
+<p:notes xmlns:a="http://schemas.openxmlformats.org/drawingml/2006/main" xmlns:r="http://schemas.openxmlformats.org/officeDocument/2006/relationships" xmlns:p="http://schemas.openxmlformats.org/presentationml/2006/main">
+  <p:cSld>
+    <p:spTree>
+      <p:nvGrpSpPr>
+        <p:cNvPr id="1" name=""/>
+        <p:cNvGrpSpPr/>
+        <p:nvPr/>
+      </p:nvGrpSpPr>
+      <p:grpSpPr>
+        <a:xfrm>
+          <a:off x="0" y="0"/>
+          <a:ext cx="0" cy="0"/>
+          <a:chOff x="0" y="0"/>
+          <a:chExt cx="0" cy="0"/>
+        </a:xfrm>
+      </p:grpSpPr>
+      <p:sp>
+        <p:nvSpPr>
+          <p:cNvPr id="2" name="Slide Image Placeholder 1"/>
+          <p:cNvSpPr>
+            <a:spLocks noGrp="1" noRot="1" noChangeAspect="1"/>
+          </p:cNvSpPr>
+          <p:nvPr>
+            <p:ph type="sldImg"/>
+          </p:nvPr>
+        </p:nvSpPr>
+        <p:spPr/>
+      </p:sp>
+      <p:sp>
+        <p:nvSpPr>
+          <p:cNvPr id="3" name="Notes Placeholder 2"/>
+          <p:cNvSpPr>
+            <a:spLocks noGrp="1"/>
+          </p:cNvSpPr>
+          <p:nvPr>
+            <p:ph type="body" idx="1"/>
+          </p:nvPr>
+        </p:nvSpPr>
+        <p:spPr/>
+        <p:txBody>
+          <a:bodyPr/>
+          <a:lstStyle/>
+          <a:p>
+            <a:r>
+              <a:rPr lang="en-IN" sz="1200" b="0" i="0" u="none" strike="noStrike" kern="1200" baseline="0" dirty="0">
+                <a:solidFill>
+                  <a:schemeClr val="tx1"/>
+                </a:solidFill>
+                <a:latin typeface="Arial" pitchFamily="34" charset="0"/>
+                <a:ea typeface="+mn-ea"/>
+                <a:cs typeface="Arial" pitchFamily="34" charset="0"/>
+              </a:rPr>
+              <a:t>We then feed the extracted features to machine learning classifiers such as…</a:t>
+            </a:r>
+          </a:p>
+          <a:p>
+            <a:pPr marL="0" marR="0" lvl="0" indent="0" algn="l" defTabSz="914400" rtl="0" eaLnBrk="1" fontAlgn="base" latinLnBrk="0" hangingPunct="1">
+              <a:lnSpc>
+                <a:spcPct val="100000"/>
+              </a:lnSpc>
+              <a:spcBef>
+                <a:spcPct val="30000"/>
+              </a:spcBef>
+              <a:spcAft>
+                <a:spcPct val="0"/>
+              </a:spcAft>
+              <a:buClrTx/>
+              <a:buSzTx/>
+              <a:buFontTx/>
+              <a:buNone/>
+              <a:tabLst/>
+              <a:defRPr/>
+            </a:pPr>
+            <a:r>
+              <a:rPr lang="en-IN" sz="1200" dirty="0"/>
+              <a:t>We use WEKA data mining toolkit for these classifiers.</a:t>
+            </a:r>
+          </a:p>
+        </p:txBody>
+      </p:sp>
+      <p:sp>
+        <p:nvSpPr>
+          <p:cNvPr id="4" name="Slide Number Placeholder 3"/>
+          <p:cNvSpPr>
+            <a:spLocks noGrp="1"/>
+          </p:cNvSpPr>
+          <p:nvPr>
+            <p:ph type="sldNum" sz="quarter" idx="10"/>
+          </p:nvPr>
+        </p:nvSpPr>
+        <p:spPr/>
+        <p:txBody>
+          <a:bodyPr/>
+          <a:lstStyle/>
+          <a:p>
+            <a:pPr>
+              <a:defRPr/>
+            </a:pPr>
+            <a:fld id="{00AFC6D0-44D5-4EB7-828F-6F464F83D79A}" type="slidenum">
+              <a:rPr lang="en-GB" smtClean="0"/>
+              <a:pPr>
+                <a:defRPr/>
+              </a:pPr>
+              <a:t>12</a:t>
+            </a:fld>
+            <a:endParaRPr lang="en-GB"/>
+          </a:p>
+        </p:txBody>
+      </p:sp>
+    </p:spTree>
+    <p:extLst>
+      <p:ext uri="{BB962C8B-B14F-4D97-AF65-F5344CB8AC3E}">
+        <p14:creationId xmlns:p14="http://schemas.microsoft.com/office/powerpoint/2010/main" val="710043321"/>
+      </p:ext>
+    </p:extLst>
+  </p:cSld>
+  <p:clrMapOvr>
+    <a:masterClrMapping/>
+  </p:clrMapOvr>
+</p:notes>
+</file>
+
+<file path=ppt/notesSlides/notesSlide7.xml><?xml version="1.0" encoding="utf-8"?>
+<p:notes xmlns:a="http://schemas.openxmlformats.org/drawingml/2006/main" xmlns:r="http://schemas.openxmlformats.org/officeDocument/2006/relationships" xmlns:p="http://schemas.openxmlformats.org/presentationml/2006/main">
+  <p:cSld>
+    <p:spTree>
+      <p:nvGrpSpPr>
+        <p:cNvPr id="1" name=""/>
+        <p:cNvGrpSpPr/>
+        <p:nvPr/>
+      </p:nvGrpSpPr>
+      <p:grpSpPr>
+        <a:xfrm>
+          <a:off x="0" y="0"/>
+          <a:ext cx="0" cy="0"/>
+          <a:chOff x="0" y="0"/>
+          <a:chExt cx="0" cy="0"/>
+        </a:xfrm>
+      </p:grpSpPr>
+      <p:sp>
+        <p:nvSpPr>
+          <p:cNvPr id="2" name="Slide Image Placeholder 1"/>
+          <p:cNvSpPr>
+            <a:spLocks noGrp="1" noRot="1" noChangeAspect="1"/>
+          </p:cNvSpPr>
+          <p:nvPr>
+            <p:ph type="sldImg"/>
+          </p:nvPr>
+        </p:nvSpPr>
+        <p:spPr/>
+      </p:sp>
+      <p:sp>
+        <p:nvSpPr>
+          <p:cNvPr id="3" name="Notes Placeholder 2"/>
+          <p:cNvSpPr>
+            <a:spLocks noGrp="1"/>
+          </p:cNvSpPr>
+          <p:nvPr>
+            <p:ph type="body" idx="1"/>
+          </p:nvPr>
+        </p:nvSpPr>
+        <p:spPr/>
+        <p:txBody>
+          <a:bodyPr/>
+          <a:lstStyle/>
+          <a:p>
+            <a:r>
+              <a:rPr lang="en-IN" sz="1200" b="0" i="0" u="none" strike="noStrike" kern="1200" baseline="0" dirty="0">
+                <a:solidFill>
+                  <a:schemeClr val="tx1"/>
+                </a:solidFill>
+                <a:latin typeface="Arial" pitchFamily="34" charset="0"/>
+                <a:ea typeface="+mn-ea"/>
+                <a:cs typeface="Arial" pitchFamily="34" charset="0"/>
+              </a:rPr>
+              <a:t>The splitting criterion is the normalized information gain (difference in entropy). The attribute with the highest</a:t>
+            </a:r>
+          </a:p>
+          <a:p>
+            <a:r>
+              <a:rPr lang="en-IN" sz="1200" b="0" i="0" u="none" strike="noStrike" kern="1200" baseline="0" dirty="0">
+                <a:solidFill>
+                  <a:schemeClr val="tx1"/>
+                </a:solidFill>
+                <a:latin typeface="Arial" pitchFamily="34" charset="0"/>
+                <a:ea typeface="+mn-ea"/>
+                <a:cs typeface="Arial" pitchFamily="34" charset="0"/>
+              </a:rPr>
+              <a:t>normalized information gain is chosen to make the decision.</a:t>
+            </a:r>
+            <a:endParaRPr lang="en-IN" dirty="0"/>
+          </a:p>
+        </p:txBody>
+      </p:sp>
+      <p:sp>
+        <p:nvSpPr>
+          <p:cNvPr id="4" name="Slide Number Placeholder 3"/>
+          <p:cNvSpPr>
+            <a:spLocks noGrp="1"/>
+          </p:cNvSpPr>
+          <p:nvPr>
+            <p:ph type="sldNum" sz="quarter" idx="10"/>
+          </p:nvPr>
+        </p:nvSpPr>
+        <p:spPr/>
+        <p:txBody>
+          <a:bodyPr/>
+          <a:lstStyle/>
+          <a:p>
+            <a:pPr>
+              <a:defRPr/>
+            </a:pPr>
+            <a:fld id="{00AFC6D0-44D5-4EB7-828F-6F464F83D79A}" type="slidenum">
+              <a:rPr lang="en-GB" smtClean="0"/>
+              <a:pPr>
+                <a:defRPr/>
+              </a:pPr>
+              <a:t>14</a:t>
+            </a:fld>
+            <a:endParaRPr lang="en-GB"/>
+          </a:p>
+        </p:txBody>
+      </p:sp>
+    </p:spTree>
+    <p:extLst>
+      <p:ext uri="{BB962C8B-B14F-4D97-AF65-F5344CB8AC3E}">
+        <p14:creationId xmlns:p14="http://schemas.microsoft.com/office/powerpoint/2010/main" val="852004473"/>
+      </p:ext>
+    </p:extLst>
+  </p:cSld>
+  <p:clrMapOvr>
+    <a:masterClrMapping/>
+  </p:clrMapOvr>
+</p:notes>
+</file>
+
+<file path=ppt/notesSlides/notesSlide8.xml><?xml version="1.0" encoding="utf-8"?>
+<p:notes xmlns:a="http://schemas.openxmlformats.org/drawingml/2006/main" xmlns:r="http://schemas.openxmlformats.org/officeDocument/2006/relationships" xmlns:p="http://schemas.openxmlformats.org/presentationml/2006/main">
+  <p:cSld>
+    <p:spTree>
+      <p:nvGrpSpPr>
+        <p:cNvPr id="1" name=""/>
+        <p:cNvGrpSpPr/>
+        <p:nvPr/>
+      </p:nvGrpSpPr>
+      <p:grpSpPr>
+        <a:xfrm>
+          <a:off x="0" y="0"/>
+          <a:ext cx="0" cy="0"/>
+          <a:chOff x="0" y="0"/>
+          <a:chExt cx="0" cy="0"/>
+        </a:xfrm>
+      </p:grpSpPr>
+      <p:sp>
+        <p:nvSpPr>
+          <p:cNvPr id="2" name="Slide Image Placeholder 1"/>
+          <p:cNvSpPr>
+            <a:spLocks noGrp="1" noRot="1" noChangeAspect="1"/>
+          </p:cNvSpPr>
+          <p:nvPr>
+            <p:ph type="sldImg"/>
+          </p:nvPr>
+        </p:nvSpPr>
+        <p:spPr/>
+      </p:sp>
+      <p:sp>
+        <p:nvSpPr>
+          <p:cNvPr id="3" name="Notes Placeholder 2"/>
+          <p:cNvSpPr>
+            <a:spLocks noGrp="1"/>
+          </p:cNvSpPr>
+          <p:nvPr>
+            <p:ph type="body" idx="1"/>
+          </p:nvPr>
+        </p:nvSpPr>
+        <p:spPr/>
+        <p:txBody>
+          <a:bodyPr/>
+          <a:lstStyle/>
+          <a:p>
+            <a:r>
+              <a:rPr lang="en-IN" dirty="0"/>
+              <a:t>Start </a:t>
+            </a:r>
+            <a:r>
+              <a:rPr lang="en-IN" dirty="0" err="1"/>
+              <a:t>gupta</a:t>
+            </a:r>
+            <a:endParaRPr lang="en-IN" dirty="0"/>
+          </a:p>
+        </p:txBody>
+      </p:sp>
+      <p:sp>
+        <p:nvSpPr>
+          <p:cNvPr id="4" name="Slide Number Placeholder 3"/>
+          <p:cNvSpPr>
+            <a:spLocks noGrp="1"/>
+          </p:cNvSpPr>
+          <p:nvPr>
+            <p:ph type="sldNum" sz="quarter" idx="10"/>
+          </p:nvPr>
+        </p:nvSpPr>
+        <p:spPr/>
+        <p:txBody>
+          <a:bodyPr/>
+          <a:lstStyle/>
+          <a:p>
+            <a:pPr>
+              <a:defRPr/>
+            </a:pPr>
+            <a:fld id="{00AFC6D0-44D5-4EB7-828F-6F464F83D79A}" type="slidenum">
+              <a:rPr lang="en-GB" smtClean="0"/>
+              <a:pPr>
+                <a:defRPr/>
+              </a:pPr>
+              <a:t>16</a:t>
+            </a:fld>
+            <a:endParaRPr lang="en-GB"/>
+          </a:p>
+        </p:txBody>
+      </p:sp>
+    </p:spTree>
+    <p:extLst>
+      <p:ext uri="{BB962C8B-B14F-4D97-AF65-F5344CB8AC3E}">
+        <p14:creationId xmlns:p14="http://schemas.microsoft.com/office/powerpoint/2010/main" val="458787882"/>
+      </p:ext>
+    </p:extLst>
+  </p:cSld>
+  <p:clrMapOvr>
+    <a:masterClrMapping/>
+  </p:clrMapOvr>
+</p:notes>
+</file>
+
+<file path=ppt/notesSlides/notesSlide9.xml><?xml version="1.0" encoding="utf-8"?>
+<p:notes xmlns:a="http://schemas.openxmlformats.org/drawingml/2006/main" xmlns:r="http://schemas.openxmlformats.org/officeDocument/2006/relationships" xmlns:p="http://schemas.openxmlformats.org/presentationml/2006/main">
+  <p:cSld>
+    <p:spTree>
+      <p:nvGrpSpPr>
+        <p:cNvPr id="1" name=""/>
+        <p:cNvGrpSpPr/>
+        <p:nvPr/>
+      </p:nvGrpSpPr>
+      <p:grpSpPr>
+        <a:xfrm>
+          <a:off x="0" y="0"/>
+          <a:ext cx="0" cy="0"/>
+          <a:chOff x="0" y="0"/>
+          <a:chExt cx="0" cy="0"/>
+        </a:xfrm>
+      </p:grpSpPr>
+      <p:sp>
+        <p:nvSpPr>
+          <p:cNvPr id="2" name="Slide Image Placeholder 1"/>
+          <p:cNvSpPr>
+            <a:spLocks noGrp="1" noRot="1" noChangeAspect="1"/>
+          </p:cNvSpPr>
+          <p:nvPr>
+            <p:ph type="sldImg"/>
+          </p:nvPr>
+        </p:nvSpPr>
+        <p:spPr/>
+      </p:sp>
+      <p:sp>
+        <p:nvSpPr>
+          <p:cNvPr id="3" name="Notes Placeholder 2"/>
+          <p:cNvSpPr>
+            <a:spLocks noGrp="1"/>
+          </p:cNvSpPr>
+          <p:nvPr>
+            <p:ph type="body" idx="1"/>
+          </p:nvPr>
+        </p:nvSpPr>
+        <p:spPr/>
+        <p:txBody>
+          <a:bodyPr/>
+          <a:lstStyle/>
+          <a:p>
+            <a:r>
+              <a:rPr lang="en-IN" dirty="0"/>
+              <a:t>In Germany News Sports and Business were the top 3 categories while in the reference research paper Blogs News and Entertainment were the top categories.</a:t>
+            </a:r>
+          </a:p>
+        </p:txBody>
+      </p:sp>
+      <p:sp>
+        <p:nvSpPr>
+          <p:cNvPr id="4" name="Slide Number Placeholder 3"/>
+          <p:cNvSpPr>
+            <a:spLocks noGrp="1"/>
+          </p:cNvSpPr>
+          <p:nvPr>
+            <p:ph type="sldNum" sz="quarter" idx="10"/>
+          </p:nvPr>
+        </p:nvSpPr>
+        <p:spPr/>
+        <p:txBody>
+          <a:bodyPr/>
+          <a:lstStyle/>
+          <a:p>
+            <a:pPr>
+              <a:defRPr/>
+            </a:pPr>
+            <a:fld id="{00AFC6D0-44D5-4EB7-828F-6F464F83D79A}" type="slidenum">
+              <a:rPr lang="en-GB" smtClean="0"/>
+              <a:pPr>
+                <a:defRPr/>
+              </a:pPr>
+              <a:t>18</a:t>
+            </a:fld>
+            <a:endParaRPr lang="en-GB"/>
+          </a:p>
+        </p:txBody>
+      </p:sp>
+    </p:spTree>
+    <p:extLst>
+      <p:ext uri="{BB962C8B-B14F-4D97-AF65-F5344CB8AC3E}">
+        <p14:creationId xmlns:p14="http://schemas.microsoft.com/office/powerpoint/2010/main" val="2449195275"/>
+      </p:ext>
+    </p:extLst>
   </p:cSld>
   <p:clrMapOvr>
     <a:masterClrMapping/>
@@ -7540,144 +9337,146 @@
           <a:p>
             <a:pPr marL="342900" indent="-342900">
               <a:lnSpc>
-                <a:spcPct val="150000"/>
+                <a:spcPct val="100000"/>
               </a:lnSpc>
               <a:buFont typeface="Arial" panose="020B0604020202020204" pitchFamily="34" charset="0"/>
               <a:buChar char="•"/>
             </a:pPr>
             <a:r>
               <a:rPr lang="en-IN" sz="2000" dirty="0"/>
-              <a:t>Anti Ad-blocker scripts change HTML content by:</a:t>
-            </a:r>
-          </a:p>
-          <a:p>
-            <a:pPr marL="519113" lvl="1" indent="-342900">
-              <a:lnSpc>
-                <a:spcPct val="150000"/>
+              <a:t>We make use of Selenium Chrome </a:t>
+            </a:r>
+            <a:r>
+              <a:rPr lang="en-IN" sz="2000" dirty="0" err="1"/>
+              <a:t>Webdriver</a:t>
+            </a:r>
+            <a:r>
+              <a:rPr lang="en-IN" sz="2000" dirty="0"/>
+              <a:t> to launch two separate instances of Google Chrome.</a:t>
+            </a:r>
+          </a:p>
+          <a:p>
+            <a:pPr marL="342900" indent="-342900">
+              <a:lnSpc>
+                <a:spcPct val="100000"/>
               </a:lnSpc>
               <a:buFont typeface="Arial" panose="020B0604020202020204" pitchFamily="34" charset="0"/>
               <a:buChar char="•"/>
             </a:pPr>
-            <a:r>
-              <a:rPr lang="en-IN" sz="1800" dirty="0"/>
-              <a:t>adding extra HTML elements,</a:t>
-            </a:r>
-          </a:p>
-          <a:p>
-            <a:pPr marL="519113" lvl="1" indent="-342900">
-              <a:lnSpc>
-                <a:spcPct val="150000"/>
+            <a:endParaRPr lang="en-IN" sz="2000" dirty="0"/>
+          </a:p>
+          <a:p>
+            <a:pPr marL="342900" indent="-342900">
+              <a:lnSpc>
+                <a:spcPct val="100000"/>
               </a:lnSpc>
               <a:buFont typeface="Arial" panose="020B0604020202020204" pitchFamily="34" charset="0"/>
               <a:buChar char="•"/>
             </a:pPr>
             <a:r>
-              <a:rPr lang="en-IN" sz="1800" dirty="0"/>
-              <a:t>change in style of existing HTML elements,</a:t>
-            </a:r>
-          </a:p>
-          <a:p>
-            <a:pPr marL="519113" lvl="1" indent="-342900">
-              <a:lnSpc>
-                <a:spcPct val="150000"/>
+              <a:rPr lang="en-IN" sz="2000" dirty="0"/>
+              <a:t>Instance A is launched with </a:t>
+            </a:r>
+            <a:r>
+              <a:rPr lang="en-IN" sz="2000" dirty="0" err="1"/>
+              <a:t>Adblock</a:t>
+            </a:r>
+            <a:r>
+              <a:rPr lang="en-IN" sz="2000" dirty="0"/>
+              <a:t> Plus extension and instance B is without any extension.</a:t>
+            </a:r>
+          </a:p>
+          <a:p>
+            <a:pPr marL="342900" indent="-342900">
+              <a:lnSpc>
+                <a:spcPct val="100000"/>
               </a:lnSpc>
               <a:buFont typeface="Arial" panose="020B0604020202020204" pitchFamily="34" charset="0"/>
               <a:buChar char="•"/>
             </a:pPr>
-            <a:r>
-              <a:rPr lang="en-IN" sz="1800" dirty="0"/>
-              <a:t>changes in textual context.</a:t>
-            </a:r>
-          </a:p>
-          <a:p>
-            <a:pPr marL="519113" lvl="1" indent="-342900">
-              <a:lnSpc>
-                <a:spcPct val="150000"/>
+            <a:endParaRPr lang="en-IN" sz="2000" dirty="0"/>
+          </a:p>
+          <a:p>
+            <a:pPr marL="342900" indent="-342900">
+              <a:lnSpc>
+                <a:spcPct val="100000"/>
               </a:lnSpc>
               <a:buFont typeface="Arial" panose="020B0604020202020204" pitchFamily="34" charset="0"/>
               <a:buChar char="•"/>
             </a:pPr>
-            <a:endParaRPr lang="en-IN" sz="1800" dirty="0"/>
+            <a:r>
+              <a:rPr lang="en-IN" sz="2000" dirty="0"/>
+              <a:t>Instances are compared w.r.t Node Features (div, h1, h2, h3, </a:t>
+            </a:r>
+            <a:r>
+              <a:rPr lang="en-IN" sz="2000" dirty="0" err="1"/>
+              <a:t>img</a:t>
+            </a:r>
+            <a:r>
+              <a:rPr lang="en-IN" sz="2000" dirty="0"/>
+              <a:t>, table, p, </a:t>
+            </a:r>
+            <a:r>
+              <a:rPr lang="en-IN" sz="2000" dirty="0" err="1"/>
+              <a:t>iframe</a:t>
+            </a:r>
+            <a:r>
+              <a:rPr lang="en-IN" sz="2000" dirty="0"/>
+              <a:t> and text nodes), Textual Features (#lines, #words, #text) and Structural Features (URL redirection).</a:t>
+            </a:r>
           </a:p>
           <a:p>
             <a:pPr marL="342900" indent="-342900">
               <a:lnSpc>
-                <a:spcPct val="150000"/>
+                <a:spcPct val="100000"/>
               </a:lnSpc>
               <a:buFont typeface="Arial" panose="020B0604020202020204" pitchFamily="34" charset="0"/>
               <a:buChar char="•"/>
             </a:pPr>
-            <a:r>
-              <a:rPr lang="en-IN" sz="1800" dirty="0"/>
-              <a:t>These changes can be categorized into:</a:t>
-            </a:r>
-          </a:p>
-          <a:p>
-            <a:pPr marL="519113" lvl="1" indent="-342900">
-              <a:lnSpc>
-                <a:spcPct val="150000"/>
+            <a:endParaRPr lang="en-IN" sz="2000" dirty="0"/>
+          </a:p>
+          <a:p>
+            <a:pPr marL="342900" indent="-342900">
+              <a:lnSpc>
+                <a:spcPct val="100000"/>
               </a:lnSpc>
               <a:buFont typeface="Arial" panose="020B0604020202020204" pitchFamily="34" charset="0"/>
               <a:buChar char="•"/>
             </a:pPr>
             <a:r>
-              <a:rPr lang="en-IN" sz="1800" i="1" dirty="0"/>
-              <a:t>Node Changes</a:t>
-            </a:r>
-            <a:r>
-              <a:rPr lang="en-IN" sz="1800" dirty="0"/>
-              <a:t>: Extra DOM elements</a:t>
-            </a:r>
-          </a:p>
-          <a:p>
-            <a:pPr marL="519113" lvl="1" indent="-342900">
-              <a:lnSpc>
-                <a:spcPct val="150000"/>
+              <a:rPr lang="en-IN" sz="2000" dirty="0"/>
+              <a:t>These features are compared using a Python script and </a:t>
+            </a:r>
+            <a:r>
+              <a:rPr lang="en-IN" sz="2000" dirty="0" err="1"/>
+              <a:t>BeautifulSoup</a:t>
+            </a:r>
+            <a:r>
+              <a:rPr lang="en-IN" sz="2000" dirty="0"/>
+              <a:t> library is used for screen scraping.</a:t>
+            </a:r>
+          </a:p>
+          <a:p>
+            <a:pPr marL="342900" indent="-342900">
+              <a:lnSpc>
+                <a:spcPct val="100000"/>
               </a:lnSpc>
               <a:buFont typeface="Arial" panose="020B0604020202020204" pitchFamily="34" charset="0"/>
               <a:buChar char="•"/>
             </a:pPr>
-            <a:r>
-              <a:rPr lang="en-IN" sz="1800" i="1" dirty="0"/>
-              <a:t>Style Changes</a:t>
-            </a:r>
-            <a:r>
-              <a:rPr lang="en-IN" sz="1800" dirty="0"/>
-              <a:t>: Toggling of hidden div elements</a:t>
-            </a:r>
-          </a:p>
-          <a:p>
-            <a:pPr marL="519113" lvl="1" indent="-342900">
-              <a:lnSpc>
-                <a:spcPct val="150000"/>
+            <a:endParaRPr lang="en-IN" sz="2000" dirty="0"/>
+          </a:p>
+          <a:p>
+            <a:pPr marL="342900" indent="-342900">
+              <a:lnSpc>
+                <a:spcPct val="100000"/>
               </a:lnSpc>
               <a:buFont typeface="Arial" panose="020B0604020202020204" pitchFamily="34" charset="0"/>
               <a:buChar char="•"/>
             </a:pPr>
             <a:r>
-              <a:rPr lang="en-IN" sz="1800" i="1" dirty="0"/>
-              <a:t>Textual Changes</a:t>
-            </a:r>
-            <a:r>
-              <a:rPr lang="en-IN" sz="1800" dirty="0"/>
-              <a:t>: Changes in textual content</a:t>
-            </a:r>
-          </a:p>
-          <a:p>
-            <a:pPr marL="519113" lvl="1" indent="-342900">
-              <a:lnSpc>
-                <a:spcPct val="150000"/>
-              </a:lnSpc>
-              <a:buFont typeface="Arial" panose="020B0604020202020204" pitchFamily="34" charset="0"/>
-              <a:buChar char="•"/>
-            </a:pPr>
-            <a:r>
-              <a:rPr lang="en-IN" sz="1800" i="1" dirty="0"/>
-              <a:t>Structural Changes</a:t>
-            </a:r>
-            <a:r>
-              <a:rPr lang="en-IN" sz="1800" dirty="0"/>
-              <a:t>: URL redirections</a:t>
+              <a:rPr lang="en-IN" sz="2000" dirty="0"/>
+              <a:t>These features are stored in a .csv file.</a:t>
             </a:r>
           </a:p>
         </p:txBody>
@@ -7703,7 +9502,7 @@
           <a:p>
             <a:r>
               <a:rPr lang="en-IN" sz="3000" dirty="0"/>
-              <a:t>Detecting Anti Ad-blockers</a:t>
+              <a:t>Detecting Anti Ad-blockers: Methodology</a:t>
             </a:r>
             <a:endParaRPr lang="de-DE" sz="3000" dirty="0"/>
           </a:p>
@@ -7712,7 +9511,7 @@
     </p:spTree>
     <p:extLst>
       <p:ext uri="{BB962C8B-B14F-4D97-AF65-F5344CB8AC3E}">
-        <p14:creationId xmlns:p14="http://schemas.microsoft.com/office/powerpoint/2010/main" val="1673916877"/>
+        <p14:creationId xmlns:p14="http://schemas.microsoft.com/office/powerpoint/2010/main" val="3945771263"/>
       </p:ext>
     </p:extLst>
   </p:cSld>
@@ -7768,139 +9567,7 @@
             </a:pPr>
             <a:r>
               <a:rPr lang="en-IN" sz="2000" dirty="0"/>
-              <a:t>We make use of Selenium Chrome </a:t>
-            </a:r>
-            <a:r>
-              <a:rPr lang="en-IN" sz="2000" dirty="0" err="1"/>
-              <a:t>Webdriver</a:t>
-            </a:r>
-            <a:r>
-              <a:rPr lang="en-IN" sz="2000" dirty="0"/>
-              <a:t> to launch two separate instances of Google Chrome.</a:t>
-            </a:r>
-          </a:p>
-          <a:p>
-            <a:pPr marL="342900" indent="-342900">
-              <a:lnSpc>
-                <a:spcPct val="100000"/>
-              </a:lnSpc>
-              <a:buFont typeface="Arial" panose="020B0604020202020204" pitchFamily="34" charset="0"/>
-              <a:buChar char="•"/>
-            </a:pPr>
-            <a:endParaRPr lang="en-IN" sz="2000" dirty="0"/>
-          </a:p>
-          <a:p>
-            <a:pPr marL="342900" indent="-342900">
-              <a:lnSpc>
-                <a:spcPct val="100000"/>
-              </a:lnSpc>
-              <a:buFont typeface="Arial" panose="020B0604020202020204" pitchFamily="34" charset="0"/>
-              <a:buChar char="•"/>
-            </a:pPr>
-            <a:r>
-              <a:rPr lang="en-IN" sz="2000" dirty="0"/>
-              <a:t>Instance A is launched with </a:t>
-            </a:r>
-            <a:r>
-              <a:rPr lang="en-IN" sz="2000" dirty="0" err="1"/>
-              <a:t>Adblock</a:t>
-            </a:r>
-            <a:r>
-              <a:rPr lang="en-IN" sz="2000" dirty="0"/>
-              <a:t> Plus extension and instance B is without any extension.</a:t>
-            </a:r>
-          </a:p>
-          <a:p>
-            <a:pPr marL="342900" indent="-342900">
-              <a:lnSpc>
-                <a:spcPct val="100000"/>
-              </a:lnSpc>
-              <a:buFont typeface="Arial" panose="020B0604020202020204" pitchFamily="34" charset="0"/>
-              <a:buChar char="•"/>
-            </a:pPr>
-            <a:endParaRPr lang="en-IN" sz="2000" dirty="0"/>
-          </a:p>
-          <a:p>
-            <a:pPr marL="342900" indent="-342900">
-              <a:lnSpc>
-                <a:spcPct val="100000"/>
-              </a:lnSpc>
-              <a:buFont typeface="Arial" panose="020B0604020202020204" pitchFamily="34" charset="0"/>
-              <a:buChar char="•"/>
-            </a:pPr>
-            <a:r>
-              <a:rPr lang="en-IN" sz="2000" dirty="0"/>
-              <a:t>Instances are compared w.r.t Node Features (div, h1, h2, h3, </a:t>
-            </a:r>
-            <a:r>
-              <a:rPr lang="en-IN" sz="2000" dirty="0" err="1"/>
-              <a:t>img</a:t>
-            </a:r>
-            <a:r>
-              <a:rPr lang="en-IN" sz="2000" dirty="0"/>
-              <a:t>, table, p, </a:t>
-            </a:r>
-            <a:r>
-              <a:rPr lang="en-IN" sz="2000" dirty="0" err="1"/>
-              <a:t>iframe</a:t>
-            </a:r>
-            <a:r>
-              <a:rPr lang="en-IN" sz="2000" dirty="0"/>
-              <a:t> and text nodes), Textual Features (#lines, #words, #text) and Structural Features (URL redirection).</a:t>
-            </a:r>
-          </a:p>
-          <a:p>
-            <a:pPr marL="342900" indent="-342900">
-              <a:lnSpc>
-                <a:spcPct val="100000"/>
-              </a:lnSpc>
-              <a:buFont typeface="Arial" panose="020B0604020202020204" pitchFamily="34" charset="0"/>
-              <a:buChar char="•"/>
-            </a:pPr>
-            <a:endParaRPr lang="en-IN" sz="2000" dirty="0"/>
-          </a:p>
-          <a:p>
-            <a:pPr marL="342900" indent="-342900">
-              <a:lnSpc>
-                <a:spcPct val="100000"/>
-              </a:lnSpc>
-              <a:buFont typeface="Arial" panose="020B0604020202020204" pitchFamily="34" charset="0"/>
-              <a:buChar char="•"/>
-            </a:pPr>
-            <a:r>
-              <a:rPr lang="en-IN" sz="2000" dirty="0"/>
-              <a:t>These features are compared using a Python script and </a:t>
-            </a:r>
-            <a:r>
-              <a:rPr lang="en-IN" sz="2000" dirty="0" err="1"/>
-              <a:t>BeautifulSoup</a:t>
-            </a:r>
-            <a:r>
-              <a:rPr lang="en-IN" sz="2000" dirty="0"/>
-              <a:t> library is used for screen scraping.</a:t>
-            </a:r>
-          </a:p>
-          <a:p>
-            <a:pPr marL="342900" indent="-342900">
-              <a:lnSpc>
-                <a:spcPct val="100000"/>
-              </a:lnSpc>
-              <a:buFont typeface="Arial" panose="020B0604020202020204" pitchFamily="34" charset="0"/>
-              <a:buChar char="•"/>
-            </a:pPr>
-            <a:endParaRPr lang="en-IN" sz="2000" dirty="0"/>
-          </a:p>
-          <a:p>
-            <a:pPr marL="342900" indent="-342900">
-              <a:lnSpc>
-                <a:spcPct val="100000"/>
-              </a:lnSpc>
-              <a:buFont typeface="Arial" panose="020B0604020202020204" pitchFamily="34" charset="0"/>
-              <a:buChar char="•"/>
-            </a:pPr>
-            <a:r>
-              <a:rPr lang="en-IN" sz="2000" dirty="0"/>
-              <a:t>These features are stored in a .csv file.</a:t>
+              <a:t>Demo Video</a:t>
             </a:r>
           </a:p>
         </p:txBody>
@@ -7926,7 +9593,7 @@
           <a:p>
             <a:r>
               <a:rPr lang="en-IN" sz="3000" dirty="0"/>
-              <a:t>Detecting Anti Ad-blockers: Methodology</a:t>
+              <a:t>Detecting Anti Ad-blockers: Demo</a:t>
             </a:r>
             <a:endParaRPr lang="de-DE" sz="3000" dirty="0"/>
           </a:p>
@@ -7935,7 +9602,7 @@
     </p:spTree>
     <p:extLst>
       <p:ext uri="{BB962C8B-B14F-4D97-AF65-F5344CB8AC3E}">
-        <p14:creationId xmlns:p14="http://schemas.microsoft.com/office/powerpoint/2010/main" val="3945771263"/>
+        <p14:creationId xmlns:p14="http://schemas.microsoft.com/office/powerpoint/2010/main" val="515244415"/>
       </p:ext>
     </p:extLst>
   </p:cSld>
@@ -8045,7 +9712,7 @@
             </a:pPr>
             <a:r>
               <a:rPr lang="en-IN" sz="2000" dirty="0"/>
-              <a:t>Information gain ratio is used for the features extracted for which learning and prediction needs to be done.</a:t>
+              <a:t>Information gain ratio is used for determining which features extracted are most important for learning and prediction.</a:t>
             </a:r>
           </a:p>
         </p:txBody>
@@ -8314,7 +9981,7 @@
           <p:nvPr/>
         </p:nvPicPr>
         <p:blipFill>
-          <a:blip r:embed="rId2"/>
+          <a:blip r:embed="rId3"/>
           <a:stretch>
             <a:fillRect/>
           </a:stretch>
@@ -8404,7 +10071,7 @@
             </a:r>
             <a:r>
               <a:rPr lang="en-IN" sz="2000" dirty="0"/>
-              <a:t> and TLD sites.</a:t>
+              <a:t> and TLD “de” sites.</a:t>
             </a:r>
           </a:p>
           <a:p>
@@ -8477,7 +10144,7 @@
             </a:pPr>
             <a:r>
               <a:rPr lang="en-IN" sz="2000" dirty="0"/>
-              <a:t>Close to 25 out of 1477 (1.7%) websites employ Ad-block detection.</a:t>
+              <a:t>Close to 25 out of 1477 (1.7%) top visited German websites employ Ad-block detection.</a:t>
             </a:r>
           </a:p>
           <a:p>
@@ -8636,7 +10303,7 @@
           <p:nvPr/>
         </p:nvPicPr>
         <p:blipFill>
-          <a:blip r:embed="rId2"/>
+          <a:blip r:embed="rId3"/>
           <a:stretch>
             <a:fillRect/>
           </a:stretch>
@@ -8660,7 +10327,7 @@
           <p:nvPr/>
         </p:nvPicPr>
         <p:blipFill>
-          <a:blip r:embed="rId3"/>
+          <a:blip r:embed="rId4"/>
           <a:stretch>
             <a:fillRect/>
           </a:stretch>
@@ -8684,7 +10351,7 @@
           <p:nvPr/>
         </p:nvPicPr>
         <p:blipFill>
-          <a:blip r:embed="rId4"/>
+          <a:blip r:embed="rId5"/>
           <a:stretch>
             <a:fillRect/>
           </a:stretch>
@@ -8751,20 +10418,20 @@
           <a:p>
             <a:pPr marL="342900" indent="-342900">
               <a:lnSpc>
-                <a:spcPct val="100000"/>
+                <a:spcPct val="150000"/>
               </a:lnSpc>
               <a:buFont typeface="Arial" panose="020B0604020202020204" pitchFamily="34" charset="0"/>
               <a:buChar char="•"/>
             </a:pPr>
             <a:r>
               <a:rPr lang="en-IN" sz="2000" dirty="0"/>
-              <a:t>Our reference research paper focussed on Alexa top-100K websites that includes majority of U.S.A and China websites.</a:t>
+              <a:t>Our reference research paper focussed on Alexa top-100K websites that includes majority of U.S.A. and China websites.</a:t>
             </a:r>
           </a:p>
           <a:p>
             <a:pPr marL="342900" indent="-342900">
               <a:lnSpc>
-                <a:spcPct val="100000"/>
+                <a:spcPct val="150000"/>
               </a:lnSpc>
               <a:buFont typeface="Arial" panose="020B0604020202020204" pitchFamily="34" charset="0"/>
               <a:buChar char="•"/>
@@ -8774,7 +10441,7 @@
           <a:p>
             <a:pPr marL="342900" indent="-342900">
               <a:lnSpc>
-                <a:spcPct val="100000"/>
+                <a:spcPct val="150000"/>
               </a:lnSpc>
               <a:buFont typeface="Arial" panose="020B0604020202020204" pitchFamily="34" charset="0"/>
               <a:buChar char="•"/>
@@ -8787,7 +10454,7 @@
           <a:p>
             <a:pPr marL="342900" indent="-342900">
               <a:lnSpc>
-                <a:spcPct val="100000"/>
+                <a:spcPct val="150000"/>
               </a:lnSpc>
               <a:buFont typeface="Arial" panose="020B0604020202020204" pitchFamily="34" charset="0"/>
               <a:buChar char="•"/>
@@ -8797,7 +10464,7 @@
           <a:p>
             <a:pPr marL="342900" indent="-342900">
               <a:lnSpc>
-                <a:spcPct val="100000"/>
+                <a:spcPct val="150000"/>
               </a:lnSpc>
               <a:buFont typeface="Arial" panose="020B0604020202020204" pitchFamily="34" charset="0"/>
               <a:buChar char="•"/>
@@ -8810,7 +10477,7 @@
           <a:p>
             <a:pPr marL="342900" indent="-342900">
               <a:lnSpc>
-                <a:spcPct val="100000"/>
+                <a:spcPct val="150000"/>
               </a:lnSpc>
               <a:buFont typeface="Arial" panose="020B0604020202020204" pitchFamily="34" charset="0"/>
               <a:buChar char="•"/>
@@ -8820,7 +10487,7 @@
           <a:p>
             <a:pPr marL="342900" indent="-342900">
               <a:lnSpc>
-                <a:spcPct val="100000"/>
+                <a:spcPct val="150000"/>
               </a:lnSpc>
               <a:buFont typeface="Arial" panose="020B0604020202020204" pitchFamily="34" charset="0"/>
               <a:buChar char="•"/>
@@ -8831,27 +10498,12 @@
             </a:r>
           </a:p>
           <a:p>
-            <a:pPr marL="342900" indent="-342900">
-              <a:lnSpc>
-                <a:spcPct val="100000"/>
-              </a:lnSpc>
-              <a:buFont typeface="Arial" panose="020B0604020202020204" pitchFamily="34" charset="0"/>
-              <a:buChar char="•"/>
+            <a:pPr>
+              <a:lnSpc>
+                <a:spcPct val="150000"/>
+              </a:lnSpc>
             </a:pPr>
             <a:endParaRPr lang="en-IN" sz="2000" dirty="0"/>
-          </a:p>
-          <a:p>
-            <a:pPr marL="342900" indent="-342900">
-              <a:lnSpc>
-                <a:spcPct val="100000"/>
-              </a:lnSpc>
-              <a:buFont typeface="Arial" panose="020B0604020202020204" pitchFamily="34" charset="0"/>
-              <a:buChar char="•"/>
-            </a:pPr>
-            <a:r>
-              <a:rPr lang="en-IN" sz="2000" dirty="0"/>
-              <a:t>These analysis do not contain specific subpages of such websites and our methodology mostly relies on detecting changes in HTML content.</a:t>
-            </a:r>
           </a:p>
         </p:txBody>
       </p:sp>
@@ -8982,7 +10634,7 @@
           <p:nvPr/>
         </p:nvPicPr>
         <p:blipFill>
-          <a:blip r:embed="rId2"/>
+          <a:blip r:embed="rId3"/>
           <a:stretch>
             <a:fillRect/>
           </a:stretch>
@@ -9079,7 +10731,7 @@
             </a:pPr>
             <a:r>
               <a:rPr lang="en-IN" sz="2000" dirty="0"/>
-              <a:t>Our methodology focusses on homepage of such websites.</a:t>
+              <a:t>Our methodology focusses only on homepage of such websites.</a:t>
             </a:r>
           </a:p>
           <a:p>
@@ -9228,7 +10880,7 @@
       </p:grpSpPr>
       <p:sp>
         <p:nvSpPr>
-          <p:cNvPr id="2" name="Content Placeholder 1"/>
+          <p:cNvPr id="2" name="Inhaltsplatzhalter 1"/>
           <p:cNvSpPr>
             <a:spLocks noGrp="1"/>
           </p:cNvSpPr>
@@ -9241,34 +10893,81 @@
           <a:bodyPr/>
           <a:lstStyle/>
           <a:p>
-            <a:pPr marL="285750" indent="-285750">
+            <a:pPr marL="342900" indent="-342900">
               <a:buFont typeface="Arial" panose="020B0604020202020204" pitchFamily="34" charset="0"/>
               <a:buChar char="•"/>
             </a:pPr>
             <a:r>
               <a:rPr lang="en-IN" sz="2000" dirty="0"/>
-              <a:t>To be filled…</a:t>
-            </a:r>
-          </a:p>
-          <a:p>
-            <a:pPr marL="461963" lvl="1" indent="-285750">
+              <a:t>Online advertisements drives the economy of the World Wide Web.</a:t>
+            </a:r>
+          </a:p>
+          <a:p>
+            <a:pPr marL="342900" indent="-342900">
               <a:buFont typeface="Arial" panose="020B0604020202020204" pitchFamily="34" charset="0"/>
               <a:buChar char="•"/>
             </a:pPr>
-            <a:endParaRPr lang="en-IN" dirty="0"/>
-          </a:p>
-          <a:p>
-            <a:pPr marL="461963" lvl="1" indent="-285750">
+            <a:endParaRPr lang="en-IN" sz="2000" dirty="0"/>
+          </a:p>
+          <a:p>
+            <a:pPr marL="342900" indent="-342900">
               <a:buFont typeface="Arial" panose="020B0604020202020204" pitchFamily="34" charset="0"/>
               <a:buChar char="•"/>
             </a:pPr>
-            <a:endParaRPr lang="en-IN" dirty="0"/>
-          </a:p>
-        </p:txBody>
-      </p:sp>
-      <p:sp>
-        <p:nvSpPr>
-          <p:cNvPr id="4" name="Title 3"/>
+            <a:r>
+              <a:rPr lang="en-IN" sz="2000" dirty="0"/>
+              <a:t>Promotional content (ads) have found their way into websites at different strategic locations on webpages.</a:t>
+            </a:r>
+          </a:p>
+          <a:p>
+            <a:pPr marL="342900" indent="-342900">
+              <a:buFont typeface="Arial" panose="020B0604020202020204" pitchFamily="34" charset="0"/>
+              <a:buChar char="•"/>
+            </a:pPr>
+            <a:endParaRPr lang="en-IN" sz="2000" dirty="0"/>
+          </a:p>
+          <a:p>
+            <a:pPr marL="342900" indent="-342900">
+              <a:buFont typeface="Arial" panose="020B0604020202020204" pitchFamily="34" charset="0"/>
+              <a:buChar char="•"/>
+            </a:pPr>
+            <a:r>
+              <a:rPr lang="en-IN" sz="2000" dirty="0"/>
+              <a:t>Users are employing Ad-blockers citing user experience, privacy and protection against malware as the top reasons.</a:t>
+            </a:r>
+          </a:p>
+          <a:p>
+            <a:pPr marL="342900" indent="-342900">
+              <a:buFont typeface="Arial" panose="020B0604020202020204" pitchFamily="34" charset="0"/>
+              <a:buChar char="•"/>
+            </a:pPr>
+            <a:endParaRPr lang="en-IN" sz="2000" dirty="0"/>
+          </a:p>
+          <a:p>
+            <a:pPr marL="342900" indent="-342900">
+              <a:buFont typeface="Arial" panose="020B0604020202020204" pitchFamily="34" charset="0"/>
+              <a:buChar char="•"/>
+            </a:pPr>
+            <a:r>
+              <a:rPr lang="en-IN" sz="2000" dirty="0"/>
+              <a:t>Publishers are employing Anti Ad-blockers, scripts and notifications that ask users to disable Ad-blocker tools.</a:t>
+            </a:r>
+          </a:p>
+          <a:p>
+            <a:endParaRPr lang="en-IN" sz="2000" dirty="0"/>
+          </a:p>
+          <a:p>
+            <a:pPr marL="342900" indent="-342900">
+              <a:buFont typeface="Arial" panose="020B0604020202020204" pitchFamily="34" charset="0"/>
+              <a:buChar char="•"/>
+            </a:pPr>
+            <a:endParaRPr lang="en-IN" sz="2000" dirty="0"/>
+          </a:p>
+        </p:txBody>
+      </p:sp>
+      <p:sp>
+        <p:nvSpPr>
+          <p:cNvPr id="3" name="Titel 2"/>
           <p:cNvSpPr>
             <a:spLocks noGrp="1"/>
           </p:cNvSpPr>
@@ -9276,24 +10975,24 @@
             <p:ph type="title"/>
           </p:nvPr>
         </p:nvSpPr>
-        <p:spPr/>
+        <p:spPr>
+          <a:prstGeom prst="rect">
+            <a:avLst/>
+          </a:prstGeom>
+        </p:spPr>
         <p:txBody>
           <a:bodyPr/>
           <a:lstStyle/>
           <a:p>
             <a:r>
-              <a:rPr lang="en-IN" dirty="0"/>
-              <a:t>Contents</a:t>
-            </a:r>
+              <a:rPr lang="en-IN" sz="3000" dirty="0"/>
+              <a:t>Introduction</a:t>
+            </a:r>
+            <a:endParaRPr lang="de-DE" sz="3000" dirty="0"/>
           </a:p>
         </p:txBody>
       </p:sp>
     </p:spTree>
-    <p:extLst>
-      <p:ext uri="{BB962C8B-B14F-4D97-AF65-F5344CB8AC3E}">
-        <p14:creationId xmlns:p14="http://schemas.microsoft.com/office/powerpoint/2010/main" val="1480529950"/>
-      </p:ext>
-    </p:extLst>
   </p:cSld>
   <p:clrMapOvr>
     <a:masterClrMapping/>
@@ -9736,7 +11435,7 @@
           <p:nvPr/>
         </p:nvPicPr>
         <p:blipFill>
-          <a:blip r:embed="rId2"/>
+          <a:blip r:embed="rId3"/>
           <a:stretch>
             <a:fillRect/>
           </a:stretch>
@@ -9835,7 +11534,7 @@
             </a:r>
             <a:r>
               <a:rPr lang="en-IN" sz="2000" dirty="0"/>
-              <a:t>: Ads must not disrupt the user’s natural reading flow. They must be placed on the top, side or below the Primary Content.</a:t>
+              <a:t> </a:t>
             </a:r>
           </a:p>
           <a:p>
@@ -9850,10 +11549,7 @@
               <a:rPr lang="en-IN" sz="2000" i="1" dirty="0"/>
               <a:t>Distinction</a:t>
             </a:r>
-            <a:r>
-              <a:rPr lang="en-IN" sz="2000" dirty="0"/>
-              <a:t>: Ads should not be mixed with any other content so that it overlaps with the Primary Content.</a:t>
-            </a:r>
+            <a:endParaRPr lang="en-IN" sz="2000" dirty="0"/>
           </a:p>
           <a:p>
             <a:pPr marL="519113" lvl="1" indent="-342900">
@@ -9866,10 +11562,6 @@
             <a:r>
               <a:rPr lang="en-IN" sz="2000" i="1" dirty="0"/>
               <a:t>Size</a:t>
-            </a:r>
-            <a:r>
-              <a:rPr lang="en-IN" sz="2000" dirty="0"/>
-              <a:t>: A strict individual size requirement is placed for Acceptable Ads. </a:t>
             </a:r>
           </a:p>
           <a:p>
@@ -10057,7 +11749,7 @@
             </a:pPr>
             <a:r>
               <a:rPr lang="en-IN" sz="2000" dirty="0"/>
-              <a:t>Some websites have started charging users for an ad-free version of their websites.</a:t>
+              <a:t>Some websites have started charging users for an ad-free version of their websites by asking users to subscribing to them.</a:t>
             </a:r>
           </a:p>
         </p:txBody>
@@ -10330,15 +12022,69 @@
           <a:p>
             <a:pPr marL="342900" indent="-342900">
               <a:lnSpc>
-                <a:spcPct val="100000"/>
+                <a:spcPct val="150000"/>
               </a:lnSpc>
               <a:buFont typeface="Arial" panose="020B0604020202020204" pitchFamily="34" charset="0"/>
               <a:buChar char="•"/>
             </a:pPr>
             <a:r>
               <a:rPr lang="en-IN" sz="2000" dirty="0"/>
-              <a:t>Increasing transparency…</a:t>
-            </a:r>
+              <a:t>Ads are the biggest sources of revenue for publishers on the world wide web.</a:t>
+            </a:r>
+          </a:p>
+          <a:p>
+            <a:pPr marL="342900" indent="-342900">
+              <a:lnSpc>
+                <a:spcPct val="150000"/>
+              </a:lnSpc>
+              <a:buFont typeface="Arial" panose="020B0604020202020204" pitchFamily="34" charset="0"/>
+              <a:buChar char="•"/>
+            </a:pPr>
+            <a:endParaRPr lang="en-IN" sz="2000" dirty="0"/>
+          </a:p>
+          <a:p>
+            <a:pPr marL="342900" indent="-342900">
+              <a:lnSpc>
+                <a:spcPct val="150000"/>
+              </a:lnSpc>
+              <a:buFont typeface="Arial" panose="020B0604020202020204" pitchFamily="34" charset="0"/>
+              <a:buChar char="•"/>
+            </a:pPr>
+            <a:r>
+              <a:rPr lang="en-IN" sz="2000" dirty="0"/>
+              <a:t>Many websites have come up with a subscription model.</a:t>
+            </a:r>
+          </a:p>
+          <a:p>
+            <a:pPr marL="342900" indent="-342900">
+              <a:lnSpc>
+                <a:spcPct val="150000"/>
+              </a:lnSpc>
+              <a:buFont typeface="Arial" panose="020B0604020202020204" pitchFamily="34" charset="0"/>
+              <a:buChar char="•"/>
+            </a:pPr>
+            <a:endParaRPr lang="en-IN" sz="2000" dirty="0"/>
+          </a:p>
+          <a:p>
+            <a:pPr marL="342900" indent="-342900">
+              <a:lnSpc>
+                <a:spcPct val="150000"/>
+              </a:lnSpc>
+              <a:buFont typeface="Arial" panose="020B0604020202020204" pitchFamily="34" charset="0"/>
+              <a:buChar char="•"/>
+            </a:pPr>
+            <a:r>
+              <a:rPr lang="en-IN" sz="2000" dirty="0"/>
+              <a:t>Some publishers, part of the Acceptable Ads programme, may not reveal all details regarding their deal with Ad-blocker companies.</a:t>
+            </a:r>
+          </a:p>
+          <a:p>
+            <a:pPr>
+              <a:lnSpc>
+                <a:spcPct val="150000"/>
+              </a:lnSpc>
+            </a:pPr>
+            <a:endParaRPr lang="en-IN" sz="2000" dirty="0"/>
           </a:p>
         </p:txBody>
       </p:sp>
@@ -10421,14 +12167,133 @@
           <a:p>
             <a:pPr marL="342900" indent="-342900">
               <a:lnSpc>
-                <a:spcPct val="100000"/>
+                <a:spcPct val="150000"/>
               </a:lnSpc>
               <a:buFont typeface="Arial" panose="020B0604020202020204" pitchFamily="34" charset="0"/>
               <a:buChar char="•"/>
             </a:pPr>
             <a:r>
               <a:rPr lang="en-IN" sz="2000" dirty="0"/>
-              <a:t>The Munich higher regional court also noted that the software did not violate any competition laws in Germany, with </a:t>
+              <a:t>There have been many legal battle fought till date, e.g., between </a:t>
+            </a:r>
+            <a:r>
+              <a:rPr lang="en-IN" sz="2000" dirty="0" err="1"/>
+              <a:t>Adblock</a:t>
+            </a:r>
+            <a:r>
+              <a:rPr lang="en-IN" sz="2000" dirty="0"/>
+              <a:t> Plus company </a:t>
+            </a:r>
+            <a:r>
+              <a:rPr lang="en-IN" sz="2000" dirty="0" err="1"/>
+              <a:t>Eyeo</a:t>
+            </a:r>
+            <a:r>
+              <a:rPr lang="en-IN" sz="2000" dirty="0"/>
+              <a:t> and </a:t>
+            </a:r>
+            <a:r>
+              <a:rPr lang="de-DE" sz="2000" dirty="0" err="1"/>
+              <a:t>Sueddeutsche</a:t>
+            </a:r>
+            <a:r>
+              <a:rPr lang="de-DE" sz="2000" dirty="0"/>
+              <a:t> Zeitung, Pro-Sieben-Sat.1, </a:t>
+            </a:r>
+            <a:r>
+              <a:rPr lang="de-DE" sz="2000" dirty="0" err="1"/>
+              <a:t>and</a:t>
+            </a:r>
+            <a:r>
+              <a:rPr lang="de-DE" sz="2000" dirty="0"/>
+              <a:t> IP Deutschland. </a:t>
+            </a:r>
+            <a:r>
+              <a:rPr lang="de-DE" sz="2000" dirty="0" err="1"/>
+              <a:t>However</a:t>
+            </a:r>
+            <a:r>
+              <a:rPr lang="de-DE" sz="2000" dirty="0"/>
+              <a:t>, German </a:t>
+            </a:r>
+            <a:r>
+              <a:rPr lang="de-DE" sz="2000" dirty="0" err="1"/>
+              <a:t>courts</a:t>
+            </a:r>
+            <a:r>
+              <a:rPr lang="de-DE" sz="2000" dirty="0"/>
+              <a:t> </a:t>
+            </a:r>
+            <a:r>
+              <a:rPr lang="de-DE" sz="2000" dirty="0" err="1"/>
+              <a:t>have</a:t>
+            </a:r>
+            <a:r>
+              <a:rPr lang="de-DE" sz="2000" dirty="0"/>
+              <a:t> </a:t>
+            </a:r>
+            <a:r>
+              <a:rPr lang="de-DE" sz="2000" dirty="0" err="1"/>
+              <a:t>always</a:t>
+            </a:r>
+            <a:r>
+              <a:rPr lang="de-DE" sz="2000" dirty="0"/>
+              <a:t> </a:t>
+            </a:r>
+            <a:r>
+              <a:rPr lang="de-DE" sz="2000" dirty="0" err="1"/>
+              <a:t>ruled</a:t>
+            </a:r>
+            <a:r>
+              <a:rPr lang="de-DE" sz="2000" dirty="0"/>
+              <a:t> in </a:t>
+            </a:r>
+            <a:r>
+              <a:rPr lang="de-DE" sz="2000" dirty="0" err="1"/>
+              <a:t>favour</a:t>
+            </a:r>
+            <a:r>
+              <a:rPr lang="de-DE" sz="2000" dirty="0"/>
+              <a:t> </a:t>
+            </a:r>
+            <a:r>
+              <a:rPr lang="de-DE" sz="2000" dirty="0" err="1"/>
+              <a:t>of</a:t>
+            </a:r>
+            <a:r>
+              <a:rPr lang="de-DE" sz="2000" dirty="0"/>
+              <a:t> Ad-blockers.</a:t>
+            </a:r>
+          </a:p>
+          <a:p>
+            <a:pPr marL="342900" indent="-342900">
+              <a:lnSpc>
+                <a:spcPct val="150000"/>
+              </a:lnSpc>
+              <a:buFont typeface="Arial" panose="020B0604020202020204" pitchFamily="34" charset="0"/>
+              <a:buChar char="•"/>
+            </a:pPr>
+            <a:endParaRPr lang="en-IN" sz="2000" dirty="0"/>
+          </a:p>
+          <a:p>
+            <a:pPr marL="342900" indent="-342900">
+              <a:lnSpc>
+                <a:spcPct val="150000"/>
+              </a:lnSpc>
+              <a:buFont typeface="Arial" panose="020B0604020202020204" pitchFamily="34" charset="0"/>
+              <a:buChar char="•"/>
+            </a:pPr>
+            <a:r>
+              <a:rPr lang="en-IN" sz="2000" dirty="0"/>
+              <a:t>The Munich higher regional court noted that the </a:t>
+            </a:r>
+            <a:r>
+              <a:rPr lang="en-IN" sz="2000" dirty="0" err="1"/>
+              <a:t>Adblock</a:t>
+            </a:r>
+            <a:r>
+              <a:rPr lang="en-IN" sz="2000" dirty="0"/>
+              <a:t> Plus did not violate any competition laws in Germany, with </a:t>
             </a:r>
             <a:r>
               <a:rPr lang="en-IN" sz="2000" dirty="0" err="1"/>
@@ -10436,13 +12301,13 @@
             </a:r>
             <a:r>
               <a:rPr lang="en-IN" sz="2000" dirty="0"/>
-              <a:t> business model not qualifying as "forbidden aggressive advertising“….</a:t>
+              <a:t> business model not qualifying as “forbidden aggressive advertising”.</a:t>
             </a:r>
           </a:p>
           <a:p>
             <a:pPr marL="342900" indent="-342900">
               <a:lnSpc>
-                <a:spcPct val="100000"/>
+                <a:spcPct val="150000"/>
               </a:lnSpc>
               <a:buFont typeface="Arial" panose="020B0604020202020204" pitchFamily="34" charset="0"/>
               <a:buChar char="•"/>
@@ -10452,14 +12317,14 @@
           <a:p>
             <a:pPr marL="342900" indent="-342900">
               <a:lnSpc>
-                <a:spcPct val="100000"/>
+                <a:spcPct val="150000"/>
               </a:lnSpc>
               <a:buFont typeface="Arial" panose="020B0604020202020204" pitchFamily="34" charset="0"/>
               <a:buChar char="•"/>
             </a:pPr>
             <a:r>
               <a:rPr lang="en-IN" sz="2000" dirty="0"/>
-              <a:t>It is legal!!!</a:t>
+              <a:t>It is legal!</a:t>
             </a:r>
           </a:p>
         </p:txBody>
@@ -10543,20 +12408,20 @@
           <a:p>
             <a:pPr marL="342900" indent="-342900">
               <a:lnSpc>
-                <a:spcPct val="100000"/>
+                <a:spcPct val="150000"/>
               </a:lnSpc>
               <a:buFont typeface="Arial" panose="020B0604020202020204" pitchFamily="34" charset="0"/>
               <a:buChar char="•"/>
             </a:pPr>
             <a:r>
               <a:rPr lang="en-IN" sz="2000" dirty="0"/>
-              <a:t>Which classifier best?</a:t>
+              <a:t>25 websites out of 1477 websites use Ad-block detection scripts.</a:t>
             </a:r>
           </a:p>
           <a:p>
             <a:pPr marL="342900" indent="-342900">
               <a:lnSpc>
-                <a:spcPct val="100000"/>
+                <a:spcPct val="150000"/>
               </a:lnSpc>
               <a:buFont typeface="Arial" panose="020B0604020202020204" pitchFamily="34" charset="0"/>
               <a:buChar char="•"/>
@@ -10566,20 +12431,20 @@
           <a:p>
             <a:pPr marL="342900" indent="-342900">
               <a:lnSpc>
-                <a:spcPct val="100000"/>
+                <a:spcPct val="150000"/>
               </a:lnSpc>
               <a:buFont typeface="Arial" panose="020B0604020202020204" pitchFamily="34" charset="0"/>
               <a:buChar char="•"/>
             </a:pPr>
             <a:r>
               <a:rPr lang="en-IN" sz="2000" dirty="0"/>
-              <a:t>Bias in selecting websites for Germany.</a:t>
+              <a:t>Random Forest classifier generates the highest precision.</a:t>
             </a:r>
           </a:p>
           <a:p>
             <a:pPr marL="342900" indent="-342900">
               <a:lnSpc>
-                <a:spcPct val="100000"/>
+                <a:spcPct val="150000"/>
               </a:lnSpc>
               <a:buFont typeface="Arial" panose="020B0604020202020204" pitchFamily="34" charset="0"/>
               <a:buChar char="•"/>
@@ -10589,43 +12454,41 @@
           <a:p>
             <a:pPr marL="342900" indent="-342900">
               <a:lnSpc>
-                <a:spcPct val="100000"/>
+                <a:spcPct val="150000"/>
               </a:lnSpc>
               <a:buFont typeface="Arial" panose="020B0604020202020204" pitchFamily="34" charset="0"/>
               <a:buChar char="•"/>
             </a:pPr>
             <a:r>
               <a:rPr lang="en-IN" sz="2000" dirty="0"/>
-              <a:t>Trend of Ad-blocker software usage.</a:t>
-            </a:r>
+              <a:t>Major categories of websites in Germany that use ad-blocker detection are News, Sports, Business and Pornography.</a:t>
+            </a:r>
+          </a:p>
+          <a:p>
+            <a:pPr>
+              <a:lnSpc>
+                <a:spcPct val="150000"/>
+              </a:lnSpc>
+            </a:pPr>
+            <a:endParaRPr lang="en-IN" sz="2000" dirty="0"/>
           </a:p>
           <a:p>
             <a:pPr marL="342900" indent="-342900">
               <a:lnSpc>
-                <a:spcPct val="100000"/>
+                <a:spcPct val="150000"/>
               </a:lnSpc>
               <a:buFont typeface="Arial" panose="020B0604020202020204" pitchFamily="34" charset="0"/>
               <a:buChar char="•"/>
             </a:pPr>
-            <a:endParaRPr lang="en-IN" sz="2000" dirty="0"/>
-          </a:p>
-          <a:p>
-            <a:pPr marL="342900" indent="-342900">
-              <a:lnSpc>
-                <a:spcPct val="100000"/>
-              </a:lnSpc>
-              <a:buFont typeface="Arial" panose="020B0604020202020204" pitchFamily="34" charset="0"/>
-              <a:buChar char="•"/>
-            </a:pPr>
             <a:r>
               <a:rPr lang="en-IN" sz="2000" dirty="0"/>
-              <a:t>Legality in Germany.</a:t>
+              <a:t>German courts have ruled in favour of Ad-blocker tools till date.</a:t>
             </a:r>
           </a:p>
           <a:p>
             <a:pPr>
               <a:lnSpc>
-                <a:spcPct val="100000"/>
+                <a:spcPct val="150000"/>
               </a:lnSpc>
             </a:pPr>
             <a:endParaRPr lang="en-IN" sz="2000" dirty="0"/>
@@ -10691,6 +12554,193 @@
       </p:grpSpPr>
       <p:sp>
         <p:nvSpPr>
+          <p:cNvPr id="2" name="Inhaltsplatzhalter 1"/>
+          <p:cNvSpPr>
+            <a:spLocks noGrp="1"/>
+          </p:cNvSpPr>
+          <p:nvPr>
+            <p:ph idx="1"/>
+          </p:nvPr>
+        </p:nvSpPr>
+        <p:spPr>
+          <a:xfrm>
+            <a:off x="319090" y="1762188"/>
+            <a:ext cx="8508999" cy="4436953"/>
+          </a:xfrm>
+        </p:spPr>
+        <p:txBody>
+          <a:bodyPr/>
+          <a:lstStyle/>
+          <a:p>
+            <a:pPr marL="342900" indent="-342900">
+              <a:lnSpc>
+                <a:spcPct val="150000"/>
+              </a:lnSpc>
+              <a:buFont typeface="Arial" panose="020B0604020202020204" pitchFamily="34" charset="0"/>
+              <a:buChar char="•"/>
+            </a:pPr>
+            <a:r>
+              <a:rPr lang="en-IN" sz="2000" dirty="0" err="1"/>
+              <a:t>Haris</a:t>
+            </a:r>
+            <a:r>
+              <a:rPr lang="en-IN" sz="2000" dirty="0"/>
+              <a:t> et. al. Detecting Anti Ad-blockers in the wild. Proceedings on privacy enhancing technologies (2015)</a:t>
+            </a:r>
+          </a:p>
+          <a:p>
+            <a:pPr marL="342900" indent="-342900">
+              <a:lnSpc>
+                <a:spcPct val="150000"/>
+              </a:lnSpc>
+              <a:buFont typeface="Arial" panose="020B0604020202020204" pitchFamily="34" charset="0"/>
+              <a:buChar char="•"/>
+            </a:pPr>
+            <a:endParaRPr lang="en-IN" sz="2000" dirty="0"/>
+          </a:p>
+          <a:p>
+            <a:pPr marL="342900" indent="-342900">
+              <a:lnSpc>
+                <a:spcPct val="150000"/>
+              </a:lnSpc>
+              <a:buFont typeface="Arial" panose="020B0604020202020204" pitchFamily="34" charset="0"/>
+              <a:buChar char="•"/>
+            </a:pPr>
+            <a:r>
+              <a:rPr lang="en-IN" sz="2000" dirty="0" err="1"/>
+              <a:t>Rishab</a:t>
+            </a:r>
+            <a:r>
+              <a:rPr lang="en-IN" sz="2000" dirty="0"/>
+              <a:t> et. al. Ad-blocking and counter blocking: A slice of the arms race (2016)</a:t>
+            </a:r>
+          </a:p>
+          <a:p>
+            <a:pPr marL="342900" indent="-342900">
+              <a:lnSpc>
+                <a:spcPct val="150000"/>
+              </a:lnSpc>
+              <a:buFont typeface="Arial" panose="020B0604020202020204" pitchFamily="34" charset="0"/>
+              <a:buChar char="•"/>
+            </a:pPr>
+            <a:endParaRPr lang="en-IN" sz="2000" dirty="0"/>
+          </a:p>
+          <a:p>
+            <a:pPr marL="342900" indent="-342900">
+              <a:lnSpc>
+                <a:spcPct val="150000"/>
+              </a:lnSpc>
+              <a:buFont typeface="Arial" panose="020B0604020202020204" pitchFamily="34" charset="0"/>
+              <a:buChar char="•"/>
+            </a:pPr>
+            <a:r>
+              <a:rPr lang="en-IN" sz="2000" dirty="0"/>
+              <a:t>The cost of ad blocking: </a:t>
+            </a:r>
+            <a:r>
+              <a:rPr lang="en-IN" sz="2000" dirty="0" err="1"/>
+              <a:t>PageFair</a:t>
+            </a:r>
+            <a:r>
+              <a:rPr lang="en-IN" sz="2000" dirty="0"/>
+              <a:t> and Adobe report (2015)</a:t>
+            </a:r>
+          </a:p>
+          <a:p>
+            <a:pPr marL="342900" indent="-342900">
+              <a:lnSpc>
+                <a:spcPct val="150000"/>
+              </a:lnSpc>
+              <a:buFont typeface="Arial" panose="020B0604020202020204" pitchFamily="34" charset="0"/>
+              <a:buChar char="•"/>
+            </a:pPr>
+            <a:endParaRPr lang="en-IN" sz="2000" dirty="0"/>
+          </a:p>
+          <a:p>
+            <a:pPr marL="342900" indent="-342900">
+              <a:lnSpc>
+                <a:spcPct val="150000"/>
+              </a:lnSpc>
+              <a:buFont typeface="Arial" panose="020B0604020202020204" pitchFamily="34" charset="0"/>
+              <a:buChar char="•"/>
+            </a:pPr>
+            <a:r>
+              <a:rPr lang="de-DE" sz="2000" dirty="0"/>
+              <a:t>Urteil des Landgerichts Hamburg (Az. 315 O 293/15) (2016) </a:t>
+            </a:r>
+            <a:r>
+              <a:rPr lang="de-DE" sz="1400" dirty="0">
+                <a:hlinkClick r:id="rId3"/>
+              </a:rPr>
+              <a:t>http://www.landesrecht-hamburg.de/jportal/portal/page/bsharprod.psml?showdoccase=1&amp;doc.id=JURE170021729&amp;st=ent</a:t>
+            </a:r>
+            <a:r>
+              <a:rPr lang="de-DE" sz="1400" dirty="0"/>
+              <a:t> </a:t>
+            </a:r>
+            <a:endParaRPr lang="en-IN" sz="2000" dirty="0"/>
+          </a:p>
+        </p:txBody>
+      </p:sp>
+      <p:sp>
+        <p:nvSpPr>
+          <p:cNvPr id="3" name="Titel 2"/>
+          <p:cNvSpPr>
+            <a:spLocks noGrp="1"/>
+          </p:cNvSpPr>
+          <p:nvPr>
+            <p:ph type="title"/>
+          </p:nvPr>
+        </p:nvSpPr>
+        <p:spPr>
+          <a:prstGeom prst="rect">
+            <a:avLst/>
+          </a:prstGeom>
+        </p:spPr>
+        <p:txBody>
+          <a:bodyPr/>
+          <a:lstStyle/>
+          <a:p>
+            <a:r>
+              <a:rPr lang="en-IN" dirty="0"/>
+              <a:t>References</a:t>
+            </a:r>
+            <a:endParaRPr lang="de-DE" sz="3000" dirty="0"/>
+          </a:p>
+        </p:txBody>
+      </p:sp>
+    </p:spTree>
+    <p:extLst>
+      <p:ext uri="{BB962C8B-B14F-4D97-AF65-F5344CB8AC3E}">
+        <p14:creationId xmlns:p14="http://schemas.microsoft.com/office/powerpoint/2010/main" val="1244919732"/>
+      </p:ext>
+    </p:extLst>
+  </p:cSld>
+  <p:clrMapOvr>
+    <a:masterClrMapping/>
+  </p:clrMapOvr>
+</p:sld>
+</file>
+
+<file path=ppt/slides/slide29.xml><?xml version="1.0" encoding="utf-8"?>
+<p:sld xmlns:a="http://schemas.openxmlformats.org/drawingml/2006/main" xmlns:r="http://schemas.openxmlformats.org/officeDocument/2006/relationships" xmlns:p="http://schemas.openxmlformats.org/presentationml/2006/main">
+  <p:cSld>
+    <p:spTree>
+      <p:nvGrpSpPr>
+        <p:cNvPr id="1" name=""/>
+        <p:cNvGrpSpPr/>
+        <p:nvPr/>
+      </p:nvGrpSpPr>
+      <p:grpSpPr>
+        <a:xfrm>
+          <a:off x="0" y="0"/>
+          <a:ext cx="0" cy="0"/>
+          <a:chOff x="0" y="0"/>
+          <a:chExt cx="0" cy="0"/>
+        </a:xfrm>
+      </p:grpSpPr>
+      <p:sp>
+        <p:nvSpPr>
           <p:cNvPr id="5" name="Titel 4"/>
           <p:cNvSpPr>
             <a:spLocks noGrp="1"/>
@@ -10757,70 +12807,121 @@
           <a:lstStyle/>
           <a:p>
             <a:pPr marL="342900" indent="-342900">
+              <a:lnSpc>
+                <a:spcPct val="150000"/>
+              </a:lnSpc>
               <a:buFont typeface="Arial" panose="020B0604020202020204" pitchFamily="34" charset="0"/>
               <a:buChar char="•"/>
             </a:pPr>
             <a:r>
               <a:rPr lang="en-IN" sz="2000" dirty="0"/>
-              <a:t>Online advertisements drives the economy of the World Wide Web.</a:t>
-            </a:r>
-          </a:p>
-          <a:p>
-            <a:pPr marL="342900" indent="-342900">
+              <a:t>In our paper, we study various aspects of Anti Ad-blockers including:</a:t>
+            </a:r>
+          </a:p>
+          <a:p>
+            <a:pPr marL="519113" lvl="1" indent="-342900">
+              <a:lnSpc>
+                <a:spcPct val="150000"/>
+              </a:lnSpc>
               <a:buFont typeface="Arial" panose="020B0604020202020204" pitchFamily="34" charset="0"/>
               <a:buChar char="•"/>
             </a:pPr>
-            <a:endParaRPr lang="en-IN" sz="2000" dirty="0"/>
-          </a:p>
-          <a:p>
-            <a:pPr marL="342900" indent="-342900">
+            <a:r>
+              <a:rPr lang="en-IN" sz="2000" dirty="0"/>
+              <a:t>We study the usage of Ad-blocker scripts and their mechanisms.</a:t>
+            </a:r>
+          </a:p>
+          <a:p>
+            <a:pPr marL="519113" lvl="1" indent="-342900">
+              <a:lnSpc>
+                <a:spcPct val="150000"/>
+              </a:lnSpc>
               <a:buFont typeface="Arial" panose="020B0604020202020204" pitchFamily="34" charset="0"/>
               <a:buChar char="•"/>
             </a:pPr>
             <a:r>
               <a:rPr lang="en-IN" sz="2000" dirty="0"/>
-              <a:t>Promotional content (ads) have found their way into websites at different strategic locations on webpages.</a:t>
-            </a:r>
-          </a:p>
-          <a:p>
-            <a:pPr marL="342900" indent="-342900">
+              <a:t>We discuss the methodology used in detecting Anti Ad-blockers.</a:t>
+            </a:r>
+          </a:p>
+          <a:p>
+            <a:pPr marL="519113" lvl="1" indent="-342900">
+              <a:lnSpc>
+                <a:spcPct val="150000"/>
+              </a:lnSpc>
               <a:buFont typeface="Arial" panose="020B0604020202020204" pitchFamily="34" charset="0"/>
               <a:buChar char="•"/>
             </a:pPr>
-            <a:endParaRPr lang="en-IN" sz="2000" dirty="0"/>
-          </a:p>
-          <a:p>
-            <a:pPr marL="342900" indent="-342900">
+            <a:r>
+              <a:rPr lang="en-IN" sz="2000" dirty="0"/>
+              <a:t>We discuss on the findings of our results for the data set.</a:t>
+            </a:r>
+          </a:p>
+          <a:p>
+            <a:pPr marL="519113" lvl="1" indent="-342900">
+              <a:lnSpc>
+                <a:spcPct val="150000"/>
+              </a:lnSpc>
               <a:buFont typeface="Arial" panose="020B0604020202020204" pitchFamily="34" charset="0"/>
               <a:buChar char="•"/>
             </a:pPr>
             <a:r>
               <a:rPr lang="en-IN" sz="2000" dirty="0"/>
-              <a:t>Users are employing Ad-blockers citing user experience, privacy and protection against malware as the top reasons.</a:t>
-            </a:r>
-          </a:p>
-          <a:p>
-            <a:pPr marL="342900" indent="-342900">
+              <a:t>We analyse Anti Ad-blocker scripts.</a:t>
+            </a:r>
+          </a:p>
+          <a:p>
+            <a:pPr marL="519113" lvl="1" indent="-342900">
+              <a:lnSpc>
+                <a:spcPct val="150000"/>
+              </a:lnSpc>
               <a:buFont typeface="Arial" panose="020B0604020202020204" pitchFamily="34" charset="0"/>
               <a:buChar char="•"/>
             </a:pPr>
-            <a:endParaRPr lang="en-IN" sz="2000" dirty="0"/>
-          </a:p>
-          <a:p>
-            <a:pPr marL="342900" indent="-342900">
+            <a:r>
+              <a:rPr lang="en-IN" sz="2000" dirty="0"/>
+              <a:t>We discuss the economic impact of Anti Ad-blockers.</a:t>
+            </a:r>
+          </a:p>
+          <a:p>
+            <a:pPr marL="519113" lvl="1" indent="-342900">
+              <a:lnSpc>
+                <a:spcPct val="150000"/>
+              </a:lnSpc>
               <a:buFont typeface="Arial" panose="020B0604020202020204" pitchFamily="34" charset="0"/>
               <a:buChar char="•"/>
             </a:pPr>
             <a:r>
               <a:rPr lang="en-IN" sz="2000" dirty="0"/>
-              <a:t>Publishers are employing Anti Ad-blockers, scripts and notifications that ask users to disable Ad-blocker tools.</a:t>
-            </a:r>
-          </a:p>
-          <a:p>
+              <a:t>We discuss the legality and ethical aspects of using Anti Ad-blockers.</a:t>
+            </a:r>
+          </a:p>
+          <a:p>
+            <a:pPr marL="519113" lvl="1" indent="-342900">
+              <a:lnSpc>
+                <a:spcPct val="150000"/>
+              </a:lnSpc>
+              <a:buFont typeface="Arial" panose="020B0604020202020204" pitchFamily="34" charset="0"/>
+              <a:buChar char="•"/>
+            </a:pPr>
+            <a:r>
+              <a:rPr lang="en-IN" sz="2000" dirty="0"/>
+              <a:t>We discuss alternatives to Anti Ad-blocking.</a:t>
+            </a:r>
+          </a:p>
+          <a:p>
+            <a:pPr>
+              <a:lnSpc>
+                <a:spcPct val="150000"/>
+              </a:lnSpc>
+            </a:pPr>
             <a:endParaRPr lang="en-IN" sz="2000" dirty="0"/>
           </a:p>
           <a:p>
             <a:pPr marL="342900" indent="-342900">
+              <a:lnSpc>
+                <a:spcPct val="150000"/>
+              </a:lnSpc>
               <a:buFont typeface="Arial" panose="020B0604020202020204" pitchFamily="34" charset="0"/>
               <a:buChar char="•"/>
             </a:pPr>
@@ -10849,13 +12950,18 @@
           <a:p>
             <a:r>
               <a:rPr lang="en-IN" sz="3000" dirty="0"/>
-              <a:t>Introduction</a:t>
+              <a:t>Roadmap</a:t>
             </a:r>
             <a:endParaRPr lang="de-DE" sz="3000" dirty="0"/>
           </a:p>
         </p:txBody>
       </p:sp>
     </p:spTree>
+    <p:extLst>
+      <p:ext uri="{BB962C8B-B14F-4D97-AF65-F5344CB8AC3E}">
+        <p14:creationId xmlns:p14="http://schemas.microsoft.com/office/powerpoint/2010/main" val="4264529372"/>
+      </p:ext>
+    </p:extLst>
   </p:cSld>
   <p:clrMapOvr>
     <a:masterClrMapping/>
@@ -10890,127 +12996,30 @@
             <p:ph idx="1"/>
           </p:nvPr>
         </p:nvSpPr>
-        <p:spPr/>
+        <p:spPr>
+          <a:xfrm>
+            <a:off x="319090" y="1762188"/>
+            <a:ext cx="8508999" cy="4436953"/>
+          </a:xfrm>
+        </p:spPr>
         <p:txBody>
           <a:bodyPr/>
           <a:lstStyle/>
           <a:p>
             <a:pPr marL="342900" indent="-342900">
-              <a:lnSpc>
-                <a:spcPct val="150000"/>
-              </a:lnSpc>
               <a:buFont typeface="Arial" panose="020B0604020202020204" pitchFamily="34" charset="0"/>
               <a:buChar char="•"/>
             </a:pPr>
             <a:r>
               <a:rPr lang="en-IN" sz="2000" dirty="0"/>
-              <a:t>In our paper, we study various aspects of Anti Ad-blockers including:</a:t>
-            </a:r>
-          </a:p>
-          <a:p>
-            <a:pPr marL="519113" lvl="1" indent="-342900">
-              <a:lnSpc>
-                <a:spcPct val="150000"/>
-              </a:lnSpc>
-              <a:buFont typeface="Arial" panose="020B0604020202020204" pitchFamily="34" charset="0"/>
-              <a:buChar char="•"/>
-            </a:pPr>
-            <a:r>
-              <a:rPr lang="en-IN" sz="2000" dirty="0"/>
-              <a:t>We study the usage of Ad-blocker scripts and their mechanisms.</a:t>
-            </a:r>
-          </a:p>
-          <a:p>
-            <a:pPr marL="519113" lvl="1" indent="-342900">
-              <a:lnSpc>
-                <a:spcPct val="150000"/>
-              </a:lnSpc>
-              <a:buFont typeface="Arial" panose="020B0604020202020204" pitchFamily="34" charset="0"/>
-              <a:buChar char="•"/>
-            </a:pPr>
-            <a:r>
-              <a:rPr lang="en-IN" sz="2000" dirty="0"/>
-              <a:t>We discuss the methodology used in detecting Anti Ad-blockers.</a:t>
-            </a:r>
-          </a:p>
-          <a:p>
-            <a:pPr marL="519113" lvl="1" indent="-342900">
-              <a:lnSpc>
-                <a:spcPct val="150000"/>
-              </a:lnSpc>
-              <a:buFont typeface="Arial" panose="020B0604020202020204" pitchFamily="34" charset="0"/>
-              <a:buChar char="•"/>
-            </a:pPr>
-            <a:r>
-              <a:rPr lang="en-IN" sz="2000" dirty="0"/>
-              <a:t>We discuss on the findings of our results for the data set.</a:t>
-            </a:r>
-          </a:p>
-          <a:p>
-            <a:pPr marL="519113" lvl="1" indent="-342900">
-              <a:lnSpc>
-                <a:spcPct val="150000"/>
-              </a:lnSpc>
-              <a:buFont typeface="Arial" panose="020B0604020202020204" pitchFamily="34" charset="0"/>
-              <a:buChar char="•"/>
-            </a:pPr>
-            <a:r>
-              <a:rPr lang="en-IN" sz="2000" dirty="0"/>
-              <a:t>We analyse Anti Ad-blocker scripts .</a:t>
-            </a:r>
-          </a:p>
-          <a:p>
-            <a:pPr marL="519113" lvl="1" indent="-342900">
-              <a:lnSpc>
-                <a:spcPct val="150000"/>
-              </a:lnSpc>
-              <a:buFont typeface="Arial" panose="020B0604020202020204" pitchFamily="34" charset="0"/>
-              <a:buChar char="•"/>
-            </a:pPr>
-            <a:r>
-              <a:rPr lang="en-IN" sz="2000" dirty="0"/>
-              <a:t>We discuss the economic impact of Anti Ad-blockers.</a:t>
-            </a:r>
-          </a:p>
-          <a:p>
-            <a:pPr marL="519113" lvl="1" indent="-342900">
-              <a:lnSpc>
-                <a:spcPct val="150000"/>
-              </a:lnSpc>
-              <a:buFont typeface="Arial" panose="020B0604020202020204" pitchFamily="34" charset="0"/>
-              <a:buChar char="•"/>
-            </a:pPr>
-            <a:r>
-              <a:rPr lang="en-IN" sz="2000" dirty="0"/>
-              <a:t>We discuss the legality and ethical aspects of using Anti Ad-blockers.</a:t>
-            </a:r>
-          </a:p>
-          <a:p>
-            <a:pPr marL="519113" lvl="1" indent="-342900">
-              <a:lnSpc>
-                <a:spcPct val="150000"/>
-              </a:lnSpc>
-              <a:buFont typeface="Arial" panose="020B0604020202020204" pitchFamily="34" charset="0"/>
-              <a:buChar char="•"/>
-            </a:pPr>
-            <a:r>
-              <a:rPr lang="en-IN" sz="2000" dirty="0"/>
-              <a:t>We discuss alternatives to Anti Ad-blocking.</a:t>
-            </a:r>
-          </a:p>
-          <a:p>
-            <a:pPr>
-              <a:lnSpc>
-                <a:spcPct val="150000"/>
-              </a:lnSpc>
-            </a:pPr>
+              <a:t>U.S. lead the market share with $58.13b revenue in 2017 followed by the U.K. with $11.72b and China with $10.81b.</a:t>
+            </a:r>
+          </a:p>
+          <a:p>
             <a:endParaRPr lang="en-IN" sz="2000" dirty="0"/>
           </a:p>
           <a:p>
             <a:pPr marL="342900" indent="-342900">
-              <a:lnSpc>
-                <a:spcPct val="150000"/>
-              </a:lnSpc>
               <a:buFont typeface="Arial" panose="020B0604020202020204" pitchFamily="34" charset="0"/>
               <a:buChar char="•"/>
             </a:pPr>
@@ -11039,16 +13048,76 @@
           <a:p>
             <a:r>
               <a:rPr lang="en-IN" sz="3000" dirty="0"/>
-              <a:t>Roadmap</a:t>
+              <a:t>Revenue Generation for Ads</a:t>
             </a:r>
             <a:endParaRPr lang="de-DE" sz="3000" dirty="0"/>
+          </a:p>
+        </p:txBody>
+      </p:sp>
+      <p:pic>
+        <p:nvPicPr>
+          <p:cNvPr id="5" name="Picture 4"/>
+          <p:cNvPicPr>
+            <a:picLocks noChangeAspect="1"/>
+          </p:cNvPicPr>
+          <p:nvPr/>
+        </p:nvPicPr>
+        <p:blipFill>
+          <a:blip r:embed="rId3"/>
+          <a:stretch>
+            <a:fillRect/>
+          </a:stretch>
+        </p:blipFill>
+        <p:spPr>
+          <a:xfrm>
+            <a:off x="1536244" y="2586073"/>
+            <a:ext cx="5566519" cy="3613068"/>
+          </a:xfrm>
+          <a:prstGeom prst="rect">
+            <a:avLst/>
+          </a:prstGeom>
+        </p:spPr>
+      </p:pic>
+      <p:sp>
+        <p:nvSpPr>
+          <p:cNvPr id="7" name="TextBox 6"/>
+          <p:cNvSpPr txBox="1"/>
+          <p:nvPr/>
+        </p:nvSpPr>
+        <p:spPr>
+          <a:xfrm>
+            <a:off x="3243467" y="6199141"/>
+            <a:ext cx="2152072" cy="210507"/>
+          </a:xfrm>
+          <a:prstGeom prst="rect">
+            <a:avLst/>
+          </a:prstGeom>
+          <a:noFill/>
+        </p:spPr>
+        <p:txBody>
+          <a:bodyPr wrap="square" lIns="0" tIns="0" rIns="0" bIns="0" rtlCol="0">
+            <a:spAutoFit/>
+          </a:bodyPr>
+          <a:lstStyle/>
+          <a:p>
+            <a:pPr>
+              <a:lnSpc>
+                <a:spcPct val="114000"/>
+              </a:lnSpc>
+            </a:pPr>
+            <a:r>
+              <a:rPr lang="en-IN" sz="1200" dirty="0">
+                <a:latin typeface="+mn-lt"/>
+              </a:rPr>
+              <a:t>Source: www.statista.com</a:t>
+            </a:r>
           </a:p>
         </p:txBody>
       </p:sp>
     </p:spTree>
     <p:extLst>
       <p:ext uri="{BB962C8B-B14F-4D97-AF65-F5344CB8AC3E}">
-        <p14:creationId xmlns:p14="http://schemas.microsoft.com/office/powerpoint/2010/main" val="4264529372"/>
+        <p14:creationId xmlns:p14="http://schemas.microsoft.com/office/powerpoint/2010/main" val="1300087291"/>
       </p:ext>
     </p:extLst>
   </p:cSld>
@@ -11100,164 +13169,6 @@
               <a:buChar char="•"/>
             </a:pPr>
             <a:r>
-              <a:rPr lang="en-IN" sz="2000" dirty="0"/>
-              <a:t>U.S. lead the market share with $58.13b revenue in 2017 followed by the U.K. with $11.72b and China with $10.81b.</a:t>
-            </a:r>
-          </a:p>
-          <a:p>
-            <a:endParaRPr lang="en-IN" sz="2000" dirty="0"/>
-          </a:p>
-          <a:p>
-            <a:pPr marL="342900" indent="-342900">
-              <a:buFont typeface="Arial" panose="020B0604020202020204" pitchFamily="34" charset="0"/>
-              <a:buChar char="•"/>
-            </a:pPr>
-            <a:endParaRPr lang="en-IN" sz="2000" dirty="0"/>
-          </a:p>
-        </p:txBody>
-      </p:sp>
-      <p:sp>
-        <p:nvSpPr>
-          <p:cNvPr id="3" name="Titel 2"/>
-          <p:cNvSpPr>
-            <a:spLocks noGrp="1"/>
-          </p:cNvSpPr>
-          <p:nvPr>
-            <p:ph type="title"/>
-          </p:nvPr>
-        </p:nvSpPr>
-        <p:spPr>
-          <a:prstGeom prst="rect">
-            <a:avLst/>
-          </a:prstGeom>
-        </p:spPr>
-        <p:txBody>
-          <a:bodyPr/>
-          <a:lstStyle/>
-          <a:p>
-            <a:r>
-              <a:rPr lang="en-IN" sz="3000" dirty="0"/>
-              <a:t>Revenue Generation for Ads</a:t>
-            </a:r>
-            <a:endParaRPr lang="de-DE" sz="3000" dirty="0"/>
-          </a:p>
-        </p:txBody>
-      </p:sp>
-      <p:pic>
-        <p:nvPicPr>
-          <p:cNvPr id="5" name="Picture 4"/>
-          <p:cNvPicPr>
-            <a:picLocks noChangeAspect="1"/>
-          </p:cNvPicPr>
-          <p:nvPr/>
-        </p:nvPicPr>
-        <p:blipFill>
-          <a:blip r:embed="rId2"/>
-          <a:stretch>
-            <a:fillRect/>
-          </a:stretch>
-        </p:blipFill>
-        <p:spPr>
-          <a:xfrm>
-            <a:off x="1536244" y="2586073"/>
-            <a:ext cx="5566519" cy="3613068"/>
-          </a:xfrm>
-          <a:prstGeom prst="rect">
-            <a:avLst/>
-          </a:prstGeom>
-        </p:spPr>
-      </p:pic>
-      <p:sp>
-        <p:nvSpPr>
-          <p:cNvPr id="7" name="TextBox 6"/>
-          <p:cNvSpPr txBox="1"/>
-          <p:nvPr/>
-        </p:nvSpPr>
-        <p:spPr>
-          <a:xfrm>
-            <a:off x="3243467" y="6199141"/>
-            <a:ext cx="2152072" cy="210507"/>
-          </a:xfrm>
-          <a:prstGeom prst="rect">
-            <a:avLst/>
-          </a:prstGeom>
-          <a:noFill/>
-        </p:spPr>
-        <p:txBody>
-          <a:bodyPr wrap="square" lIns="0" tIns="0" rIns="0" bIns="0" rtlCol="0">
-            <a:spAutoFit/>
-          </a:bodyPr>
-          <a:lstStyle/>
-          <a:p>
-            <a:pPr>
-              <a:lnSpc>
-                <a:spcPct val="114000"/>
-              </a:lnSpc>
-            </a:pPr>
-            <a:r>
-              <a:rPr lang="en-IN" sz="1200" dirty="0">
-                <a:latin typeface="+mn-lt"/>
-              </a:rPr>
-              <a:t>Source: www.statista.com</a:t>
-            </a:r>
-          </a:p>
-        </p:txBody>
-      </p:sp>
-    </p:spTree>
-    <p:extLst>
-      <p:ext uri="{BB962C8B-B14F-4D97-AF65-F5344CB8AC3E}">
-        <p14:creationId xmlns:p14="http://schemas.microsoft.com/office/powerpoint/2010/main" val="1300087291"/>
-      </p:ext>
-    </p:extLst>
-  </p:cSld>
-  <p:clrMapOvr>
-    <a:masterClrMapping/>
-  </p:clrMapOvr>
-</p:sld>
-</file>
-
-<file path=ppt/slides/slide6.xml><?xml version="1.0" encoding="utf-8"?>
-<p:sld xmlns:a="http://schemas.openxmlformats.org/drawingml/2006/main" xmlns:r="http://schemas.openxmlformats.org/officeDocument/2006/relationships" xmlns:p="http://schemas.openxmlformats.org/presentationml/2006/main">
-  <p:cSld>
-    <p:spTree>
-      <p:nvGrpSpPr>
-        <p:cNvPr id="1" name=""/>
-        <p:cNvGrpSpPr/>
-        <p:nvPr/>
-      </p:nvGrpSpPr>
-      <p:grpSpPr>
-        <a:xfrm>
-          <a:off x="0" y="0"/>
-          <a:ext cx="0" cy="0"/>
-          <a:chOff x="0" y="0"/>
-          <a:chExt cx="0" cy="0"/>
-        </a:xfrm>
-      </p:grpSpPr>
-      <p:sp>
-        <p:nvSpPr>
-          <p:cNvPr id="2" name="Inhaltsplatzhalter 1"/>
-          <p:cNvSpPr>
-            <a:spLocks noGrp="1"/>
-          </p:cNvSpPr>
-          <p:nvPr>
-            <p:ph idx="1"/>
-          </p:nvPr>
-        </p:nvSpPr>
-        <p:spPr>
-          <a:xfrm>
-            <a:off x="319090" y="1762188"/>
-            <a:ext cx="8508999" cy="4436953"/>
-          </a:xfrm>
-        </p:spPr>
-        <p:txBody>
-          <a:bodyPr/>
-          <a:lstStyle/>
-          <a:p>
-            <a:pPr marL="342900" indent="-342900">
-              <a:buFont typeface="Arial" panose="020B0604020202020204" pitchFamily="34" charset="0"/>
-              <a:buChar char="•"/>
-            </a:pPr>
-            <a:r>
               <a:rPr lang="en-IN" dirty="0" err="1"/>
               <a:t>PageFair</a:t>
             </a:r>
@@ -11367,7 +13278,7 @@
           <p:nvPr/>
         </p:nvPicPr>
         <p:blipFill>
-          <a:blip r:embed="rId2"/>
+          <a:blip r:embed="rId3"/>
           <a:stretch>
             <a:fillRect/>
           </a:stretch>
@@ -11391,7 +13302,7 @@
           <p:nvPr/>
         </p:nvPicPr>
         <p:blipFill>
-          <a:blip r:embed="rId3"/>
+          <a:blip r:embed="rId4"/>
           <a:stretch>
             <a:fillRect/>
           </a:stretch>
@@ -11419,7 +13330,7 @@
 </p:sld>
 </file>
 
-<file path=ppt/slides/slide7.xml><?xml version="1.0" encoding="utf-8"?>
+<file path=ppt/slides/slide6.xml><?xml version="1.0" encoding="utf-8"?>
 <p:sld xmlns:a="http://schemas.openxmlformats.org/drawingml/2006/main" xmlns:r="http://schemas.openxmlformats.org/officeDocument/2006/relationships" xmlns:p="http://schemas.openxmlformats.org/presentationml/2006/main">
   <p:cSld>
     <p:spTree>
@@ -11504,7 +13415,7 @@
           <p:nvPr/>
         </p:nvPicPr>
         <p:blipFill>
-          <a:blip r:embed="rId2"/>
+          <a:blip r:embed="rId3"/>
           <a:stretch>
             <a:fillRect/>
           </a:stretch>
@@ -11532,7 +13443,7 @@
 </p:sld>
 </file>
 
-<file path=ppt/slides/slide8.xml><?xml version="1.0" encoding="utf-8"?>
+<file path=ppt/slides/slide7.xml><?xml version="1.0" encoding="utf-8"?>
 <p:sld xmlns:a="http://schemas.openxmlformats.org/drawingml/2006/main" xmlns:r="http://schemas.openxmlformats.org/officeDocument/2006/relationships" xmlns:p="http://schemas.openxmlformats.org/presentationml/2006/main">
   <p:cSld>
     <p:spTree>
@@ -11669,7 +13580,7 @@
 </p:sld>
 </file>
 
-<file path=ppt/slides/slide9.xml><?xml version="1.0" encoding="utf-8"?>
+<file path=ppt/slides/slide8.xml><?xml version="1.0" encoding="utf-8"?>
 <p:sld xmlns:a="http://schemas.openxmlformats.org/drawingml/2006/main" xmlns:r="http://schemas.openxmlformats.org/officeDocument/2006/relationships" xmlns:p="http://schemas.openxmlformats.org/presentationml/2006/main">
   <p:cSld>
     <p:spTree>
@@ -12009,6 +13920,227 @@
     <p:extLst>
       <p:ext uri="{BB962C8B-B14F-4D97-AF65-F5344CB8AC3E}">
         <p14:creationId xmlns:p14="http://schemas.microsoft.com/office/powerpoint/2010/main" val="1945180083"/>
+      </p:ext>
+    </p:extLst>
+  </p:cSld>
+  <p:clrMapOvr>
+    <a:masterClrMapping/>
+  </p:clrMapOvr>
+</p:sld>
+</file>
+
+<file path=ppt/slides/slide9.xml><?xml version="1.0" encoding="utf-8"?>
+<p:sld xmlns:a="http://schemas.openxmlformats.org/drawingml/2006/main" xmlns:r="http://schemas.openxmlformats.org/officeDocument/2006/relationships" xmlns:p="http://schemas.openxmlformats.org/presentationml/2006/main">
+  <p:cSld>
+    <p:spTree>
+      <p:nvGrpSpPr>
+        <p:cNvPr id="1" name=""/>
+        <p:cNvGrpSpPr/>
+        <p:nvPr/>
+      </p:nvGrpSpPr>
+      <p:grpSpPr>
+        <a:xfrm>
+          <a:off x="0" y="0"/>
+          <a:ext cx="0" cy="0"/>
+          <a:chOff x="0" y="0"/>
+          <a:chExt cx="0" cy="0"/>
+        </a:xfrm>
+      </p:grpSpPr>
+      <p:sp>
+        <p:nvSpPr>
+          <p:cNvPr id="2" name="Inhaltsplatzhalter 1"/>
+          <p:cNvSpPr>
+            <a:spLocks noGrp="1"/>
+          </p:cNvSpPr>
+          <p:nvPr>
+            <p:ph idx="1"/>
+          </p:nvPr>
+        </p:nvSpPr>
+        <p:spPr>
+          <a:xfrm>
+            <a:off x="319090" y="1762188"/>
+            <a:ext cx="8508999" cy="4436953"/>
+          </a:xfrm>
+        </p:spPr>
+        <p:txBody>
+          <a:bodyPr/>
+          <a:lstStyle/>
+          <a:p>
+            <a:pPr marL="342900" indent="-342900">
+              <a:lnSpc>
+                <a:spcPct val="150000"/>
+              </a:lnSpc>
+              <a:buFont typeface="Arial" panose="020B0604020202020204" pitchFamily="34" charset="0"/>
+              <a:buChar char="•"/>
+            </a:pPr>
+            <a:r>
+              <a:rPr lang="en-IN" sz="2000" dirty="0"/>
+              <a:t>Anti Ad-blocker scripts change HTML content by:</a:t>
+            </a:r>
+          </a:p>
+          <a:p>
+            <a:pPr marL="519113" lvl="1" indent="-342900">
+              <a:lnSpc>
+                <a:spcPct val="150000"/>
+              </a:lnSpc>
+              <a:buFont typeface="Arial" panose="020B0604020202020204" pitchFamily="34" charset="0"/>
+              <a:buChar char="•"/>
+            </a:pPr>
+            <a:r>
+              <a:rPr lang="en-IN" sz="1800" dirty="0"/>
+              <a:t>adding extra HTML elements,</a:t>
+            </a:r>
+          </a:p>
+          <a:p>
+            <a:pPr marL="519113" lvl="1" indent="-342900">
+              <a:lnSpc>
+                <a:spcPct val="150000"/>
+              </a:lnSpc>
+              <a:buFont typeface="Arial" panose="020B0604020202020204" pitchFamily="34" charset="0"/>
+              <a:buChar char="•"/>
+            </a:pPr>
+            <a:r>
+              <a:rPr lang="en-IN" sz="1800" dirty="0"/>
+              <a:t>change in style of existing HTML elements,</a:t>
+            </a:r>
+          </a:p>
+          <a:p>
+            <a:pPr marL="519113" lvl="1" indent="-342900">
+              <a:lnSpc>
+                <a:spcPct val="150000"/>
+              </a:lnSpc>
+              <a:buFont typeface="Arial" panose="020B0604020202020204" pitchFamily="34" charset="0"/>
+              <a:buChar char="•"/>
+            </a:pPr>
+            <a:r>
+              <a:rPr lang="en-IN" sz="1800" dirty="0"/>
+              <a:t>changes in textual context.</a:t>
+            </a:r>
+          </a:p>
+          <a:p>
+            <a:pPr marL="519113" lvl="1" indent="-342900">
+              <a:lnSpc>
+                <a:spcPct val="150000"/>
+              </a:lnSpc>
+              <a:buFont typeface="Arial" panose="020B0604020202020204" pitchFamily="34" charset="0"/>
+              <a:buChar char="•"/>
+            </a:pPr>
+            <a:endParaRPr lang="en-IN" sz="1800" dirty="0"/>
+          </a:p>
+          <a:p>
+            <a:pPr marL="342900" indent="-342900">
+              <a:lnSpc>
+                <a:spcPct val="150000"/>
+              </a:lnSpc>
+              <a:buFont typeface="Arial" panose="020B0604020202020204" pitchFamily="34" charset="0"/>
+              <a:buChar char="•"/>
+            </a:pPr>
+            <a:r>
+              <a:rPr lang="en-IN" sz="1800" dirty="0"/>
+              <a:t>These changes can be categorized into:</a:t>
+            </a:r>
+          </a:p>
+          <a:p>
+            <a:pPr marL="519113" lvl="1" indent="-342900">
+              <a:lnSpc>
+                <a:spcPct val="150000"/>
+              </a:lnSpc>
+              <a:buFont typeface="Arial" panose="020B0604020202020204" pitchFamily="34" charset="0"/>
+              <a:buChar char="•"/>
+            </a:pPr>
+            <a:r>
+              <a:rPr lang="en-IN" sz="1800" i="1" dirty="0"/>
+              <a:t>Node Changes</a:t>
+            </a:r>
+            <a:r>
+              <a:rPr lang="en-IN" sz="1800" dirty="0"/>
+              <a:t>: Extra DOM elements</a:t>
+            </a:r>
+          </a:p>
+          <a:p>
+            <a:pPr marL="519113" lvl="1" indent="-342900">
+              <a:lnSpc>
+                <a:spcPct val="150000"/>
+              </a:lnSpc>
+              <a:buFont typeface="Arial" panose="020B0604020202020204" pitchFamily="34" charset="0"/>
+              <a:buChar char="•"/>
+            </a:pPr>
+            <a:r>
+              <a:rPr lang="en-IN" sz="1800" i="1" dirty="0"/>
+              <a:t>Style Changes</a:t>
+            </a:r>
+            <a:r>
+              <a:rPr lang="en-IN" sz="1800" dirty="0"/>
+              <a:t>: Toggling of hidden div elements</a:t>
+            </a:r>
+          </a:p>
+          <a:p>
+            <a:pPr marL="519113" lvl="1" indent="-342900">
+              <a:lnSpc>
+                <a:spcPct val="150000"/>
+              </a:lnSpc>
+              <a:buFont typeface="Arial" panose="020B0604020202020204" pitchFamily="34" charset="0"/>
+              <a:buChar char="•"/>
+            </a:pPr>
+            <a:r>
+              <a:rPr lang="en-IN" sz="1800" i="1" dirty="0"/>
+              <a:t>Textual Changes</a:t>
+            </a:r>
+            <a:r>
+              <a:rPr lang="en-IN" sz="1800" dirty="0"/>
+              <a:t>: Changes in textual content</a:t>
+            </a:r>
+          </a:p>
+          <a:p>
+            <a:pPr marL="519113" lvl="1" indent="-342900">
+              <a:lnSpc>
+                <a:spcPct val="150000"/>
+              </a:lnSpc>
+              <a:buFont typeface="Arial" panose="020B0604020202020204" pitchFamily="34" charset="0"/>
+              <a:buChar char="•"/>
+            </a:pPr>
+            <a:r>
+              <a:rPr lang="en-IN" sz="1800" i="1" dirty="0"/>
+              <a:t>Structural Changes</a:t>
+            </a:r>
+            <a:r>
+              <a:rPr lang="en-IN" sz="1800" dirty="0"/>
+              <a:t>: URL redirections</a:t>
+            </a:r>
+          </a:p>
+        </p:txBody>
+      </p:sp>
+      <p:sp>
+        <p:nvSpPr>
+          <p:cNvPr id="3" name="Titel 2"/>
+          <p:cNvSpPr>
+            <a:spLocks noGrp="1"/>
+          </p:cNvSpPr>
+          <p:nvPr>
+            <p:ph type="title"/>
+          </p:nvPr>
+        </p:nvSpPr>
+        <p:spPr>
+          <a:prstGeom prst="rect">
+            <a:avLst/>
+          </a:prstGeom>
+        </p:spPr>
+        <p:txBody>
+          <a:bodyPr/>
+          <a:lstStyle/>
+          <a:p>
+            <a:r>
+              <a:rPr lang="en-IN" sz="3000" dirty="0"/>
+              <a:t>Detecting Anti Ad-blockers</a:t>
+            </a:r>
+            <a:endParaRPr lang="de-DE" sz="3000" dirty="0"/>
+          </a:p>
+        </p:txBody>
+      </p:sp>
+    </p:spTree>
+    <p:extLst>
+      <p:ext uri="{BB962C8B-B14F-4D97-AF65-F5344CB8AC3E}">
+        <p14:creationId xmlns:p14="http://schemas.microsoft.com/office/powerpoint/2010/main" val="1673916877"/>
       </p:ext>
     </p:extLst>
   </p:cSld>
